--- a/contributing-to-helm/Contributing to Helm.pptx
+++ b/contributing-to-helm/Contributing to Helm.pptx
@@ -30,6 +30,18 @@
     <p:sldId id="275" r:id="rId25"/>
     <p:sldId id="276" r:id="rId26"/>
     <p:sldId id="277" r:id="rId27"/>
+    <p:sldId id="278" r:id="rId28"/>
+    <p:sldId id="279" r:id="rId29"/>
+    <p:sldId id="280" r:id="rId30"/>
+    <p:sldId id="281" r:id="rId31"/>
+    <p:sldId id="282" r:id="rId32"/>
+    <p:sldId id="283" r:id="rId33"/>
+    <p:sldId id="284" r:id="rId34"/>
+    <p:sldId id="285" r:id="rId35"/>
+    <p:sldId id="286" r:id="rId36"/>
+    <p:sldId id="287" r:id="rId37"/>
+    <p:sldId id="288" r:id="rId38"/>
+    <p:sldId id="289" r:id="rId39"/>
   </p:sldIdLst>
   <p:sldSz cy="5143500" cx="9144000"/>
   <p:notesSz cx="6858000" cy="9144000"/>
@@ -811,7 +823,7 @@
   <p:cSld>
     <p:spTree>
       <p:nvGrpSpPr>
-        <p:cNvPr id="96" name="Shape 96"/>
+        <p:cNvPr id="98" name="Shape 98"/>
         <p:cNvGrpSpPr/>
         <p:nvPr/>
       </p:nvGrpSpPr>
@@ -825,7 +837,7 @@
       </p:grpSpPr>
       <p:sp>
         <p:nvSpPr>
-          <p:cNvPr id="97" name="Google Shape;97;g634a3b16b5_0_44:notes"/>
+          <p:cNvPr id="99" name="Google Shape;99;g634a3b16b5_0_40:notes"/>
           <p:cNvSpPr/>
           <p:nvPr>
             <p:ph idx="2" type="sldImg"/>
@@ -860,7 +872,7 @@
       </p:sp>
       <p:sp>
         <p:nvSpPr>
-          <p:cNvPr id="98" name="Google Shape;98;g634a3b16b5_0_44:notes"/>
+          <p:cNvPr id="100" name="Google Shape;100;g634a3b16b5_0_40:notes"/>
           <p:cNvSpPr txBox="1"/>
           <p:nvPr>
             <p:ph idx="1" type="body"/>
@@ -910,7 +922,7 @@
   <p:cSld>
     <p:spTree>
       <p:nvGrpSpPr>
-        <p:cNvPr id="101" name="Shape 101"/>
+        <p:cNvPr id="103" name="Shape 103"/>
         <p:cNvGrpSpPr/>
         <p:nvPr/>
       </p:nvGrpSpPr>
@@ -924,7 +936,7 @@
       </p:grpSpPr>
       <p:sp>
         <p:nvSpPr>
-          <p:cNvPr id="102" name="Google Shape;102;g634a3b16b5_0_48:notes"/>
+          <p:cNvPr id="104" name="Google Shape;104;g166fa3a5f87f0f5b_0:notes"/>
           <p:cNvSpPr/>
           <p:nvPr>
             <p:ph idx="2" type="sldImg"/>
@@ -959,7 +971,7 @@
       </p:sp>
       <p:sp>
         <p:nvSpPr>
-          <p:cNvPr id="103" name="Google Shape;103;g634a3b16b5_0_48:notes"/>
+          <p:cNvPr id="105" name="Google Shape;105;g166fa3a5f87f0f5b_0:notes"/>
           <p:cNvSpPr txBox="1"/>
           <p:nvPr>
             <p:ph idx="1" type="body"/>
@@ -1009,7 +1021,7 @@
   <p:cSld>
     <p:spTree>
       <p:nvGrpSpPr>
-        <p:cNvPr id="106" name="Shape 106"/>
+        <p:cNvPr id="108" name="Shape 108"/>
         <p:cNvGrpSpPr/>
         <p:nvPr/>
       </p:nvGrpSpPr>
@@ -1023,7 +1035,7 @@
       </p:grpSpPr>
       <p:sp>
         <p:nvSpPr>
-          <p:cNvPr id="107" name="Google Shape;107;g634a3b16b5_0_52:notes"/>
+          <p:cNvPr id="109" name="Google Shape;109;g634a3b16b5_0_44:notes"/>
           <p:cNvSpPr/>
           <p:nvPr>
             <p:ph idx="2" type="sldImg"/>
@@ -1058,7 +1070,7 @@
       </p:sp>
       <p:sp>
         <p:nvSpPr>
-          <p:cNvPr id="108" name="Google Shape;108;g634a3b16b5_0_52:notes"/>
+          <p:cNvPr id="110" name="Google Shape;110;g634a3b16b5_0_44:notes"/>
           <p:cNvSpPr txBox="1"/>
           <p:nvPr>
             <p:ph idx="1" type="body"/>
@@ -1108,7 +1120,7 @@
   <p:cSld>
     <p:spTree>
       <p:nvGrpSpPr>
-        <p:cNvPr id="111" name="Shape 111"/>
+        <p:cNvPr id="113" name="Shape 113"/>
         <p:cNvGrpSpPr/>
         <p:nvPr/>
       </p:nvGrpSpPr>
@@ -1122,7 +1134,7 @@
       </p:grpSpPr>
       <p:sp>
         <p:nvSpPr>
-          <p:cNvPr id="112" name="Google Shape;112;g634a3b16b5_0_56:notes"/>
+          <p:cNvPr id="114" name="Google Shape;114;g634a3b16b5_0_48:notes"/>
           <p:cNvSpPr/>
           <p:nvPr>
             <p:ph idx="2" type="sldImg"/>
@@ -1157,7 +1169,7 @@
       </p:sp>
       <p:sp>
         <p:nvSpPr>
-          <p:cNvPr id="113" name="Google Shape;113;g634a3b16b5_0_56:notes"/>
+          <p:cNvPr id="115" name="Google Shape;115;g634a3b16b5_0_48:notes"/>
           <p:cNvSpPr txBox="1"/>
           <p:nvPr>
             <p:ph idx="1" type="body"/>
@@ -1207,7 +1219,7 @@
   <p:cSld>
     <p:spTree>
       <p:nvGrpSpPr>
-        <p:cNvPr id="116" name="Shape 116"/>
+        <p:cNvPr id="118" name="Shape 118"/>
         <p:cNvGrpSpPr/>
         <p:nvPr/>
       </p:nvGrpSpPr>
@@ -1221,7 +1233,7 @@
       </p:grpSpPr>
       <p:sp>
         <p:nvSpPr>
-          <p:cNvPr id="117" name="Google Shape;117;g634a3b16b5_0_60:notes"/>
+          <p:cNvPr id="119" name="Google Shape;119;g634a3b16b5_0_52:notes"/>
           <p:cNvSpPr/>
           <p:nvPr>
             <p:ph idx="2" type="sldImg"/>
@@ -1256,7 +1268,7 @@
       </p:sp>
       <p:sp>
         <p:nvSpPr>
-          <p:cNvPr id="118" name="Google Shape;118;g634a3b16b5_0_60:notes"/>
+          <p:cNvPr id="120" name="Google Shape;120;g634a3b16b5_0_52:notes"/>
           <p:cNvSpPr txBox="1"/>
           <p:nvPr>
             <p:ph idx="1" type="body"/>
@@ -1306,7 +1318,7 @@
   <p:cSld>
     <p:spTree>
       <p:nvGrpSpPr>
-        <p:cNvPr id="121" name="Shape 121"/>
+        <p:cNvPr id="123" name="Shape 123"/>
         <p:cNvGrpSpPr/>
         <p:nvPr/>
       </p:nvGrpSpPr>
@@ -1320,7 +1332,7 @@
       </p:grpSpPr>
       <p:sp>
         <p:nvSpPr>
-          <p:cNvPr id="122" name="Google Shape;122;g634a3b16b5_0_68:notes"/>
+          <p:cNvPr id="124" name="Google Shape;124;g634a3b16b5_0_56:notes"/>
           <p:cNvSpPr/>
           <p:nvPr>
             <p:ph idx="2" type="sldImg"/>
@@ -1355,7 +1367,7 @@
       </p:sp>
       <p:sp>
         <p:nvSpPr>
-          <p:cNvPr id="123" name="Google Shape;123;g634a3b16b5_0_68:notes"/>
+          <p:cNvPr id="125" name="Google Shape;125;g634a3b16b5_0_56:notes"/>
           <p:cNvSpPr txBox="1"/>
           <p:nvPr>
             <p:ph idx="1" type="body"/>
@@ -1405,7 +1417,7 @@
   <p:cSld>
     <p:spTree>
       <p:nvGrpSpPr>
-        <p:cNvPr id="126" name="Shape 126"/>
+        <p:cNvPr id="128" name="Shape 128"/>
         <p:cNvGrpSpPr/>
         <p:nvPr/>
       </p:nvGrpSpPr>
@@ -1419,7 +1431,7 @@
       </p:grpSpPr>
       <p:sp>
         <p:nvSpPr>
-          <p:cNvPr id="127" name="Google Shape;127;g634a3b16b5_0_64:notes"/>
+          <p:cNvPr id="129" name="Google Shape;129;g634a3b16b5_0_60:notes"/>
           <p:cNvSpPr/>
           <p:nvPr>
             <p:ph idx="2" type="sldImg"/>
@@ -1454,7 +1466,7 @@
       </p:sp>
       <p:sp>
         <p:nvSpPr>
-          <p:cNvPr id="128" name="Google Shape;128;g634a3b16b5_0_64:notes"/>
+          <p:cNvPr id="130" name="Google Shape;130;g634a3b16b5_0_60:notes"/>
           <p:cNvSpPr txBox="1"/>
           <p:nvPr>
             <p:ph idx="1" type="body"/>
@@ -1504,7 +1516,7 @@
   <p:cSld>
     <p:spTree>
       <p:nvGrpSpPr>
-        <p:cNvPr id="131" name="Shape 131"/>
+        <p:cNvPr id="133" name="Shape 133"/>
         <p:cNvGrpSpPr/>
         <p:nvPr/>
       </p:nvGrpSpPr>
@@ -1518,7 +1530,7 @@
       </p:grpSpPr>
       <p:sp>
         <p:nvSpPr>
-          <p:cNvPr id="132" name="Google Shape;132;g634a3b16b5_0_77:notes"/>
+          <p:cNvPr id="134" name="Google Shape;134;g634a3b16b5_0_68:notes"/>
           <p:cNvSpPr/>
           <p:nvPr>
             <p:ph idx="2" type="sldImg"/>
@@ -1553,7 +1565,7 @@
       </p:sp>
       <p:sp>
         <p:nvSpPr>
-          <p:cNvPr id="133" name="Google Shape;133;g634a3b16b5_0_77:notes"/>
+          <p:cNvPr id="135" name="Google Shape;135;g634a3b16b5_0_68:notes"/>
           <p:cNvSpPr txBox="1"/>
           <p:nvPr>
             <p:ph idx="1" type="body"/>
@@ -1603,7 +1615,7 @@
   <p:cSld>
     <p:spTree>
       <p:nvGrpSpPr>
-        <p:cNvPr id="136" name="Shape 136"/>
+        <p:cNvPr id="138" name="Shape 138"/>
         <p:cNvGrpSpPr/>
         <p:nvPr/>
       </p:nvGrpSpPr>
@@ -1617,7 +1629,7 @@
       </p:grpSpPr>
       <p:sp>
         <p:nvSpPr>
-          <p:cNvPr id="137" name="Google Shape;137;g634a3b16b5_0_81:notes"/>
+          <p:cNvPr id="139" name="Google Shape;139;g634a3b16b5_0_64:notes"/>
           <p:cNvSpPr/>
           <p:nvPr>
             <p:ph idx="2" type="sldImg"/>
@@ -1652,7 +1664,7 @@
       </p:sp>
       <p:sp>
         <p:nvSpPr>
-          <p:cNvPr id="138" name="Google Shape;138;g634a3b16b5_0_81:notes"/>
+          <p:cNvPr id="140" name="Google Shape;140;g634a3b16b5_0_64:notes"/>
           <p:cNvSpPr txBox="1"/>
           <p:nvPr>
             <p:ph idx="1" type="body"/>
@@ -1702,7 +1714,7 @@
   <p:cSld>
     <p:spTree>
       <p:nvGrpSpPr>
-        <p:cNvPr id="141" name="Shape 141"/>
+        <p:cNvPr id="143" name="Shape 143"/>
         <p:cNvGrpSpPr/>
         <p:nvPr/>
       </p:nvGrpSpPr>
@@ -1716,7 +1728,7 @@
       </p:grpSpPr>
       <p:sp>
         <p:nvSpPr>
-          <p:cNvPr id="142" name="Google Shape;142;g634a3b16b5_0_89:notes"/>
+          <p:cNvPr id="144" name="Google Shape;144;g634a3b16b5_0_77:notes"/>
           <p:cNvSpPr/>
           <p:nvPr>
             <p:ph idx="2" type="sldImg"/>
@@ -1751,7 +1763,7 @@
       </p:sp>
       <p:sp>
         <p:nvSpPr>
-          <p:cNvPr id="143" name="Google Shape;143;g634a3b16b5_0_89:notes"/>
+          <p:cNvPr id="145" name="Google Shape;145;g634a3b16b5_0_77:notes"/>
           <p:cNvSpPr txBox="1"/>
           <p:nvPr>
             <p:ph idx="1" type="body"/>
@@ -1815,7 +1827,7 @@
       </p:grpSpPr>
       <p:sp>
         <p:nvSpPr>
-          <p:cNvPr id="57" name="Google Shape;57;g634a3b16b5_0_1:notes"/>
+          <p:cNvPr id="57" name="Google Shape;57;g640c678a88_0_1:notes"/>
           <p:cNvSpPr/>
           <p:nvPr>
             <p:ph idx="2" type="sldImg"/>
@@ -1850,7 +1862,7 @@
       </p:sp>
       <p:sp>
         <p:nvSpPr>
-          <p:cNvPr id="58" name="Google Shape;58;g634a3b16b5_0_1:notes"/>
+          <p:cNvPr id="58" name="Google Shape;58;g640c678a88_0_1:notes"/>
           <p:cNvSpPr txBox="1"/>
           <p:nvPr>
             <p:ph idx="1" type="body"/>
@@ -1900,7 +1912,7 @@
   <p:cSld>
     <p:spTree>
       <p:nvGrpSpPr>
-        <p:cNvPr id="146" name="Shape 146"/>
+        <p:cNvPr id="148" name="Shape 148"/>
         <p:cNvGrpSpPr/>
         <p:nvPr/>
       </p:nvGrpSpPr>
@@ -1914,7 +1926,7 @@
       </p:grpSpPr>
       <p:sp>
         <p:nvSpPr>
-          <p:cNvPr id="147" name="Google Shape;147;g634a3b16b5_0_85:notes"/>
+          <p:cNvPr id="149" name="Google Shape;149;g634a3b16b5_0_89:notes"/>
           <p:cNvSpPr/>
           <p:nvPr>
             <p:ph idx="2" type="sldImg"/>
@@ -1949,7 +1961,7 @@
       </p:sp>
       <p:sp>
         <p:nvSpPr>
-          <p:cNvPr id="148" name="Google Shape;148;g634a3b16b5_0_85:notes"/>
+          <p:cNvPr id="150" name="Google Shape;150;g634a3b16b5_0_89:notes"/>
           <p:cNvSpPr txBox="1"/>
           <p:nvPr>
             <p:ph idx="1" type="body"/>
@@ -1999,7 +2011,7 @@
   <p:cSld>
     <p:spTree>
       <p:nvGrpSpPr>
-        <p:cNvPr id="151" name="Shape 151"/>
+        <p:cNvPr id="153" name="Shape 153"/>
         <p:cNvGrpSpPr/>
         <p:nvPr/>
       </p:nvGrpSpPr>
@@ -2013,7 +2025,7 @@
       </p:grpSpPr>
       <p:sp>
         <p:nvSpPr>
-          <p:cNvPr id="152" name="Google Shape;152;g634a3b16b5_0_93:notes"/>
+          <p:cNvPr id="154" name="Google Shape;154;g640c678a88_0_20:notes"/>
           <p:cNvSpPr/>
           <p:nvPr>
             <p:ph idx="2" type="sldImg"/>
@@ -2048,7 +2060,7 @@
       </p:sp>
       <p:sp>
         <p:nvSpPr>
-          <p:cNvPr id="153" name="Google Shape;153;g634a3b16b5_0_93:notes"/>
+          <p:cNvPr id="155" name="Google Shape;155;g640c678a88_0_20:notes"/>
           <p:cNvSpPr txBox="1"/>
           <p:nvPr>
             <p:ph idx="1" type="body"/>
@@ -2098,7 +2110,7 @@
   <p:cSld>
     <p:spTree>
       <p:nvGrpSpPr>
-        <p:cNvPr id="157" name="Shape 157"/>
+        <p:cNvPr id="158" name="Shape 158"/>
         <p:cNvGrpSpPr/>
         <p:nvPr/>
       </p:nvGrpSpPr>
@@ -2112,7 +2124,7 @@
       </p:grpSpPr>
       <p:sp>
         <p:nvSpPr>
-          <p:cNvPr id="158" name="Google Shape;158;g634a3b16b5_0_102:notes"/>
+          <p:cNvPr id="159" name="Google Shape;159;g634a3b16b5_0_85:notes"/>
           <p:cNvSpPr/>
           <p:nvPr>
             <p:ph idx="2" type="sldImg"/>
@@ -2147,7 +2159,700 @@
       </p:sp>
       <p:sp>
         <p:nvSpPr>
-          <p:cNvPr id="159" name="Google Shape;159;g634a3b16b5_0_102:notes"/>
+          <p:cNvPr id="160" name="Google Shape;160;g634a3b16b5_0_85:notes"/>
+          <p:cNvSpPr txBox="1"/>
+          <p:nvPr>
+            <p:ph idx="1" type="body"/>
+          </p:nvPr>
+        </p:nvSpPr>
+        <p:spPr>
+          <a:xfrm>
+            <a:off x="685800" y="4343400"/>
+            <a:ext cx="5486400" cy="4114800"/>
+          </a:xfrm>
+          <a:prstGeom prst="rect">
+            <a:avLst/>
+          </a:prstGeom>
+        </p:spPr>
+        <p:txBody>
+          <a:bodyPr anchorCtr="0" anchor="t" bIns="91425" lIns="91425" spcFirstLastPara="1" rIns="91425" wrap="square" tIns="91425">
+            <a:noAutofit/>
+          </a:bodyPr>
+          <a:lstStyle/>
+          <a:p>
+            <a:pPr indent="0" lvl="0" marL="0" rtl="0" algn="l">
+              <a:spcBef>
+                <a:spcPts val="0"/>
+              </a:spcBef>
+              <a:spcAft>
+                <a:spcPts val="0"/>
+              </a:spcAft>
+              <a:buNone/>
+            </a:pPr>
+            <a:r>
+              <a:t/>
+            </a:r>
+            <a:endParaRPr/>
+          </a:p>
+        </p:txBody>
+      </p:sp>
+    </p:spTree>
+  </p:cSld>
+  <p:clrMapOvr>
+    <a:masterClrMapping/>
+  </p:clrMapOvr>
+</p:notes>
+</file>
+
+<file path=ppt/notesSlides/notesSlide23.xml><?xml version="1.0" encoding="utf-8"?>
+<p:notes xmlns:a="http://schemas.openxmlformats.org/drawingml/2006/main" xmlns:r="http://schemas.openxmlformats.org/officeDocument/2006/relationships" xmlns:mc="http://schemas.openxmlformats.org/markup-compatibility/2006" xmlns:mv="urn:schemas-microsoft-com:mac:vml" xmlns:p="http://schemas.openxmlformats.org/presentationml/2006/main" xmlns:c="http://schemas.openxmlformats.org/drawingml/2006/chart" xmlns:dgm="http://schemas.openxmlformats.org/drawingml/2006/diagram" xmlns:o="urn:schemas-microsoft-com:office:office" xmlns:v="urn:schemas-microsoft-com:vml" xmlns:pvml="urn:schemas-microsoft-com:office:powerpoint" xmlns:com="http://schemas.openxmlformats.org/drawingml/2006/compatibility" xmlns:p14="http://schemas.microsoft.com/office/powerpoint/2010/main" xmlns:p15="http://schemas.microsoft.com/office/powerpoint/2012/main" showMasterPhAnim="0" showMasterSp="0">
+  <p:cSld>
+    <p:spTree>
+      <p:nvGrpSpPr>
+        <p:cNvPr id="163" name="Shape 163"/>
+        <p:cNvGrpSpPr/>
+        <p:nvPr/>
+      </p:nvGrpSpPr>
+      <p:grpSpPr>
+        <a:xfrm>
+          <a:off x="0" y="0"/>
+          <a:ext cx="0" cy="0"/>
+          <a:chOff x="0" y="0"/>
+          <a:chExt cx="0" cy="0"/>
+        </a:xfrm>
+      </p:grpSpPr>
+      <p:sp>
+        <p:nvSpPr>
+          <p:cNvPr id="164" name="Google Shape;164;g640c678a88_0_34:notes"/>
+          <p:cNvSpPr/>
+          <p:nvPr>
+            <p:ph idx="2" type="sldImg"/>
+          </p:nvPr>
+        </p:nvSpPr>
+        <p:spPr>
+          <a:xfrm>
+            <a:off x="381300" y="685800"/>
+            <a:ext cx="6096000" cy="3429000"/>
+          </a:xfrm>
+          <a:custGeom>
+            <a:rect b="b" l="l" r="r" t="t"/>
+            <a:pathLst>
+              <a:path extrusionOk="0" h="120000" w="120000">
+                <a:moveTo>
+                  <a:pt x="0" y="0"/>
+                </a:moveTo>
+                <a:lnTo>
+                  <a:pt x="120000" y="0"/>
+                </a:lnTo>
+                <a:lnTo>
+                  <a:pt x="120000" y="120000"/>
+                </a:lnTo>
+                <a:lnTo>
+                  <a:pt x="0" y="120000"/>
+                </a:lnTo>
+                <a:close/>
+              </a:path>
+            </a:pathLst>
+          </a:custGeom>
+        </p:spPr>
+      </p:sp>
+      <p:sp>
+        <p:nvSpPr>
+          <p:cNvPr id="165" name="Google Shape;165;g640c678a88_0_34:notes"/>
+          <p:cNvSpPr txBox="1"/>
+          <p:nvPr>
+            <p:ph idx="1" type="body"/>
+          </p:nvPr>
+        </p:nvSpPr>
+        <p:spPr>
+          <a:xfrm>
+            <a:off x="685800" y="4343400"/>
+            <a:ext cx="5486400" cy="4114800"/>
+          </a:xfrm>
+          <a:prstGeom prst="rect">
+            <a:avLst/>
+          </a:prstGeom>
+        </p:spPr>
+        <p:txBody>
+          <a:bodyPr anchorCtr="0" anchor="t" bIns="91425" lIns="91425" spcFirstLastPara="1" rIns="91425" wrap="square" tIns="91425">
+            <a:noAutofit/>
+          </a:bodyPr>
+          <a:lstStyle/>
+          <a:p>
+            <a:pPr indent="0" lvl="0" marL="0" rtl="0" algn="l">
+              <a:spcBef>
+                <a:spcPts val="0"/>
+              </a:spcBef>
+              <a:spcAft>
+                <a:spcPts val="0"/>
+              </a:spcAft>
+              <a:buNone/>
+            </a:pPr>
+            <a:r>
+              <a:t/>
+            </a:r>
+            <a:endParaRPr/>
+          </a:p>
+        </p:txBody>
+      </p:sp>
+    </p:spTree>
+  </p:cSld>
+  <p:clrMapOvr>
+    <a:masterClrMapping/>
+  </p:clrMapOvr>
+</p:notes>
+</file>
+
+<file path=ppt/notesSlides/notesSlide24.xml><?xml version="1.0" encoding="utf-8"?>
+<p:notes xmlns:a="http://schemas.openxmlformats.org/drawingml/2006/main" xmlns:r="http://schemas.openxmlformats.org/officeDocument/2006/relationships" xmlns:mc="http://schemas.openxmlformats.org/markup-compatibility/2006" xmlns:mv="urn:schemas-microsoft-com:mac:vml" xmlns:p="http://schemas.openxmlformats.org/presentationml/2006/main" xmlns:c="http://schemas.openxmlformats.org/drawingml/2006/chart" xmlns:dgm="http://schemas.openxmlformats.org/drawingml/2006/diagram" xmlns:o="urn:schemas-microsoft-com:office:office" xmlns:v="urn:schemas-microsoft-com:vml" xmlns:pvml="urn:schemas-microsoft-com:office:powerpoint" xmlns:com="http://schemas.openxmlformats.org/drawingml/2006/compatibility" xmlns:p14="http://schemas.microsoft.com/office/powerpoint/2010/main" xmlns:p15="http://schemas.microsoft.com/office/powerpoint/2012/main" showMasterPhAnim="0" showMasterSp="0">
+  <p:cSld>
+    <p:spTree>
+      <p:nvGrpSpPr>
+        <p:cNvPr id="168" name="Shape 168"/>
+        <p:cNvGrpSpPr/>
+        <p:nvPr/>
+      </p:nvGrpSpPr>
+      <p:grpSpPr>
+        <a:xfrm>
+          <a:off x="0" y="0"/>
+          <a:ext cx="0" cy="0"/>
+          <a:chOff x="0" y="0"/>
+          <a:chExt cx="0" cy="0"/>
+        </a:xfrm>
+      </p:grpSpPr>
+      <p:sp>
+        <p:nvSpPr>
+          <p:cNvPr id="169" name="Google Shape;169;g640c678a88_0_38:notes"/>
+          <p:cNvSpPr/>
+          <p:nvPr>
+            <p:ph idx="2" type="sldImg"/>
+          </p:nvPr>
+        </p:nvSpPr>
+        <p:spPr>
+          <a:xfrm>
+            <a:off x="381300" y="685800"/>
+            <a:ext cx="6096000" cy="3429000"/>
+          </a:xfrm>
+          <a:custGeom>
+            <a:rect b="b" l="l" r="r" t="t"/>
+            <a:pathLst>
+              <a:path extrusionOk="0" h="120000" w="120000">
+                <a:moveTo>
+                  <a:pt x="0" y="0"/>
+                </a:moveTo>
+                <a:lnTo>
+                  <a:pt x="120000" y="0"/>
+                </a:lnTo>
+                <a:lnTo>
+                  <a:pt x="120000" y="120000"/>
+                </a:lnTo>
+                <a:lnTo>
+                  <a:pt x="0" y="120000"/>
+                </a:lnTo>
+                <a:close/>
+              </a:path>
+            </a:pathLst>
+          </a:custGeom>
+        </p:spPr>
+      </p:sp>
+      <p:sp>
+        <p:nvSpPr>
+          <p:cNvPr id="170" name="Google Shape;170;g640c678a88_0_38:notes"/>
+          <p:cNvSpPr txBox="1"/>
+          <p:nvPr>
+            <p:ph idx="1" type="body"/>
+          </p:nvPr>
+        </p:nvSpPr>
+        <p:spPr>
+          <a:xfrm>
+            <a:off x="685800" y="4343400"/>
+            <a:ext cx="5486400" cy="4114800"/>
+          </a:xfrm>
+          <a:prstGeom prst="rect">
+            <a:avLst/>
+          </a:prstGeom>
+        </p:spPr>
+        <p:txBody>
+          <a:bodyPr anchorCtr="0" anchor="t" bIns="91425" lIns="91425" spcFirstLastPara="1" rIns="91425" wrap="square" tIns="91425">
+            <a:noAutofit/>
+          </a:bodyPr>
+          <a:lstStyle/>
+          <a:p>
+            <a:pPr indent="0" lvl="0" marL="0" rtl="0" algn="l">
+              <a:spcBef>
+                <a:spcPts val="0"/>
+              </a:spcBef>
+              <a:spcAft>
+                <a:spcPts val="0"/>
+              </a:spcAft>
+              <a:buNone/>
+            </a:pPr>
+            <a:r>
+              <a:t/>
+            </a:r>
+            <a:endParaRPr/>
+          </a:p>
+        </p:txBody>
+      </p:sp>
+    </p:spTree>
+  </p:cSld>
+  <p:clrMapOvr>
+    <a:masterClrMapping/>
+  </p:clrMapOvr>
+</p:notes>
+</file>
+
+<file path=ppt/notesSlides/notesSlide25.xml><?xml version="1.0" encoding="utf-8"?>
+<p:notes xmlns:a="http://schemas.openxmlformats.org/drawingml/2006/main" xmlns:r="http://schemas.openxmlformats.org/officeDocument/2006/relationships" xmlns:mc="http://schemas.openxmlformats.org/markup-compatibility/2006" xmlns:mv="urn:schemas-microsoft-com:mac:vml" xmlns:p="http://schemas.openxmlformats.org/presentationml/2006/main" xmlns:c="http://schemas.openxmlformats.org/drawingml/2006/chart" xmlns:dgm="http://schemas.openxmlformats.org/drawingml/2006/diagram" xmlns:o="urn:schemas-microsoft-com:office:office" xmlns:v="urn:schemas-microsoft-com:vml" xmlns:pvml="urn:schemas-microsoft-com:office:powerpoint" xmlns:com="http://schemas.openxmlformats.org/drawingml/2006/compatibility" xmlns:p14="http://schemas.microsoft.com/office/powerpoint/2010/main" xmlns:p15="http://schemas.microsoft.com/office/powerpoint/2012/main" showMasterPhAnim="0" showMasterSp="0">
+  <p:cSld>
+    <p:spTree>
+      <p:nvGrpSpPr>
+        <p:cNvPr id="173" name="Shape 173"/>
+        <p:cNvGrpSpPr/>
+        <p:nvPr/>
+      </p:nvGrpSpPr>
+      <p:grpSpPr>
+        <a:xfrm>
+          <a:off x="0" y="0"/>
+          <a:ext cx="0" cy="0"/>
+          <a:chOff x="0" y="0"/>
+          <a:chExt cx="0" cy="0"/>
+        </a:xfrm>
+      </p:grpSpPr>
+      <p:sp>
+        <p:nvSpPr>
+          <p:cNvPr id="174" name="Google Shape;174;g6546dd18b2_0_34:notes"/>
+          <p:cNvSpPr/>
+          <p:nvPr>
+            <p:ph idx="2" type="sldImg"/>
+          </p:nvPr>
+        </p:nvSpPr>
+        <p:spPr>
+          <a:xfrm>
+            <a:off x="381300" y="685800"/>
+            <a:ext cx="6096000" cy="3429000"/>
+          </a:xfrm>
+          <a:custGeom>
+            <a:rect b="b" l="l" r="r" t="t"/>
+            <a:pathLst>
+              <a:path extrusionOk="0" h="120000" w="120000">
+                <a:moveTo>
+                  <a:pt x="0" y="0"/>
+                </a:moveTo>
+                <a:lnTo>
+                  <a:pt x="120000" y="0"/>
+                </a:lnTo>
+                <a:lnTo>
+                  <a:pt x="120000" y="120000"/>
+                </a:lnTo>
+                <a:lnTo>
+                  <a:pt x="0" y="120000"/>
+                </a:lnTo>
+                <a:close/>
+              </a:path>
+            </a:pathLst>
+          </a:custGeom>
+        </p:spPr>
+      </p:sp>
+      <p:sp>
+        <p:nvSpPr>
+          <p:cNvPr id="175" name="Google Shape;175;g6546dd18b2_0_34:notes"/>
+          <p:cNvSpPr txBox="1"/>
+          <p:nvPr>
+            <p:ph idx="1" type="body"/>
+          </p:nvPr>
+        </p:nvSpPr>
+        <p:spPr>
+          <a:xfrm>
+            <a:off x="685800" y="4343400"/>
+            <a:ext cx="5486400" cy="4114800"/>
+          </a:xfrm>
+          <a:prstGeom prst="rect">
+            <a:avLst/>
+          </a:prstGeom>
+        </p:spPr>
+        <p:txBody>
+          <a:bodyPr anchorCtr="0" anchor="t" bIns="91425" lIns="91425" spcFirstLastPara="1" rIns="91425" wrap="square" tIns="91425">
+            <a:noAutofit/>
+          </a:bodyPr>
+          <a:lstStyle/>
+          <a:p>
+            <a:pPr indent="0" lvl="0" marL="0" rtl="0" algn="l">
+              <a:spcBef>
+                <a:spcPts val="0"/>
+              </a:spcBef>
+              <a:spcAft>
+                <a:spcPts val="0"/>
+              </a:spcAft>
+              <a:buNone/>
+            </a:pPr>
+            <a:r>
+              <a:t/>
+            </a:r>
+            <a:endParaRPr/>
+          </a:p>
+        </p:txBody>
+      </p:sp>
+    </p:spTree>
+  </p:cSld>
+  <p:clrMapOvr>
+    <a:masterClrMapping/>
+  </p:clrMapOvr>
+</p:notes>
+</file>
+
+<file path=ppt/notesSlides/notesSlide26.xml><?xml version="1.0" encoding="utf-8"?>
+<p:notes xmlns:a="http://schemas.openxmlformats.org/drawingml/2006/main" xmlns:r="http://schemas.openxmlformats.org/officeDocument/2006/relationships" xmlns:mc="http://schemas.openxmlformats.org/markup-compatibility/2006" xmlns:mv="urn:schemas-microsoft-com:mac:vml" xmlns:p="http://schemas.openxmlformats.org/presentationml/2006/main" xmlns:c="http://schemas.openxmlformats.org/drawingml/2006/chart" xmlns:dgm="http://schemas.openxmlformats.org/drawingml/2006/diagram" xmlns:o="urn:schemas-microsoft-com:office:office" xmlns:v="urn:schemas-microsoft-com:vml" xmlns:pvml="urn:schemas-microsoft-com:office:powerpoint" xmlns:com="http://schemas.openxmlformats.org/drawingml/2006/compatibility" xmlns:p14="http://schemas.microsoft.com/office/powerpoint/2010/main" xmlns:p15="http://schemas.microsoft.com/office/powerpoint/2012/main" showMasterPhAnim="0" showMasterSp="0">
+  <p:cSld>
+    <p:spTree>
+      <p:nvGrpSpPr>
+        <p:cNvPr id="179" name="Shape 179"/>
+        <p:cNvGrpSpPr/>
+        <p:nvPr/>
+      </p:nvGrpSpPr>
+      <p:grpSpPr>
+        <a:xfrm>
+          <a:off x="0" y="0"/>
+          <a:ext cx="0" cy="0"/>
+          <a:chOff x="0" y="0"/>
+          <a:chExt cx="0" cy="0"/>
+        </a:xfrm>
+      </p:grpSpPr>
+      <p:sp>
+        <p:nvSpPr>
+          <p:cNvPr id="180" name="Google Shape;180;g640c678a88_0_42:notes"/>
+          <p:cNvSpPr/>
+          <p:nvPr>
+            <p:ph idx="2" type="sldImg"/>
+          </p:nvPr>
+        </p:nvSpPr>
+        <p:spPr>
+          <a:xfrm>
+            <a:off x="381300" y="685800"/>
+            <a:ext cx="6096000" cy="3429000"/>
+          </a:xfrm>
+          <a:custGeom>
+            <a:rect b="b" l="l" r="r" t="t"/>
+            <a:pathLst>
+              <a:path extrusionOk="0" h="120000" w="120000">
+                <a:moveTo>
+                  <a:pt x="0" y="0"/>
+                </a:moveTo>
+                <a:lnTo>
+                  <a:pt x="120000" y="0"/>
+                </a:lnTo>
+                <a:lnTo>
+                  <a:pt x="120000" y="120000"/>
+                </a:lnTo>
+                <a:lnTo>
+                  <a:pt x="0" y="120000"/>
+                </a:lnTo>
+                <a:close/>
+              </a:path>
+            </a:pathLst>
+          </a:custGeom>
+        </p:spPr>
+      </p:sp>
+      <p:sp>
+        <p:nvSpPr>
+          <p:cNvPr id="181" name="Google Shape;181;g640c678a88_0_42:notes"/>
+          <p:cNvSpPr txBox="1"/>
+          <p:nvPr>
+            <p:ph idx="1" type="body"/>
+          </p:nvPr>
+        </p:nvSpPr>
+        <p:spPr>
+          <a:xfrm>
+            <a:off x="685800" y="4343400"/>
+            <a:ext cx="5486400" cy="4114800"/>
+          </a:xfrm>
+          <a:prstGeom prst="rect">
+            <a:avLst/>
+          </a:prstGeom>
+        </p:spPr>
+        <p:txBody>
+          <a:bodyPr anchorCtr="0" anchor="t" bIns="91425" lIns="91425" spcFirstLastPara="1" rIns="91425" wrap="square" tIns="91425">
+            <a:noAutofit/>
+          </a:bodyPr>
+          <a:lstStyle/>
+          <a:p>
+            <a:pPr indent="0" lvl="0" marL="0" rtl="0" algn="l">
+              <a:spcBef>
+                <a:spcPts val="0"/>
+              </a:spcBef>
+              <a:spcAft>
+                <a:spcPts val="0"/>
+              </a:spcAft>
+              <a:buNone/>
+            </a:pPr>
+            <a:r>
+              <a:t/>
+            </a:r>
+            <a:endParaRPr/>
+          </a:p>
+        </p:txBody>
+      </p:sp>
+    </p:spTree>
+  </p:cSld>
+  <p:clrMapOvr>
+    <a:masterClrMapping/>
+  </p:clrMapOvr>
+</p:notes>
+</file>
+
+<file path=ppt/notesSlides/notesSlide27.xml><?xml version="1.0" encoding="utf-8"?>
+<p:notes xmlns:a="http://schemas.openxmlformats.org/drawingml/2006/main" xmlns:r="http://schemas.openxmlformats.org/officeDocument/2006/relationships" xmlns:mc="http://schemas.openxmlformats.org/markup-compatibility/2006" xmlns:mv="urn:schemas-microsoft-com:mac:vml" xmlns:p="http://schemas.openxmlformats.org/presentationml/2006/main" xmlns:c="http://schemas.openxmlformats.org/drawingml/2006/chart" xmlns:dgm="http://schemas.openxmlformats.org/drawingml/2006/diagram" xmlns:o="urn:schemas-microsoft-com:office:office" xmlns:v="urn:schemas-microsoft-com:vml" xmlns:pvml="urn:schemas-microsoft-com:office:powerpoint" xmlns:com="http://schemas.openxmlformats.org/drawingml/2006/compatibility" xmlns:p14="http://schemas.microsoft.com/office/powerpoint/2010/main" xmlns:p15="http://schemas.microsoft.com/office/powerpoint/2012/main" showMasterPhAnim="0" showMasterSp="0">
+  <p:cSld>
+    <p:spTree>
+      <p:nvGrpSpPr>
+        <p:cNvPr id="184" name="Shape 184"/>
+        <p:cNvGrpSpPr/>
+        <p:nvPr/>
+      </p:nvGrpSpPr>
+      <p:grpSpPr>
+        <a:xfrm>
+          <a:off x="0" y="0"/>
+          <a:ext cx="0" cy="0"/>
+          <a:chOff x="0" y="0"/>
+          <a:chExt cx="0" cy="0"/>
+        </a:xfrm>
+      </p:grpSpPr>
+      <p:sp>
+        <p:nvSpPr>
+          <p:cNvPr id="185" name="Google Shape;185;g653091b396_0_11:notes"/>
+          <p:cNvSpPr/>
+          <p:nvPr>
+            <p:ph idx="2" type="sldImg"/>
+          </p:nvPr>
+        </p:nvSpPr>
+        <p:spPr>
+          <a:xfrm>
+            <a:off x="381300" y="685800"/>
+            <a:ext cx="6096000" cy="3429000"/>
+          </a:xfrm>
+          <a:custGeom>
+            <a:rect b="b" l="l" r="r" t="t"/>
+            <a:pathLst>
+              <a:path extrusionOk="0" h="120000" w="120000">
+                <a:moveTo>
+                  <a:pt x="0" y="0"/>
+                </a:moveTo>
+                <a:lnTo>
+                  <a:pt x="120000" y="0"/>
+                </a:lnTo>
+                <a:lnTo>
+                  <a:pt x="120000" y="120000"/>
+                </a:lnTo>
+                <a:lnTo>
+                  <a:pt x="0" y="120000"/>
+                </a:lnTo>
+                <a:close/>
+              </a:path>
+            </a:pathLst>
+          </a:custGeom>
+        </p:spPr>
+      </p:sp>
+      <p:sp>
+        <p:nvSpPr>
+          <p:cNvPr id="186" name="Google Shape;186;g653091b396_0_11:notes"/>
+          <p:cNvSpPr txBox="1"/>
+          <p:nvPr>
+            <p:ph idx="1" type="body"/>
+          </p:nvPr>
+        </p:nvSpPr>
+        <p:spPr>
+          <a:xfrm>
+            <a:off x="685800" y="4343400"/>
+            <a:ext cx="5486400" cy="4114800"/>
+          </a:xfrm>
+          <a:prstGeom prst="rect">
+            <a:avLst/>
+          </a:prstGeom>
+        </p:spPr>
+        <p:txBody>
+          <a:bodyPr anchorCtr="0" anchor="t" bIns="91425" lIns="91425" spcFirstLastPara="1" rIns="91425" wrap="square" tIns="91425">
+            <a:noAutofit/>
+          </a:bodyPr>
+          <a:lstStyle/>
+          <a:p>
+            <a:pPr indent="0" lvl="0" marL="0" rtl="0" algn="l">
+              <a:spcBef>
+                <a:spcPts val="0"/>
+              </a:spcBef>
+              <a:spcAft>
+                <a:spcPts val="0"/>
+              </a:spcAft>
+              <a:buNone/>
+            </a:pPr>
+            <a:r>
+              <a:t/>
+            </a:r>
+            <a:endParaRPr/>
+          </a:p>
+        </p:txBody>
+      </p:sp>
+    </p:spTree>
+  </p:cSld>
+  <p:clrMapOvr>
+    <a:masterClrMapping/>
+  </p:clrMapOvr>
+</p:notes>
+</file>
+
+<file path=ppt/notesSlides/notesSlide28.xml><?xml version="1.0" encoding="utf-8"?>
+<p:notes xmlns:a="http://schemas.openxmlformats.org/drawingml/2006/main" xmlns:r="http://schemas.openxmlformats.org/officeDocument/2006/relationships" xmlns:mc="http://schemas.openxmlformats.org/markup-compatibility/2006" xmlns:mv="urn:schemas-microsoft-com:mac:vml" xmlns:p="http://schemas.openxmlformats.org/presentationml/2006/main" xmlns:c="http://schemas.openxmlformats.org/drawingml/2006/chart" xmlns:dgm="http://schemas.openxmlformats.org/drawingml/2006/diagram" xmlns:o="urn:schemas-microsoft-com:office:office" xmlns:v="urn:schemas-microsoft-com:vml" xmlns:pvml="urn:schemas-microsoft-com:office:powerpoint" xmlns:com="http://schemas.openxmlformats.org/drawingml/2006/compatibility" xmlns:p14="http://schemas.microsoft.com/office/powerpoint/2010/main" xmlns:p15="http://schemas.microsoft.com/office/powerpoint/2012/main" showMasterPhAnim="0" showMasterSp="0">
+  <p:cSld>
+    <p:spTree>
+      <p:nvGrpSpPr>
+        <p:cNvPr id="189" name="Shape 189"/>
+        <p:cNvGrpSpPr/>
+        <p:nvPr/>
+      </p:nvGrpSpPr>
+      <p:grpSpPr>
+        <a:xfrm>
+          <a:off x="0" y="0"/>
+          <a:ext cx="0" cy="0"/>
+          <a:chOff x="0" y="0"/>
+          <a:chExt cx="0" cy="0"/>
+        </a:xfrm>
+      </p:grpSpPr>
+      <p:sp>
+        <p:nvSpPr>
+          <p:cNvPr id="190" name="Google Shape;190;g640c678a88_0_51:notes"/>
+          <p:cNvSpPr/>
+          <p:nvPr>
+            <p:ph idx="2" type="sldImg"/>
+          </p:nvPr>
+        </p:nvSpPr>
+        <p:spPr>
+          <a:xfrm>
+            <a:off x="381300" y="685800"/>
+            <a:ext cx="6096000" cy="3429000"/>
+          </a:xfrm>
+          <a:custGeom>
+            <a:rect b="b" l="l" r="r" t="t"/>
+            <a:pathLst>
+              <a:path extrusionOk="0" h="120000" w="120000">
+                <a:moveTo>
+                  <a:pt x="0" y="0"/>
+                </a:moveTo>
+                <a:lnTo>
+                  <a:pt x="120000" y="0"/>
+                </a:lnTo>
+                <a:lnTo>
+                  <a:pt x="120000" y="120000"/>
+                </a:lnTo>
+                <a:lnTo>
+                  <a:pt x="0" y="120000"/>
+                </a:lnTo>
+                <a:close/>
+              </a:path>
+            </a:pathLst>
+          </a:custGeom>
+        </p:spPr>
+      </p:sp>
+      <p:sp>
+        <p:nvSpPr>
+          <p:cNvPr id="191" name="Google Shape;191;g640c678a88_0_51:notes"/>
+          <p:cNvSpPr txBox="1"/>
+          <p:nvPr>
+            <p:ph idx="1" type="body"/>
+          </p:nvPr>
+        </p:nvSpPr>
+        <p:spPr>
+          <a:xfrm>
+            <a:off x="685800" y="4343400"/>
+            <a:ext cx="5486400" cy="4114800"/>
+          </a:xfrm>
+          <a:prstGeom prst="rect">
+            <a:avLst/>
+          </a:prstGeom>
+        </p:spPr>
+        <p:txBody>
+          <a:bodyPr anchorCtr="0" anchor="t" bIns="91425" lIns="91425" spcFirstLastPara="1" rIns="91425" wrap="square" tIns="91425">
+            <a:noAutofit/>
+          </a:bodyPr>
+          <a:lstStyle/>
+          <a:p>
+            <a:pPr indent="0" lvl="0" marL="0" rtl="0" algn="l">
+              <a:spcBef>
+                <a:spcPts val="0"/>
+              </a:spcBef>
+              <a:spcAft>
+                <a:spcPts val="0"/>
+              </a:spcAft>
+              <a:buNone/>
+            </a:pPr>
+            <a:r>
+              <a:t/>
+            </a:r>
+            <a:endParaRPr/>
+          </a:p>
+        </p:txBody>
+      </p:sp>
+    </p:spTree>
+  </p:cSld>
+  <p:clrMapOvr>
+    <a:masterClrMapping/>
+  </p:clrMapOvr>
+</p:notes>
+</file>
+
+<file path=ppt/notesSlides/notesSlide29.xml><?xml version="1.0" encoding="utf-8"?>
+<p:notes xmlns:a="http://schemas.openxmlformats.org/drawingml/2006/main" xmlns:r="http://schemas.openxmlformats.org/officeDocument/2006/relationships" xmlns:mc="http://schemas.openxmlformats.org/markup-compatibility/2006" xmlns:mv="urn:schemas-microsoft-com:mac:vml" xmlns:p="http://schemas.openxmlformats.org/presentationml/2006/main" xmlns:c="http://schemas.openxmlformats.org/drawingml/2006/chart" xmlns:dgm="http://schemas.openxmlformats.org/drawingml/2006/diagram" xmlns:o="urn:schemas-microsoft-com:office:office" xmlns:v="urn:schemas-microsoft-com:vml" xmlns:pvml="urn:schemas-microsoft-com:office:powerpoint" xmlns:com="http://schemas.openxmlformats.org/drawingml/2006/compatibility" xmlns:p14="http://schemas.microsoft.com/office/powerpoint/2010/main" xmlns:p15="http://schemas.microsoft.com/office/powerpoint/2012/main" showMasterPhAnim="0" showMasterSp="0">
+  <p:cSld>
+    <p:spTree>
+      <p:nvGrpSpPr>
+        <p:cNvPr id="194" name="Shape 194"/>
+        <p:cNvGrpSpPr/>
+        <p:nvPr/>
+      </p:nvGrpSpPr>
+      <p:grpSpPr>
+        <a:xfrm>
+          <a:off x="0" y="0"/>
+          <a:ext cx="0" cy="0"/>
+          <a:chOff x="0" y="0"/>
+          <a:chExt cx="0" cy="0"/>
+        </a:xfrm>
+      </p:grpSpPr>
+      <p:sp>
+        <p:nvSpPr>
+          <p:cNvPr id="195" name="Google Shape;195;g640c678a88_0_60:notes"/>
+          <p:cNvSpPr/>
+          <p:nvPr>
+            <p:ph idx="2" type="sldImg"/>
+          </p:nvPr>
+        </p:nvSpPr>
+        <p:spPr>
+          <a:xfrm>
+            <a:off x="381300" y="685800"/>
+            <a:ext cx="6096000" cy="3429000"/>
+          </a:xfrm>
+          <a:custGeom>
+            <a:rect b="b" l="l" r="r" t="t"/>
+            <a:pathLst>
+              <a:path extrusionOk="0" h="120000" w="120000">
+                <a:moveTo>
+                  <a:pt x="0" y="0"/>
+                </a:moveTo>
+                <a:lnTo>
+                  <a:pt x="120000" y="0"/>
+                </a:lnTo>
+                <a:lnTo>
+                  <a:pt x="120000" y="120000"/>
+                </a:lnTo>
+                <a:lnTo>
+                  <a:pt x="0" y="120000"/>
+                </a:lnTo>
+                <a:close/>
+              </a:path>
+            </a:pathLst>
+          </a:custGeom>
+        </p:spPr>
+      </p:sp>
+      <p:sp>
+        <p:nvSpPr>
+          <p:cNvPr id="196" name="Google Shape;196;g640c678a88_0_60:notes"/>
           <p:cNvSpPr txBox="1"/>
           <p:nvPr>
             <p:ph idx="1" type="body"/>
@@ -2211,7 +2916,7 @@
       </p:grpSpPr>
       <p:sp>
         <p:nvSpPr>
-          <p:cNvPr id="62" name="Google Shape;62;g634a3b16b5_0_7:notes"/>
+          <p:cNvPr id="62" name="Google Shape;62;g634a3b16b5_0_1:notes"/>
           <p:cNvSpPr/>
           <p:nvPr>
             <p:ph idx="2" type="sldImg"/>
@@ -2246,7 +2951,502 @@
       </p:sp>
       <p:sp>
         <p:nvSpPr>
-          <p:cNvPr id="63" name="Google Shape;63;g634a3b16b5_0_7:notes"/>
+          <p:cNvPr id="63" name="Google Shape;63;g634a3b16b5_0_1:notes"/>
+          <p:cNvSpPr txBox="1"/>
+          <p:nvPr>
+            <p:ph idx="1" type="body"/>
+          </p:nvPr>
+        </p:nvSpPr>
+        <p:spPr>
+          <a:xfrm>
+            <a:off x="685800" y="4343400"/>
+            <a:ext cx="5486400" cy="4114800"/>
+          </a:xfrm>
+          <a:prstGeom prst="rect">
+            <a:avLst/>
+          </a:prstGeom>
+        </p:spPr>
+        <p:txBody>
+          <a:bodyPr anchorCtr="0" anchor="t" bIns="91425" lIns="91425" spcFirstLastPara="1" rIns="91425" wrap="square" tIns="91425">
+            <a:noAutofit/>
+          </a:bodyPr>
+          <a:lstStyle/>
+          <a:p>
+            <a:pPr indent="0" lvl="0" marL="0" rtl="0" algn="l">
+              <a:spcBef>
+                <a:spcPts val="0"/>
+              </a:spcBef>
+              <a:spcAft>
+                <a:spcPts val="0"/>
+              </a:spcAft>
+              <a:buNone/>
+            </a:pPr>
+            <a:r>
+              <a:t/>
+            </a:r>
+            <a:endParaRPr/>
+          </a:p>
+        </p:txBody>
+      </p:sp>
+    </p:spTree>
+  </p:cSld>
+  <p:clrMapOvr>
+    <a:masterClrMapping/>
+  </p:clrMapOvr>
+</p:notes>
+</file>
+
+<file path=ppt/notesSlides/notesSlide30.xml><?xml version="1.0" encoding="utf-8"?>
+<p:notes xmlns:a="http://schemas.openxmlformats.org/drawingml/2006/main" xmlns:r="http://schemas.openxmlformats.org/officeDocument/2006/relationships" xmlns:mc="http://schemas.openxmlformats.org/markup-compatibility/2006" xmlns:mv="urn:schemas-microsoft-com:mac:vml" xmlns:p="http://schemas.openxmlformats.org/presentationml/2006/main" xmlns:c="http://schemas.openxmlformats.org/drawingml/2006/chart" xmlns:dgm="http://schemas.openxmlformats.org/drawingml/2006/diagram" xmlns:o="urn:schemas-microsoft-com:office:office" xmlns:v="urn:schemas-microsoft-com:vml" xmlns:pvml="urn:schemas-microsoft-com:office:powerpoint" xmlns:com="http://schemas.openxmlformats.org/drawingml/2006/compatibility" xmlns:p14="http://schemas.microsoft.com/office/powerpoint/2010/main" xmlns:p15="http://schemas.microsoft.com/office/powerpoint/2012/main" showMasterPhAnim="0" showMasterSp="0">
+  <p:cSld>
+    <p:spTree>
+      <p:nvGrpSpPr>
+        <p:cNvPr id="214" name="Shape 214"/>
+        <p:cNvGrpSpPr/>
+        <p:nvPr/>
+      </p:nvGrpSpPr>
+      <p:grpSpPr>
+        <a:xfrm>
+          <a:off x="0" y="0"/>
+          <a:ext cx="0" cy="0"/>
+          <a:chOff x="0" y="0"/>
+          <a:chExt cx="0" cy="0"/>
+        </a:xfrm>
+      </p:grpSpPr>
+      <p:sp>
+        <p:nvSpPr>
+          <p:cNvPr id="215" name="Google Shape;215;g6546dd18b2_0_0:notes"/>
+          <p:cNvSpPr/>
+          <p:nvPr>
+            <p:ph idx="2" type="sldImg"/>
+          </p:nvPr>
+        </p:nvSpPr>
+        <p:spPr>
+          <a:xfrm>
+            <a:off x="381300" y="685800"/>
+            <a:ext cx="6096000" cy="3429000"/>
+          </a:xfrm>
+          <a:custGeom>
+            <a:rect b="b" l="l" r="r" t="t"/>
+            <a:pathLst>
+              <a:path extrusionOk="0" h="120000" w="120000">
+                <a:moveTo>
+                  <a:pt x="0" y="0"/>
+                </a:moveTo>
+                <a:lnTo>
+                  <a:pt x="120000" y="0"/>
+                </a:lnTo>
+                <a:lnTo>
+                  <a:pt x="120000" y="120000"/>
+                </a:lnTo>
+                <a:lnTo>
+                  <a:pt x="0" y="120000"/>
+                </a:lnTo>
+                <a:close/>
+              </a:path>
+            </a:pathLst>
+          </a:custGeom>
+        </p:spPr>
+      </p:sp>
+      <p:sp>
+        <p:nvSpPr>
+          <p:cNvPr id="216" name="Google Shape;216;g6546dd18b2_0_0:notes"/>
+          <p:cNvSpPr txBox="1"/>
+          <p:nvPr>
+            <p:ph idx="1" type="body"/>
+          </p:nvPr>
+        </p:nvSpPr>
+        <p:spPr>
+          <a:xfrm>
+            <a:off x="685800" y="4343400"/>
+            <a:ext cx="5486400" cy="4114800"/>
+          </a:xfrm>
+          <a:prstGeom prst="rect">
+            <a:avLst/>
+          </a:prstGeom>
+        </p:spPr>
+        <p:txBody>
+          <a:bodyPr anchorCtr="0" anchor="t" bIns="91425" lIns="91425" spcFirstLastPara="1" rIns="91425" wrap="square" tIns="91425">
+            <a:noAutofit/>
+          </a:bodyPr>
+          <a:lstStyle/>
+          <a:p>
+            <a:pPr indent="0" lvl="0" marL="0" rtl="0" algn="l">
+              <a:spcBef>
+                <a:spcPts val="0"/>
+              </a:spcBef>
+              <a:spcAft>
+                <a:spcPts val="0"/>
+              </a:spcAft>
+              <a:buNone/>
+            </a:pPr>
+            <a:r>
+              <a:t/>
+            </a:r>
+            <a:endParaRPr/>
+          </a:p>
+        </p:txBody>
+      </p:sp>
+    </p:spTree>
+  </p:cSld>
+  <p:clrMapOvr>
+    <a:masterClrMapping/>
+  </p:clrMapOvr>
+</p:notes>
+</file>
+
+<file path=ppt/notesSlides/notesSlide31.xml><?xml version="1.0" encoding="utf-8"?>
+<p:notes xmlns:a="http://schemas.openxmlformats.org/drawingml/2006/main" xmlns:r="http://schemas.openxmlformats.org/officeDocument/2006/relationships" xmlns:mc="http://schemas.openxmlformats.org/markup-compatibility/2006" xmlns:mv="urn:schemas-microsoft-com:mac:vml" xmlns:p="http://schemas.openxmlformats.org/presentationml/2006/main" xmlns:c="http://schemas.openxmlformats.org/drawingml/2006/chart" xmlns:dgm="http://schemas.openxmlformats.org/drawingml/2006/diagram" xmlns:o="urn:schemas-microsoft-com:office:office" xmlns:v="urn:schemas-microsoft-com:vml" xmlns:pvml="urn:schemas-microsoft-com:office:powerpoint" xmlns:com="http://schemas.openxmlformats.org/drawingml/2006/compatibility" xmlns:p14="http://schemas.microsoft.com/office/powerpoint/2010/main" xmlns:p15="http://schemas.microsoft.com/office/powerpoint/2012/main" showMasterPhAnim="0" showMasterSp="0">
+  <p:cSld>
+    <p:spTree>
+      <p:nvGrpSpPr>
+        <p:cNvPr id="219" name="Shape 219"/>
+        <p:cNvGrpSpPr/>
+        <p:nvPr/>
+      </p:nvGrpSpPr>
+      <p:grpSpPr>
+        <a:xfrm>
+          <a:off x="0" y="0"/>
+          <a:ext cx="0" cy="0"/>
+          <a:chOff x="0" y="0"/>
+          <a:chExt cx="0" cy="0"/>
+        </a:xfrm>
+      </p:grpSpPr>
+      <p:sp>
+        <p:nvSpPr>
+          <p:cNvPr id="220" name="Google Shape;220;g6546dd18b2_0_22:notes"/>
+          <p:cNvSpPr/>
+          <p:nvPr>
+            <p:ph idx="2" type="sldImg"/>
+          </p:nvPr>
+        </p:nvSpPr>
+        <p:spPr>
+          <a:xfrm>
+            <a:off x="381300" y="685800"/>
+            <a:ext cx="6096000" cy="3429000"/>
+          </a:xfrm>
+          <a:custGeom>
+            <a:rect b="b" l="l" r="r" t="t"/>
+            <a:pathLst>
+              <a:path extrusionOk="0" h="120000" w="120000">
+                <a:moveTo>
+                  <a:pt x="0" y="0"/>
+                </a:moveTo>
+                <a:lnTo>
+                  <a:pt x="120000" y="0"/>
+                </a:lnTo>
+                <a:lnTo>
+                  <a:pt x="120000" y="120000"/>
+                </a:lnTo>
+                <a:lnTo>
+                  <a:pt x="0" y="120000"/>
+                </a:lnTo>
+                <a:close/>
+              </a:path>
+            </a:pathLst>
+          </a:custGeom>
+        </p:spPr>
+      </p:sp>
+      <p:sp>
+        <p:nvSpPr>
+          <p:cNvPr id="221" name="Google Shape;221;g6546dd18b2_0_22:notes"/>
+          <p:cNvSpPr txBox="1"/>
+          <p:nvPr>
+            <p:ph idx="1" type="body"/>
+          </p:nvPr>
+        </p:nvSpPr>
+        <p:spPr>
+          <a:xfrm>
+            <a:off x="685800" y="4343400"/>
+            <a:ext cx="5486400" cy="4114800"/>
+          </a:xfrm>
+          <a:prstGeom prst="rect">
+            <a:avLst/>
+          </a:prstGeom>
+        </p:spPr>
+        <p:txBody>
+          <a:bodyPr anchorCtr="0" anchor="t" bIns="91425" lIns="91425" spcFirstLastPara="1" rIns="91425" wrap="square" tIns="91425">
+            <a:noAutofit/>
+          </a:bodyPr>
+          <a:lstStyle/>
+          <a:p>
+            <a:pPr indent="0" lvl="0" marL="0" rtl="0" algn="l">
+              <a:spcBef>
+                <a:spcPts val="0"/>
+              </a:spcBef>
+              <a:spcAft>
+                <a:spcPts val="0"/>
+              </a:spcAft>
+              <a:buNone/>
+            </a:pPr>
+            <a:r>
+              <a:t/>
+            </a:r>
+            <a:endParaRPr/>
+          </a:p>
+        </p:txBody>
+      </p:sp>
+    </p:spTree>
+  </p:cSld>
+  <p:clrMapOvr>
+    <a:masterClrMapping/>
+  </p:clrMapOvr>
+</p:notes>
+</file>
+
+<file path=ppt/notesSlides/notesSlide32.xml><?xml version="1.0" encoding="utf-8"?>
+<p:notes xmlns:a="http://schemas.openxmlformats.org/drawingml/2006/main" xmlns:r="http://schemas.openxmlformats.org/officeDocument/2006/relationships" xmlns:mc="http://schemas.openxmlformats.org/markup-compatibility/2006" xmlns:mv="urn:schemas-microsoft-com:mac:vml" xmlns:p="http://schemas.openxmlformats.org/presentationml/2006/main" xmlns:c="http://schemas.openxmlformats.org/drawingml/2006/chart" xmlns:dgm="http://schemas.openxmlformats.org/drawingml/2006/diagram" xmlns:o="urn:schemas-microsoft-com:office:office" xmlns:v="urn:schemas-microsoft-com:vml" xmlns:pvml="urn:schemas-microsoft-com:office:powerpoint" xmlns:com="http://schemas.openxmlformats.org/drawingml/2006/compatibility" xmlns:p14="http://schemas.microsoft.com/office/powerpoint/2010/main" xmlns:p15="http://schemas.microsoft.com/office/powerpoint/2012/main" showMasterPhAnim="0" showMasterSp="0">
+  <p:cSld>
+    <p:spTree>
+      <p:nvGrpSpPr>
+        <p:cNvPr id="247" name="Shape 247"/>
+        <p:cNvGrpSpPr/>
+        <p:nvPr/>
+      </p:nvGrpSpPr>
+      <p:grpSpPr>
+        <a:xfrm>
+          <a:off x="0" y="0"/>
+          <a:ext cx="0" cy="0"/>
+          <a:chOff x="0" y="0"/>
+          <a:chExt cx="0" cy="0"/>
+        </a:xfrm>
+      </p:grpSpPr>
+      <p:sp>
+        <p:nvSpPr>
+          <p:cNvPr id="248" name="Google Shape;248;g653091b396_0_25:notes"/>
+          <p:cNvSpPr/>
+          <p:nvPr>
+            <p:ph idx="2" type="sldImg"/>
+          </p:nvPr>
+        </p:nvSpPr>
+        <p:spPr>
+          <a:xfrm>
+            <a:off x="381300" y="685800"/>
+            <a:ext cx="6096000" cy="3429000"/>
+          </a:xfrm>
+          <a:custGeom>
+            <a:rect b="b" l="l" r="r" t="t"/>
+            <a:pathLst>
+              <a:path extrusionOk="0" h="120000" w="120000">
+                <a:moveTo>
+                  <a:pt x="0" y="0"/>
+                </a:moveTo>
+                <a:lnTo>
+                  <a:pt x="120000" y="0"/>
+                </a:lnTo>
+                <a:lnTo>
+                  <a:pt x="120000" y="120000"/>
+                </a:lnTo>
+                <a:lnTo>
+                  <a:pt x="0" y="120000"/>
+                </a:lnTo>
+                <a:close/>
+              </a:path>
+            </a:pathLst>
+          </a:custGeom>
+        </p:spPr>
+      </p:sp>
+      <p:sp>
+        <p:nvSpPr>
+          <p:cNvPr id="249" name="Google Shape;249;g653091b396_0_25:notes"/>
+          <p:cNvSpPr txBox="1"/>
+          <p:nvPr>
+            <p:ph idx="1" type="body"/>
+          </p:nvPr>
+        </p:nvSpPr>
+        <p:spPr>
+          <a:xfrm>
+            <a:off x="685800" y="4343400"/>
+            <a:ext cx="5486400" cy="4114800"/>
+          </a:xfrm>
+          <a:prstGeom prst="rect">
+            <a:avLst/>
+          </a:prstGeom>
+        </p:spPr>
+        <p:txBody>
+          <a:bodyPr anchorCtr="0" anchor="t" bIns="91425" lIns="91425" spcFirstLastPara="1" rIns="91425" wrap="square" tIns="91425">
+            <a:noAutofit/>
+          </a:bodyPr>
+          <a:lstStyle/>
+          <a:p>
+            <a:pPr indent="0" lvl="0" marL="0" rtl="0" algn="l">
+              <a:spcBef>
+                <a:spcPts val="0"/>
+              </a:spcBef>
+              <a:spcAft>
+                <a:spcPts val="0"/>
+              </a:spcAft>
+              <a:buNone/>
+            </a:pPr>
+            <a:r>
+              <a:t/>
+            </a:r>
+            <a:endParaRPr/>
+          </a:p>
+        </p:txBody>
+      </p:sp>
+    </p:spTree>
+  </p:cSld>
+  <p:clrMapOvr>
+    <a:masterClrMapping/>
+  </p:clrMapOvr>
+</p:notes>
+</file>
+
+<file path=ppt/notesSlides/notesSlide33.xml><?xml version="1.0" encoding="utf-8"?>
+<p:notes xmlns:a="http://schemas.openxmlformats.org/drawingml/2006/main" xmlns:r="http://schemas.openxmlformats.org/officeDocument/2006/relationships" xmlns:mc="http://schemas.openxmlformats.org/markup-compatibility/2006" xmlns:mv="urn:schemas-microsoft-com:mac:vml" xmlns:p="http://schemas.openxmlformats.org/presentationml/2006/main" xmlns:c="http://schemas.openxmlformats.org/drawingml/2006/chart" xmlns:dgm="http://schemas.openxmlformats.org/drawingml/2006/diagram" xmlns:o="urn:schemas-microsoft-com:office:office" xmlns:v="urn:schemas-microsoft-com:vml" xmlns:pvml="urn:schemas-microsoft-com:office:powerpoint" xmlns:com="http://schemas.openxmlformats.org/drawingml/2006/compatibility" xmlns:p14="http://schemas.microsoft.com/office/powerpoint/2010/main" xmlns:p15="http://schemas.microsoft.com/office/powerpoint/2012/main" showMasterPhAnim="0" showMasterSp="0">
+  <p:cSld>
+    <p:spTree>
+      <p:nvGrpSpPr>
+        <p:cNvPr id="252" name="Shape 252"/>
+        <p:cNvGrpSpPr/>
+        <p:nvPr/>
+      </p:nvGrpSpPr>
+      <p:grpSpPr>
+        <a:xfrm>
+          <a:off x="0" y="0"/>
+          <a:ext cx="0" cy="0"/>
+          <a:chOff x="0" y="0"/>
+          <a:chExt cx="0" cy="0"/>
+        </a:xfrm>
+      </p:grpSpPr>
+      <p:sp>
+        <p:nvSpPr>
+          <p:cNvPr id="253" name="Google Shape;253;g640c678a88_0_24:notes"/>
+          <p:cNvSpPr/>
+          <p:nvPr>
+            <p:ph idx="2" type="sldImg"/>
+          </p:nvPr>
+        </p:nvSpPr>
+        <p:spPr>
+          <a:xfrm>
+            <a:off x="381300" y="685800"/>
+            <a:ext cx="6096000" cy="3429000"/>
+          </a:xfrm>
+          <a:custGeom>
+            <a:rect b="b" l="l" r="r" t="t"/>
+            <a:pathLst>
+              <a:path extrusionOk="0" h="120000" w="120000">
+                <a:moveTo>
+                  <a:pt x="0" y="0"/>
+                </a:moveTo>
+                <a:lnTo>
+                  <a:pt x="120000" y="0"/>
+                </a:lnTo>
+                <a:lnTo>
+                  <a:pt x="120000" y="120000"/>
+                </a:lnTo>
+                <a:lnTo>
+                  <a:pt x="0" y="120000"/>
+                </a:lnTo>
+                <a:close/>
+              </a:path>
+            </a:pathLst>
+          </a:custGeom>
+        </p:spPr>
+      </p:sp>
+      <p:sp>
+        <p:nvSpPr>
+          <p:cNvPr id="254" name="Google Shape;254;g640c678a88_0_24:notes"/>
+          <p:cNvSpPr txBox="1"/>
+          <p:nvPr>
+            <p:ph idx="1" type="body"/>
+          </p:nvPr>
+        </p:nvSpPr>
+        <p:spPr>
+          <a:xfrm>
+            <a:off x="685800" y="4343400"/>
+            <a:ext cx="5486400" cy="4114800"/>
+          </a:xfrm>
+          <a:prstGeom prst="rect">
+            <a:avLst/>
+          </a:prstGeom>
+        </p:spPr>
+        <p:txBody>
+          <a:bodyPr anchorCtr="0" anchor="t" bIns="91425" lIns="91425" spcFirstLastPara="1" rIns="91425" wrap="square" tIns="91425">
+            <a:noAutofit/>
+          </a:bodyPr>
+          <a:lstStyle/>
+          <a:p>
+            <a:pPr indent="0" lvl="0" marL="0" rtl="0" algn="l">
+              <a:spcBef>
+                <a:spcPts val="0"/>
+              </a:spcBef>
+              <a:spcAft>
+                <a:spcPts val="0"/>
+              </a:spcAft>
+              <a:buNone/>
+            </a:pPr>
+            <a:r>
+              <a:t/>
+            </a:r>
+            <a:endParaRPr/>
+          </a:p>
+        </p:txBody>
+      </p:sp>
+    </p:spTree>
+  </p:cSld>
+  <p:clrMapOvr>
+    <a:masterClrMapping/>
+  </p:clrMapOvr>
+</p:notes>
+</file>
+
+<file path=ppt/notesSlides/notesSlide34.xml><?xml version="1.0" encoding="utf-8"?>
+<p:notes xmlns:a="http://schemas.openxmlformats.org/drawingml/2006/main" xmlns:r="http://schemas.openxmlformats.org/officeDocument/2006/relationships" xmlns:mc="http://schemas.openxmlformats.org/markup-compatibility/2006" xmlns:mv="urn:schemas-microsoft-com:mac:vml" xmlns:p="http://schemas.openxmlformats.org/presentationml/2006/main" xmlns:c="http://schemas.openxmlformats.org/drawingml/2006/chart" xmlns:dgm="http://schemas.openxmlformats.org/drawingml/2006/diagram" xmlns:o="urn:schemas-microsoft-com:office:office" xmlns:v="urn:schemas-microsoft-com:vml" xmlns:pvml="urn:schemas-microsoft-com:office:powerpoint" xmlns:com="http://schemas.openxmlformats.org/drawingml/2006/compatibility" xmlns:p14="http://schemas.microsoft.com/office/powerpoint/2010/main" xmlns:p15="http://schemas.microsoft.com/office/powerpoint/2012/main" showMasterPhAnim="0" showMasterSp="0">
+  <p:cSld>
+    <p:spTree>
+      <p:nvGrpSpPr>
+        <p:cNvPr id="257" name="Shape 257"/>
+        <p:cNvGrpSpPr/>
+        <p:nvPr/>
+      </p:nvGrpSpPr>
+      <p:grpSpPr>
+        <a:xfrm>
+          <a:off x="0" y="0"/>
+          <a:ext cx="0" cy="0"/>
+          <a:chOff x="0" y="0"/>
+          <a:chExt cx="0" cy="0"/>
+        </a:xfrm>
+      </p:grpSpPr>
+      <p:sp>
+        <p:nvSpPr>
+          <p:cNvPr id="258" name="Google Shape;258;g634a3b16b5_0_102:notes"/>
+          <p:cNvSpPr/>
+          <p:nvPr>
+            <p:ph idx="2" type="sldImg"/>
+          </p:nvPr>
+        </p:nvSpPr>
+        <p:spPr>
+          <a:xfrm>
+            <a:off x="381300" y="685800"/>
+            <a:ext cx="6096000" cy="3429000"/>
+          </a:xfrm>
+          <a:custGeom>
+            <a:rect b="b" l="l" r="r" t="t"/>
+            <a:pathLst>
+              <a:path extrusionOk="0" h="120000" w="120000">
+                <a:moveTo>
+                  <a:pt x="0" y="0"/>
+                </a:moveTo>
+                <a:lnTo>
+                  <a:pt x="120000" y="0"/>
+                </a:lnTo>
+                <a:lnTo>
+                  <a:pt x="120000" y="120000"/>
+                </a:lnTo>
+                <a:lnTo>
+                  <a:pt x="0" y="120000"/>
+                </a:lnTo>
+                <a:close/>
+              </a:path>
+            </a:pathLst>
+          </a:custGeom>
+        </p:spPr>
+      </p:sp>
+      <p:sp>
+        <p:nvSpPr>
+          <p:cNvPr id="259" name="Google Shape;259;g634a3b16b5_0_102:notes"/>
           <p:cNvSpPr txBox="1"/>
           <p:nvPr>
             <p:ph idx="1" type="body"/>
@@ -2310,7 +3510,7 @@
       </p:grpSpPr>
       <p:sp>
         <p:nvSpPr>
-          <p:cNvPr id="67" name="Google Shape;67;g634a3b16b5_0_18:notes"/>
+          <p:cNvPr id="67" name="Google Shape;67;g634a3b16b5_0_7:notes"/>
           <p:cNvSpPr/>
           <p:nvPr>
             <p:ph idx="2" type="sldImg"/>
@@ -2345,7 +3545,7 @@
       </p:sp>
       <p:sp>
         <p:nvSpPr>
-          <p:cNvPr id="68" name="Google Shape;68;g634a3b16b5_0_18:notes"/>
+          <p:cNvPr id="68" name="Google Shape;68;g634a3b16b5_0_7:notes"/>
           <p:cNvSpPr txBox="1"/>
           <p:nvPr>
             <p:ph idx="1" type="body"/>
@@ -2395,7 +3595,7 @@
   <p:cSld>
     <p:spTree>
       <p:nvGrpSpPr>
-        <p:cNvPr id="71" name="Shape 71"/>
+        <p:cNvPr id="72" name="Shape 72"/>
         <p:cNvGrpSpPr/>
         <p:nvPr/>
       </p:nvGrpSpPr>
@@ -2409,7 +3609,7 @@
       </p:grpSpPr>
       <p:sp>
         <p:nvSpPr>
-          <p:cNvPr id="72" name="Google Shape;72;g634a3b16b5_0_22:notes"/>
+          <p:cNvPr id="73" name="Google Shape;73;g634a3b16b5_0_18:notes"/>
           <p:cNvSpPr/>
           <p:nvPr>
             <p:ph idx="2" type="sldImg"/>
@@ -2444,7 +3644,7 @@
       </p:sp>
       <p:sp>
         <p:nvSpPr>
-          <p:cNvPr id="73" name="Google Shape;73;g634a3b16b5_0_22:notes"/>
+          <p:cNvPr id="74" name="Google Shape;74;g634a3b16b5_0_18:notes"/>
           <p:cNvSpPr txBox="1"/>
           <p:nvPr>
             <p:ph idx="1" type="body"/>
@@ -2494,7 +3694,7 @@
   <p:cSld>
     <p:spTree>
       <p:nvGrpSpPr>
-        <p:cNvPr id="76" name="Shape 76"/>
+        <p:cNvPr id="77" name="Shape 77"/>
         <p:cNvGrpSpPr/>
         <p:nvPr/>
       </p:nvGrpSpPr>
@@ -2508,7 +3708,7 @@
       </p:grpSpPr>
       <p:sp>
         <p:nvSpPr>
-          <p:cNvPr id="77" name="Google Shape;77;g634a3b16b5_0_13:notes"/>
+          <p:cNvPr id="78" name="Google Shape;78;g634a3b16b5_0_22:notes"/>
           <p:cNvSpPr/>
           <p:nvPr>
             <p:ph idx="2" type="sldImg"/>
@@ -2543,7 +3743,7 @@
       </p:sp>
       <p:sp>
         <p:nvSpPr>
-          <p:cNvPr id="78" name="Google Shape;78;g634a3b16b5_0_13:notes"/>
+          <p:cNvPr id="79" name="Google Shape;79;g634a3b16b5_0_22:notes"/>
           <p:cNvSpPr txBox="1"/>
           <p:nvPr>
             <p:ph idx="1" type="body"/>
@@ -2593,7 +3793,7 @@
   <p:cSld>
     <p:spTree>
       <p:nvGrpSpPr>
-        <p:cNvPr id="81" name="Shape 81"/>
+        <p:cNvPr id="83" name="Shape 83"/>
         <p:cNvGrpSpPr/>
         <p:nvPr/>
       </p:nvGrpSpPr>
@@ -2607,7 +3807,7 @@
       </p:grpSpPr>
       <p:sp>
         <p:nvSpPr>
-          <p:cNvPr id="82" name="Google Shape;82;g634a3b16b5_0_32:notes"/>
+          <p:cNvPr id="84" name="Google Shape;84;g634a3b16b5_0_13:notes"/>
           <p:cNvSpPr/>
           <p:nvPr>
             <p:ph idx="2" type="sldImg"/>
@@ -2642,7 +3842,7 @@
       </p:sp>
       <p:sp>
         <p:nvSpPr>
-          <p:cNvPr id="83" name="Google Shape;83;g634a3b16b5_0_32:notes"/>
+          <p:cNvPr id="85" name="Google Shape;85;g634a3b16b5_0_13:notes"/>
           <p:cNvSpPr txBox="1"/>
           <p:nvPr>
             <p:ph idx="1" type="body"/>
@@ -2692,7 +3892,7 @@
   <p:cSld>
     <p:spTree>
       <p:nvGrpSpPr>
-        <p:cNvPr id="86" name="Shape 86"/>
+        <p:cNvPr id="88" name="Shape 88"/>
         <p:cNvGrpSpPr/>
         <p:nvPr/>
       </p:nvGrpSpPr>
@@ -2706,7 +3906,7 @@
       </p:grpSpPr>
       <p:sp>
         <p:nvSpPr>
-          <p:cNvPr id="87" name="Google Shape;87;g634a3b16b5_0_36:notes"/>
+          <p:cNvPr id="89" name="Google Shape;89;g634a3b16b5_0_32:notes"/>
           <p:cNvSpPr/>
           <p:nvPr>
             <p:ph idx="2" type="sldImg"/>
@@ -2741,7 +3941,7 @@
       </p:sp>
       <p:sp>
         <p:nvSpPr>
-          <p:cNvPr id="88" name="Google Shape;88;g634a3b16b5_0_36:notes"/>
+          <p:cNvPr id="90" name="Google Shape;90;g634a3b16b5_0_32:notes"/>
           <p:cNvSpPr txBox="1"/>
           <p:nvPr>
             <p:ph idx="1" type="body"/>
@@ -2791,7 +3991,7 @@
   <p:cSld>
     <p:spTree>
       <p:nvGrpSpPr>
-        <p:cNvPr id="91" name="Shape 91"/>
+        <p:cNvPr id="93" name="Shape 93"/>
         <p:cNvGrpSpPr/>
         <p:nvPr/>
       </p:nvGrpSpPr>
@@ -2805,7 +4005,7 @@
       </p:grpSpPr>
       <p:sp>
         <p:nvSpPr>
-          <p:cNvPr id="92" name="Google Shape;92;g634a3b16b5_0_40:notes"/>
+          <p:cNvPr id="94" name="Google Shape;94;g634a3b16b5_0_36:notes"/>
           <p:cNvSpPr/>
           <p:nvPr>
             <p:ph idx="2" type="sldImg"/>
@@ -2840,7 +4040,7 @@
       </p:sp>
       <p:sp>
         <p:nvSpPr>
-          <p:cNvPr id="93" name="Google Shape;93;g634a3b16b5_0_40:notes"/>
+          <p:cNvPr id="95" name="Google Shape;95;g634a3b16b5_0_36:notes"/>
           <p:cNvSpPr txBox="1"/>
           <p:nvPr>
             <p:ph idx="1" type="body"/>
@@ -7607,8 +8807,8 @@
         </p:blipFill>
         <p:spPr>
           <a:xfrm>
-            <a:off x="3204125" y="288000"/>
-            <a:ext cx="2735750" cy="2735750"/>
+            <a:off x="2470800" y="304800"/>
+            <a:ext cx="4202395" cy="2718950"/>
           </a:xfrm>
           <a:prstGeom prst="rect">
             <a:avLst/>
@@ -7632,7 +8832,7 @@
   <p:cSld>
     <p:spTree>
       <p:nvGrpSpPr>
-        <p:cNvPr id="99" name="Shape 99"/>
+        <p:cNvPr id="101" name="Shape 101"/>
         <p:cNvGrpSpPr/>
         <p:nvPr/>
       </p:nvGrpSpPr>
@@ -7646,14 +8846,14 @@
       </p:grpSpPr>
       <p:sp>
         <p:nvSpPr>
-          <p:cNvPr id="100" name="Google Shape;100;p22"/>
+          <p:cNvPr id="102" name="Google Shape;102;p22"/>
           <p:cNvSpPr txBox="1"/>
           <p:nvPr/>
         </p:nvSpPr>
         <p:spPr>
           <a:xfrm>
-            <a:off x="937350" y="1223400"/>
-            <a:ext cx="7269300" cy="2696700"/>
+            <a:off x="865200" y="1528200"/>
+            <a:ext cx="7413600" cy="2087100"/>
           </a:xfrm>
           <a:prstGeom prst="rect">
             <a:avLst/>
@@ -7680,7 +8880,7 @@
             </a:pPr>
             <a:r>
               <a:rPr lang="en" sz="4000"/>
-              <a:t>Help someone else to contribute, by analysing issue, reviewing PR code / trying out PR code</a:t>
+              <a:t>When helm is the issue - Find code that’s causing the issue. Try to discuss the solutions.</a:t>
             </a:r>
             <a:endParaRPr sz="4000"/>
           </a:p>
@@ -7699,7 +8899,7 @@
   <p:cSld>
     <p:spTree>
       <p:nvGrpSpPr>
-        <p:cNvPr id="104" name="Shape 104"/>
+        <p:cNvPr id="106" name="Shape 106"/>
         <p:cNvGrpSpPr/>
         <p:nvPr/>
       </p:nvGrpSpPr>
@@ -7713,14 +8913,14 @@
       </p:grpSpPr>
       <p:sp>
         <p:nvSpPr>
-          <p:cNvPr id="105" name="Google Shape;105;p23"/>
+          <p:cNvPr id="107" name="Google Shape;107;p23"/>
           <p:cNvSpPr txBox="1"/>
           <p:nvPr/>
         </p:nvSpPr>
         <p:spPr>
           <a:xfrm>
-            <a:off x="1977750" y="2149650"/>
-            <a:ext cx="5188500" cy="844200"/>
+            <a:off x="865200" y="1528200"/>
+            <a:ext cx="7413600" cy="2087100"/>
           </a:xfrm>
           <a:prstGeom prst="rect">
             <a:avLst/>
@@ -7747,7 +8947,7 @@
             </a:pPr>
             <a:r>
               <a:rPr lang="en" sz="4000"/>
-              <a:t>Learnings</a:t>
+              <a:t>Raise PRs with tests and code. Discuss the code and get it merged</a:t>
             </a:r>
             <a:endParaRPr sz="4000"/>
           </a:p>
@@ -7766,7 +8966,7 @@
   <p:cSld>
     <p:spTree>
       <p:nvGrpSpPr>
-        <p:cNvPr id="109" name="Shape 109"/>
+        <p:cNvPr id="111" name="Shape 111"/>
         <p:cNvGrpSpPr/>
         <p:nvPr/>
       </p:nvGrpSpPr>
@@ -7780,14 +8980,14 @@
       </p:grpSpPr>
       <p:sp>
         <p:nvSpPr>
-          <p:cNvPr id="110" name="Google Shape;110;p24"/>
+          <p:cNvPr id="112" name="Google Shape;112;p24"/>
           <p:cNvSpPr txBox="1"/>
           <p:nvPr/>
         </p:nvSpPr>
         <p:spPr>
           <a:xfrm>
-            <a:off x="928350" y="917250"/>
-            <a:ext cx="7287300" cy="3309000"/>
+            <a:off x="937350" y="1223400"/>
+            <a:ext cx="7269300" cy="2696700"/>
           </a:xfrm>
           <a:prstGeom prst="rect">
             <a:avLst/>
@@ -7814,39 +9014,7 @@
             </a:pPr>
             <a:r>
               <a:rPr lang="en" sz="4000"/>
-              <a:t>No tool is perfect.</a:t>
-            </a:r>
-            <a:endParaRPr sz="4000"/>
-          </a:p>
-          <a:p>
-            <a:pPr indent="0" lvl="0" marL="0" rtl="0" algn="ctr">
-              <a:spcBef>
-                <a:spcPts val="0"/>
-              </a:spcBef>
-              <a:spcAft>
-                <a:spcPts val="0"/>
-              </a:spcAft>
-              <a:buNone/>
-            </a:pPr>
-            <a:r>
-              <a:rPr lang="en" sz="4000"/>
-              <a:t>Helm has so many bugs.</a:t>
-            </a:r>
-            <a:endParaRPr sz="4000"/>
-          </a:p>
-          <a:p>
-            <a:pPr indent="0" lvl="0" marL="0" rtl="0" algn="ctr">
-              <a:spcBef>
-                <a:spcPts val="0"/>
-              </a:spcBef>
-              <a:spcAft>
-                <a:spcPts val="0"/>
-              </a:spcAft>
-              <a:buNone/>
-            </a:pPr>
-            <a:r>
-              <a:rPr lang="en" sz="4000"/>
-              <a:t>People create issues / comment on existing ones almost every single day!</a:t>
+              <a:t>Help someone else to contribute, by analysing issue, reviewing PR code / trying out PR code</a:t>
             </a:r>
             <a:endParaRPr sz="4000"/>
           </a:p>
@@ -7865,7 +9033,7 @@
   <p:cSld>
     <p:spTree>
       <p:nvGrpSpPr>
-        <p:cNvPr id="114" name="Shape 114"/>
+        <p:cNvPr id="116" name="Shape 116"/>
         <p:cNvGrpSpPr/>
         <p:nvPr/>
       </p:nvGrpSpPr>
@@ -7879,14 +9047,14 @@
       </p:grpSpPr>
       <p:sp>
         <p:nvSpPr>
-          <p:cNvPr id="115" name="Google Shape;115;p25"/>
+          <p:cNvPr id="117" name="Google Shape;117;p25"/>
           <p:cNvSpPr txBox="1"/>
           <p:nvPr/>
         </p:nvSpPr>
         <p:spPr>
           <a:xfrm>
-            <a:off x="928350" y="917250"/>
-            <a:ext cx="7287300" cy="3309000"/>
+            <a:off x="1977750" y="1876500"/>
+            <a:ext cx="5188500" cy="1390500"/>
           </a:xfrm>
           <a:prstGeom prst="rect">
             <a:avLst/>
@@ -7913,23 +9081,7 @@
             </a:pPr>
             <a:r>
               <a:rPr lang="en" sz="4000"/>
-              <a:t>Trying to close every other issue is so tough!</a:t>
-            </a:r>
-            <a:endParaRPr sz="4000"/>
-          </a:p>
-          <a:p>
-            <a:pPr indent="0" lvl="0" marL="0" rtl="0" algn="ctr">
-              <a:spcBef>
-                <a:spcPts val="0"/>
-              </a:spcBef>
-              <a:spcAft>
-                <a:spcPts val="0"/>
-              </a:spcAft>
-              <a:buNone/>
-            </a:pPr>
-            <a:r>
-              <a:rPr lang="en" sz="4000"/>
-              <a:t>It’s like working on production support and getting tickets every hour!</a:t>
+              <a:t>Some of my Learnings</a:t>
             </a:r>
             <a:endParaRPr sz="4000"/>
           </a:p>
@@ -7948,7 +9100,7 @@
   <p:cSld>
     <p:spTree>
       <p:nvGrpSpPr>
-        <p:cNvPr id="119" name="Shape 119"/>
+        <p:cNvPr id="121" name="Shape 121"/>
         <p:cNvGrpSpPr/>
         <p:nvPr/>
       </p:nvGrpSpPr>
@@ -7962,7 +9114,7 @@
       </p:grpSpPr>
       <p:sp>
         <p:nvSpPr>
-          <p:cNvPr id="120" name="Google Shape;120;p26"/>
+          <p:cNvPr id="122" name="Google Shape;122;p26"/>
           <p:cNvSpPr txBox="1"/>
           <p:nvPr/>
         </p:nvSpPr>
@@ -7996,7 +9148,39 @@
             </a:pPr>
             <a:r>
               <a:rPr lang="en" sz="4000"/>
-              <a:t>Doing it all alone might sound cool, but it requires so much time and effort. Get help from community members who are willing to raise PRs!</a:t>
+              <a:t>No tool is perfect.</a:t>
+            </a:r>
+            <a:endParaRPr sz="4000"/>
+          </a:p>
+          <a:p>
+            <a:pPr indent="0" lvl="0" marL="0" rtl="0" algn="ctr">
+              <a:spcBef>
+                <a:spcPts val="0"/>
+              </a:spcBef>
+              <a:spcAft>
+                <a:spcPts val="0"/>
+              </a:spcAft>
+              <a:buNone/>
+            </a:pPr>
+            <a:r>
+              <a:rPr lang="en" sz="4000"/>
+              <a:t>Helm has so many bugs.</a:t>
+            </a:r>
+            <a:endParaRPr sz="4000"/>
+          </a:p>
+          <a:p>
+            <a:pPr indent="0" lvl="0" marL="0" rtl="0" algn="ctr">
+              <a:spcBef>
+                <a:spcPts val="0"/>
+              </a:spcBef>
+              <a:spcAft>
+                <a:spcPts val="0"/>
+              </a:spcAft>
+              <a:buNone/>
+            </a:pPr>
+            <a:r>
+              <a:rPr lang="en" sz="4000"/>
+              <a:t>People create issues / comment on existing ones almost every single day!</a:t>
             </a:r>
             <a:endParaRPr sz="4000"/>
           </a:p>
@@ -8015,7 +9199,157 @@
   <p:cSld>
     <p:spTree>
       <p:nvGrpSpPr>
-        <p:cNvPr id="124" name="Shape 124"/>
+        <p:cNvPr id="126" name="Shape 126"/>
+        <p:cNvGrpSpPr/>
+        <p:nvPr/>
+      </p:nvGrpSpPr>
+      <p:grpSpPr>
+        <a:xfrm>
+          <a:off x="0" y="0"/>
+          <a:ext cx="0" cy="0"/>
+          <a:chOff x="0" y="0"/>
+          <a:chExt cx="0" cy="0"/>
+        </a:xfrm>
+      </p:grpSpPr>
+      <p:sp>
+        <p:nvSpPr>
+          <p:cNvPr id="127" name="Google Shape;127;p27"/>
+          <p:cNvSpPr txBox="1"/>
+          <p:nvPr/>
+        </p:nvSpPr>
+        <p:spPr>
+          <a:xfrm>
+            <a:off x="928350" y="917250"/>
+            <a:ext cx="7287300" cy="3309000"/>
+          </a:xfrm>
+          <a:prstGeom prst="rect">
+            <a:avLst/>
+          </a:prstGeom>
+          <a:noFill/>
+          <a:ln>
+            <a:noFill/>
+          </a:ln>
+        </p:spPr>
+        <p:txBody>
+          <a:bodyPr anchorCtr="0" anchor="t" bIns="91425" lIns="91425" spcFirstLastPara="1" rIns="91425" wrap="square" tIns="91425">
+            <a:noAutofit/>
+          </a:bodyPr>
+          <a:lstStyle/>
+          <a:p>
+            <a:pPr indent="0" lvl="0" marL="0" rtl="0" algn="ctr">
+              <a:spcBef>
+                <a:spcPts val="0"/>
+              </a:spcBef>
+              <a:spcAft>
+                <a:spcPts val="0"/>
+              </a:spcAft>
+              <a:buNone/>
+            </a:pPr>
+            <a:r>
+              <a:rPr lang="en" sz="4000"/>
+              <a:t>Trying to close every other issue is so tough by yourself!</a:t>
+            </a:r>
+            <a:endParaRPr sz="4000"/>
+          </a:p>
+          <a:p>
+            <a:pPr indent="0" lvl="0" marL="0" rtl="0" algn="ctr">
+              <a:spcBef>
+                <a:spcPts val="0"/>
+              </a:spcBef>
+              <a:spcAft>
+                <a:spcPts val="0"/>
+              </a:spcAft>
+              <a:buNone/>
+            </a:pPr>
+            <a:r>
+              <a:rPr lang="en" sz="4000"/>
+              <a:t>It’s like working on production support and getting tickets every hour!</a:t>
+            </a:r>
+            <a:endParaRPr sz="4000"/>
+          </a:p>
+        </p:txBody>
+      </p:sp>
+    </p:spTree>
+  </p:cSld>
+  <p:clrMapOvr>
+    <a:masterClrMapping/>
+  </p:clrMapOvr>
+</p:sld>
+</file>
+
+<file path=ppt/slides/slide16.xml><?xml version="1.0" encoding="utf-8"?>
+<p:sld xmlns:a="http://schemas.openxmlformats.org/drawingml/2006/main" xmlns:r="http://schemas.openxmlformats.org/officeDocument/2006/relationships" xmlns:mc="http://schemas.openxmlformats.org/markup-compatibility/2006" xmlns:mv="urn:schemas-microsoft-com:mac:vml" xmlns:p="http://schemas.openxmlformats.org/presentationml/2006/main" xmlns:c="http://schemas.openxmlformats.org/drawingml/2006/chart" xmlns:dgm="http://schemas.openxmlformats.org/drawingml/2006/diagram" xmlns:o="urn:schemas-microsoft-com:office:office" xmlns:v="urn:schemas-microsoft-com:vml" xmlns:pvml="urn:schemas-microsoft-com:office:powerpoint" xmlns:com="http://schemas.openxmlformats.org/drawingml/2006/compatibility" xmlns:p14="http://schemas.microsoft.com/office/powerpoint/2010/main" xmlns:p15="http://schemas.microsoft.com/office/powerpoint/2012/main">
+  <p:cSld>
+    <p:spTree>
+      <p:nvGrpSpPr>
+        <p:cNvPr id="131" name="Shape 131"/>
+        <p:cNvGrpSpPr/>
+        <p:nvPr/>
+      </p:nvGrpSpPr>
+      <p:grpSpPr>
+        <a:xfrm>
+          <a:off x="0" y="0"/>
+          <a:ext cx="0" cy="0"/>
+          <a:chOff x="0" y="0"/>
+          <a:chExt cx="0" cy="0"/>
+        </a:xfrm>
+      </p:grpSpPr>
+      <p:sp>
+        <p:nvSpPr>
+          <p:cNvPr id="132" name="Google Shape;132;p28"/>
+          <p:cNvSpPr txBox="1"/>
+          <p:nvPr/>
+        </p:nvSpPr>
+        <p:spPr>
+          <a:xfrm>
+            <a:off x="928350" y="917250"/>
+            <a:ext cx="7287300" cy="3309000"/>
+          </a:xfrm>
+          <a:prstGeom prst="rect">
+            <a:avLst/>
+          </a:prstGeom>
+          <a:noFill/>
+          <a:ln>
+            <a:noFill/>
+          </a:ln>
+        </p:spPr>
+        <p:txBody>
+          <a:bodyPr anchorCtr="0" anchor="t" bIns="91425" lIns="91425" spcFirstLastPara="1" rIns="91425" wrap="square" tIns="91425">
+            <a:noAutofit/>
+          </a:bodyPr>
+          <a:lstStyle/>
+          <a:p>
+            <a:pPr indent="0" lvl="0" marL="0" rtl="0" algn="ctr">
+              <a:spcBef>
+                <a:spcPts val="0"/>
+              </a:spcBef>
+              <a:spcAft>
+                <a:spcPts val="0"/>
+              </a:spcAft>
+              <a:buNone/>
+            </a:pPr>
+            <a:r>
+              <a:rPr lang="en" sz="4000"/>
+              <a:t>Doing it all alone might sound cool, but it requires so much time and effort. Get help from community members who are willing to raise PRs!</a:t>
+            </a:r>
+            <a:endParaRPr sz="4000"/>
+          </a:p>
+        </p:txBody>
+      </p:sp>
+    </p:spTree>
+  </p:cSld>
+  <p:clrMapOvr>
+    <a:masterClrMapping/>
+  </p:clrMapOvr>
+</p:sld>
+</file>
+
+<file path=ppt/slides/slide17.xml><?xml version="1.0" encoding="utf-8"?>
+<p:sld xmlns:a="http://schemas.openxmlformats.org/drawingml/2006/main" xmlns:r="http://schemas.openxmlformats.org/officeDocument/2006/relationships" xmlns:mc="http://schemas.openxmlformats.org/markup-compatibility/2006" xmlns:mv="urn:schemas-microsoft-com:mac:vml" xmlns:p="http://schemas.openxmlformats.org/presentationml/2006/main" xmlns:c="http://schemas.openxmlformats.org/drawingml/2006/chart" xmlns:dgm="http://schemas.openxmlformats.org/drawingml/2006/diagram" xmlns:o="urn:schemas-microsoft-com:office:office" xmlns:v="urn:schemas-microsoft-com:vml" xmlns:pvml="urn:schemas-microsoft-com:office:powerpoint" xmlns:com="http://schemas.openxmlformats.org/drawingml/2006/compatibility" xmlns:p14="http://schemas.microsoft.com/office/powerpoint/2010/main" xmlns:p15="http://schemas.microsoft.com/office/powerpoint/2012/main">
+  <p:cSld>
+    <p:spTree>
+      <p:nvGrpSpPr>
+        <p:cNvPr id="136" name="Shape 136"/>
         <p:cNvGrpSpPr/>
         <p:nvPr/>
       </p:nvGrpSpPr>
@@ -8029,7 +9363,7 @@
       </p:grpSpPr>
       <p:pic>
         <p:nvPicPr>
-          <p:cNvPr id="125" name="Google Shape;125;p27">
+          <p:cNvPr id="137" name="Google Shape;137;p29">
             <a:hlinkClick r:id="rId3"/>
           </p:cNvPr>
           <p:cNvPicPr preferRelativeResize="0"/>
@@ -8065,12 +9399,12 @@
 </p:sld>
 </file>
 
-<file path=ppt/slides/slide16.xml><?xml version="1.0" encoding="utf-8"?>
+<file path=ppt/slides/slide18.xml><?xml version="1.0" encoding="utf-8"?>
 <p:sld xmlns:a="http://schemas.openxmlformats.org/drawingml/2006/main" xmlns:r="http://schemas.openxmlformats.org/officeDocument/2006/relationships" xmlns:mc="http://schemas.openxmlformats.org/markup-compatibility/2006" xmlns:mv="urn:schemas-microsoft-com:mac:vml" xmlns:p="http://schemas.openxmlformats.org/presentationml/2006/main" xmlns:c="http://schemas.openxmlformats.org/drawingml/2006/chart" xmlns:dgm="http://schemas.openxmlformats.org/drawingml/2006/diagram" xmlns:o="urn:schemas-microsoft-com:office:office" xmlns:v="urn:schemas-microsoft-com:vml" xmlns:pvml="urn:schemas-microsoft-com:office:powerpoint" xmlns:com="http://schemas.openxmlformats.org/drawingml/2006/compatibility" xmlns:p14="http://schemas.microsoft.com/office/powerpoint/2010/main" xmlns:p15="http://schemas.microsoft.com/office/powerpoint/2012/main">
   <p:cSld>
     <p:spTree>
       <p:nvGrpSpPr>
-        <p:cNvPr id="129" name="Shape 129"/>
+        <p:cNvPr id="141" name="Shape 141"/>
         <p:cNvGrpSpPr/>
         <p:nvPr/>
       </p:nvGrpSpPr>
@@ -8084,14 +9418,14 @@
       </p:grpSpPr>
       <p:sp>
         <p:nvSpPr>
-          <p:cNvPr id="130" name="Google Shape;130;p28"/>
+          <p:cNvPr id="142" name="Google Shape;142;p30"/>
           <p:cNvSpPr txBox="1"/>
           <p:nvPr/>
         </p:nvSpPr>
         <p:spPr>
           <a:xfrm>
-            <a:off x="928350" y="917250"/>
-            <a:ext cx="7287300" cy="3309000"/>
+            <a:off x="928350" y="1548600"/>
+            <a:ext cx="7287300" cy="2046300"/>
           </a:xfrm>
           <a:prstGeom prst="rect">
             <a:avLst/>
@@ -8118,166 +9452,7 @@
             </a:pPr>
             <a:r>
               <a:rPr lang="en" sz="4000"/>
-              <a:t>Helm is in so much need of contributors.</a:t>
-            </a:r>
-            <a:endParaRPr sz="4000"/>
-          </a:p>
-          <a:p>
-            <a:pPr indent="0" lvl="0" marL="0" rtl="0" algn="ctr">
-              <a:spcBef>
-                <a:spcPts val="0"/>
-              </a:spcBef>
-              <a:spcAft>
-                <a:spcPts val="0"/>
-              </a:spcAft>
-              <a:buNone/>
-            </a:pPr>
-            <a:r>
-              <a:rPr lang="en" sz="4000"/>
-              <a:t>Helm v3 has tons of bugs. Lots of them go unnoticed because of lack of some tests.</a:t>
-            </a:r>
-            <a:endParaRPr sz="4000"/>
-          </a:p>
-        </p:txBody>
-      </p:sp>
-    </p:spTree>
-  </p:cSld>
-  <p:clrMapOvr>
-    <a:masterClrMapping/>
-  </p:clrMapOvr>
-</p:sld>
-</file>
-
-<file path=ppt/slides/slide17.xml><?xml version="1.0" encoding="utf-8"?>
-<p:sld xmlns:a="http://schemas.openxmlformats.org/drawingml/2006/main" xmlns:r="http://schemas.openxmlformats.org/officeDocument/2006/relationships" xmlns:mc="http://schemas.openxmlformats.org/markup-compatibility/2006" xmlns:mv="urn:schemas-microsoft-com:mac:vml" xmlns:p="http://schemas.openxmlformats.org/presentationml/2006/main" xmlns:c="http://schemas.openxmlformats.org/drawingml/2006/chart" xmlns:dgm="http://schemas.openxmlformats.org/drawingml/2006/diagram" xmlns:o="urn:schemas-microsoft-com:office:office" xmlns:v="urn:schemas-microsoft-com:vml" xmlns:pvml="urn:schemas-microsoft-com:office:powerpoint" xmlns:com="http://schemas.openxmlformats.org/drawingml/2006/compatibility" xmlns:p14="http://schemas.microsoft.com/office/powerpoint/2010/main" xmlns:p15="http://schemas.microsoft.com/office/powerpoint/2012/main">
-  <p:cSld>
-    <p:spTree>
-      <p:nvGrpSpPr>
-        <p:cNvPr id="134" name="Shape 134"/>
-        <p:cNvGrpSpPr/>
-        <p:nvPr/>
-      </p:nvGrpSpPr>
-      <p:grpSpPr>
-        <a:xfrm>
-          <a:off x="0" y="0"/>
-          <a:ext cx="0" cy="0"/>
-          <a:chOff x="0" y="0"/>
-          <a:chExt cx="0" cy="0"/>
-        </a:xfrm>
-      </p:grpSpPr>
-      <p:sp>
-        <p:nvSpPr>
-          <p:cNvPr id="135" name="Google Shape;135;p29"/>
-          <p:cNvSpPr txBox="1"/>
-          <p:nvPr/>
-        </p:nvSpPr>
-        <p:spPr>
-          <a:xfrm>
-            <a:off x="928350" y="1219800"/>
-            <a:ext cx="7287300" cy="2703900"/>
-          </a:xfrm>
-          <a:prstGeom prst="rect">
-            <a:avLst/>
-          </a:prstGeom>
-          <a:noFill/>
-          <a:ln>
-            <a:noFill/>
-          </a:ln>
-        </p:spPr>
-        <p:txBody>
-          <a:bodyPr anchorCtr="0" anchor="t" bIns="91425" lIns="91425" spcFirstLastPara="1" rIns="91425" wrap="square" tIns="91425">
-            <a:noAutofit/>
-          </a:bodyPr>
-          <a:lstStyle/>
-          <a:p>
-            <a:pPr indent="0" lvl="0" marL="0" rtl="0" algn="ctr">
-              <a:spcBef>
-                <a:spcPts val="0"/>
-              </a:spcBef>
-              <a:spcAft>
-                <a:spcPts val="0"/>
-              </a:spcAft>
-              <a:buNone/>
-            </a:pPr>
-            <a:r>
-              <a:rPr lang="en" sz="4000"/>
-              <a:t>Starting from bugs in simplest of features like helm list showing multiple revisions of the same release</a:t>
-            </a:r>
-            <a:endParaRPr sz="4000"/>
-          </a:p>
-        </p:txBody>
-      </p:sp>
-    </p:spTree>
-  </p:cSld>
-  <p:clrMapOvr>
-    <a:masterClrMapping/>
-  </p:clrMapOvr>
-</p:sld>
-</file>
-
-<file path=ppt/slides/slide18.xml><?xml version="1.0" encoding="utf-8"?>
-<p:sld xmlns:a="http://schemas.openxmlformats.org/drawingml/2006/main" xmlns:r="http://schemas.openxmlformats.org/officeDocument/2006/relationships" xmlns:mc="http://schemas.openxmlformats.org/markup-compatibility/2006" xmlns:mv="urn:schemas-microsoft-com:mac:vml" xmlns:p="http://schemas.openxmlformats.org/presentationml/2006/main" xmlns:c="http://schemas.openxmlformats.org/drawingml/2006/chart" xmlns:dgm="http://schemas.openxmlformats.org/drawingml/2006/diagram" xmlns:o="urn:schemas-microsoft-com:office:office" xmlns:v="urn:schemas-microsoft-com:vml" xmlns:pvml="urn:schemas-microsoft-com:office:powerpoint" xmlns:com="http://schemas.openxmlformats.org/drawingml/2006/compatibility" xmlns:p14="http://schemas.microsoft.com/office/powerpoint/2010/main" xmlns:p15="http://schemas.microsoft.com/office/powerpoint/2012/main">
-  <p:cSld>
-    <p:spTree>
-      <p:nvGrpSpPr>
-        <p:cNvPr id="139" name="Shape 139"/>
-        <p:cNvGrpSpPr/>
-        <p:nvPr/>
-      </p:nvGrpSpPr>
-      <p:grpSpPr>
-        <a:xfrm>
-          <a:off x="0" y="0"/>
-          <a:ext cx="0" cy="0"/>
-          <a:chOff x="0" y="0"/>
-          <a:chExt cx="0" cy="0"/>
-        </a:xfrm>
-      </p:grpSpPr>
-      <p:sp>
-        <p:nvSpPr>
-          <p:cNvPr id="140" name="Google Shape;140;p30"/>
-          <p:cNvSpPr txBox="1"/>
-          <p:nvPr/>
-        </p:nvSpPr>
-        <p:spPr>
-          <a:xfrm>
-            <a:off x="928350" y="943200"/>
-            <a:ext cx="7287300" cy="3257100"/>
-          </a:xfrm>
-          <a:prstGeom prst="rect">
-            <a:avLst/>
-          </a:prstGeom>
-          <a:noFill/>
-          <a:ln>
-            <a:noFill/>
-          </a:ln>
-        </p:spPr>
-        <p:txBody>
-          <a:bodyPr anchorCtr="0" anchor="t" bIns="91425" lIns="91425" spcFirstLastPara="1" rIns="91425" wrap="square" tIns="91425">
-            <a:noAutofit/>
-          </a:bodyPr>
-          <a:lstStyle/>
-          <a:p>
-            <a:pPr indent="0" lvl="0" marL="0" rtl="0" algn="ctr">
-              <a:spcBef>
-                <a:spcPts val="0"/>
-              </a:spcBef>
-              <a:spcAft>
-                <a:spcPts val="0"/>
-              </a:spcAft>
-              <a:buNone/>
-            </a:pPr>
-            <a:r>
-              <a:rPr lang="en" sz="4000"/>
-              <a:t>To very weird issues like helm lint working in Linux, MacOS but not working in Windows. Yes. </a:t>
-            </a:r>
-            <a:r>
-              <a:rPr lang="en" sz="4000" u="sng">
-                <a:solidFill>
-                  <a:schemeClr val="hlink"/>
-                </a:solidFill>
-                <a:hlinkClick r:id="rId3"/>
-              </a:rPr>
-              <a:t>This happened and I confirmed it</a:t>
+              <a:t>Helm v3 has lots of bugs. Lots of them go unnoticed because of lack of some tests.</a:t>
             </a:r>
             <a:endParaRPr sz="4000"/>
           </a:p>
@@ -8296,7 +9471,7 @@
   <p:cSld>
     <p:spTree>
       <p:nvGrpSpPr>
-        <p:cNvPr id="144" name="Shape 144"/>
+        <p:cNvPr id="146" name="Shape 146"/>
         <p:cNvGrpSpPr/>
         <p:nvPr/>
       </p:nvGrpSpPr>
@@ -8310,14 +9485,14 @@
       </p:grpSpPr>
       <p:sp>
         <p:nvSpPr>
-          <p:cNvPr id="145" name="Google Shape;145;p31"/>
+          <p:cNvPr id="147" name="Google Shape;147;p31"/>
           <p:cNvSpPr txBox="1"/>
           <p:nvPr/>
         </p:nvSpPr>
         <p:spPr>
           <a:xfrm>
-            <a:off x="928350" y="678750"/>
-            <a:ext cx="7287300" cy="3311700"/>
+            <a:off x="928350" y="569400"/>
+            <a:ext cx="7287300" cy="4004700"/>
           </a:xfrm>
           <a:prstGeom prst="rect">
             <a:avLst/>
@@ -8344,7 +9519,11 @@
             </a:pPr>
             <a:r>
               <a:rPr lang="en" sz="4000"/>
-              <a:t>Some things that I have tried to do while contributing is - try to comment on PRs if they don’t have failing tests based on the mentioned issue that it fixes</a:t>
+              <a:t>Starting from bugs in simplest of features, to crazy issues like helm linting feature working in Linux and MacOS, but not </a:t>
+            </a:r>
+            <a:r>
+              <a:rPr lang="en" sz="4000"/>
+              <a:t>working in Windows. Some back slash issue</a:t>
             </a:r>
             <a:endParaRPr sz="4000"/>
           </a:p>
@@ -8379,23 +9558,21 @@
         <p:nvSpPr>
           <p:cNvPr id="60" name="Google Shape;60;p14"/>
           <p:cNvSpPr txBox="1"/>
-          <p:nvPr/>
-        </p:nvSpPr>
-        <p:spPr>
-          <a:xfrm>
-            <a:off x="1466550" y="1224150"/>
-            <a:ext cx="6210900" cy="2695200"/>
-          </a:xfrm>
-          <a:prstGeom prst="rect">
-            <a:avLst/>
-          </a:prstGeom>
-          <a:noFill/>
-          <a:ln>
-            <a:noFill/>
-          </a:ln>
+          <p:nvPr>
+            <p:ph type="ctrTitle"/>
+          </p:nvPr>
+        </p:nvSpPr>
+        <p:spPr>
+          <a:xfrm>
+            <a:off x="311708" y="1545450"/>
+            <a:ext cx="8520600" cy="2052600"/>
+          </a:xfrm>
+          <a:prstGeom prst="rect">
+            <a:avLst/>
+          </a:prstGeom>
         </p:spPr>
         <p:txBody>
-          <a:bodyPr anchorCtr="0" anchor="t" bIns="91425" lIns="91425" spcFirstLastPara="1" rIns="91425" wrap="square" tIns="91425">
+          <a:bodyPr anchorCtr="0" anchor="b" bIns="91425" lIns="91425" spcFirstLastPara="1" rIns="91425" wrap="square" tIns="91425">
             <a:noAutofit/>
           </a:bodyPr>
           <a:lstStyle/>
@@ -8410,10 +9587,10 @@
               <a:buNone/>
             </a:pPr>
             <a:r>
-              <a:rPr lang="en" sz="4000"/>
-              <a:t>Guess the number of PRs I have raise for helm repository?</a:t>
+              <a:rPr lang="en"/>
+              <a:t>Before we start off,</a:t>
             </a:r>
-            <a:endParaRPr sz="4000"/>
+            <a:endParaRPr/>
           </a:p>
           <a:p>
             <a:pPr indent="0" lvl="0" marL="0" rtl="0" algn="ctr">
@@ -8426,15 +9603,10 @@
               <a:buNone/>
             </a:pPr>
             <a:r>
-              <a:rPr lang="en" sz="4000" u="sng">
-                <a:solidFill>
-                  <a:schemeClr val="hlink"/>
-                </a:solidFill>
-                <a:hlinkClick r:id="rId3"/>
-              </a:rPr>
-              <a:t>My Pull Requests</a:t>
+              <a:rPr lang="en"/>
+              <a:t>Just a few questions</a:t>
             </a:r>
-            <a:endParaRPr sz="4000"/>
+            <a:endParaRPr/>
           </a:p>
         </p:txBody>
       </p:sp>
@@ -8451,7 +9623,7 @@
   <p:cSld>
     <p:spTree>
       <p:nvGrpSpPr>
-        <p:cNvPr id="149" name="Shape 149"/>
+        <p:cNvPr id="151" name="Shape 151"/>
         <p:cNvGrpSpPr/>
         <p:nvPr/>
       </p:nvGrpSpPr>
@@ -8465,14 +9637,14 @@
       </p:grpSpPr>
       <p:sp>
         <p:nvSpPr>
-          <p:cNvPr id="150" name="Google Shape;150;p32"/>
+          <p:cNvPr id="152" name="Google Shape;152;p32"/>
           <p:cNvSpPr txBox="1"/>
           <p:nvPr/>
         </p:nvSpPr>
         <p:spPr>
           <a:xfrm>
-            <a:off x="928350" y="678750"/>
-            <a:ext cx="7287300" cy="3786000"/>
+            <a:off x="928350" y="1267200"/>
+            <a:ext cx="7287300" cy="2609100"/>
           </a:xfrm>
           <a:prstGeom prst="rect">
             <a:avLst/>
@@ -8499,23 +9671,7 @@
             </a:pPr>
             <a:r>
               <a:rPr lang="en" sz="4000"/>
-              <a:t>Bottom line:</a:t>
-            </a:r>
-            <a:endParaRPr sz="4000"/>
-          </a:p>
-          <a:p>
-            <a:pPr indent="0" lvl="0" marL="0" rtl="0" algn="ctr">
-              <a:spcBef>
-                <a:spcPts val="0"/>
-              </a:spcBef>
-              <a:spcAft>
-                <a:spcPts val="0"/>
-              </a:spcAft>
-              <a:buNone/>
-            </a:pPr>
-            <a:r>
-              <a:rPr lang="en" sz="4000"/>
-              <a:t>Open Source can survive only if it gets contributions in some way or the other. Or people are not going to trust them anymore.</a:t>
+              <a:t>Some things that I have tried to do while contributing is - try to comment on PRs if they don’t have failing tests for the issue</a:t>
             </a:r>
             <a:endParaRPr sz="4000"/>
           </a:p>
@@ -8534,7 +9690,7 @@
   <p:cSld>
     <p:spTree>
       <p:nvGrpSpPr>
-        <p:cNvPr id="154" name="Shape 154"/>
+        <p:cNvPr id="156" name="Shape 156"/>
         <p:cNvGrpSpPr/>
         <p:nvPr/>
       </p:nvGrpSpPr>
@@ -8548,14 +9704,14 @@
       </p:grpSpPr>
       <p:sp>
         <p:nvSpPr>
-          <p:cNvPr id="155" name="Google Shape;155;p33"/>
+          <p:cNvPr id="157" name="Google Shape;157;p33"/>
           <p:cNvSpPr txBox="1"/>
           <p:nvPr/>
         </p:nvSpPr>
         <p:spPr>
           <a:xfrm>
-            <a:off x="928350" y="2699400"/>
-            <a:ext cx="7287300" cy="1589100"/>
+            <a:off x="928350" y="2131950"/>
+            <a:ext cx="7287300" cy="879600"/>
           </a:xfrm>
           <a:prstGeom prst="rect">
             <a:avLst/>
@@ -8578,77 +9734,24 @@
               <a:spcAft>
                 <a:spcPts val="0"/>
               </a:spcAft>
-              <a:buClr>
-                <a:schemeClr val="dk1"/>
-              </a:buClr>
-              <a:buSzPts val="1100"/>
-              <a:buFont typeface="Arial"/>
               <a:buNone/>
             </a:pPr>
             <a:r>
-              <a:rPr lang="en" sz="4000">
-                <a:solidFill>
-                  <a:schemeClr val="dk1"/>
-                </a:solidFill>
-              </a:rPr>
-              <a:t>Helm Needs You.</a:t>
+              <a:rPr lang="en" sz="4000"/>
+              <a:t>Now, some </a:t>
             </a:r>
-            <a:endParaRPr sz="4000">
-              <a:solidFill>
-                <a:schemeClr val="dk1"/>
-              </a:solidFill>
-            </a:endParaRPr>
-          </a:p>
-          <a:p>
-            <a:pPr indent="0" lvl="0" marL="0" rtl="0" algn="ctr">
-              <a:spcBef>
-                <a:spcPts val="0"/>
-              </a:spcBef>
-              <a:spcAft>
-                <a:spcPts val="0"/>
-              </a:spcAft>
-              <a:buNone/>
-            </a:pPr>
             <a:r>
-              <a:rPr lang="en" sz="4000">
-                <a:solidFill>
-                  <a:schemeClr val="dk1"/>
-                </a:solidFill>
-              </a:rPr>
-              <a:t>Open Source Needs You.</a:t>
+              <a:rPr lang="en" sz="4000"/>
+              <a:t>takeaways</a:t>
+            </a:r>
+            <a:r>
+              <a:rPr lang="en" sz="4000"/>
+              <a:t> for you:</a:t>
             </a:r>
             <a:endParaRPr sz="4000"/>
           </a:p>
         </p:txBody>
       </p:sp>
-      <p:pic>
-        <p:nvPicPr>
-          <p:cNvPr id="156" name="Google Shape;156;p33"/>
-          <p:cNvPicPr preferRelativeResize="0"/>
-          <p:nvPr/>
-        </p:nvPicPr>
-        <p:blipFill>
-          <a:blip r:embed="rId3">
-            <a:alphaModFix/>
-          </a:blip>
-          <a:stretch>
-            <a:fillRect/>
-          </a:stretch>
-        </p:blipFill>
-        <p:spPr>
-          <a:xfrm>
-            <a:off x="3699200" y="855000"/>
-            <a:ext cx="1745592" cy="1844399"/>
-          </a:xfrm>
-          <a:prstGeom prst="rect">
-            <a:avLst/>
-          </a:prstGeom>
-          <a:noFill/>
-          <a:ln>
-            <a:noFill/>
-          </a:ln>
-        </p:spPr>
-      </p:pic>
     </p:spTree>
   </p:cSld>
   <p:clrMapOvr>
@@ -8662,7 +9765,7 @@
   <p:cSld>
     <p:spTree>
       <p:nvGrpSpPr>
-        <p:cNvPr id="160" name="Shape 160"/>
+        <p:cNvPr id="161" name="Shape 161"/>
         <p:cNvGrpSpPr/>
         <p:nvPr/>
       </p:nvGrpSpPr>
@@ -8676,14 +9779,14 @@
       </p:grpSpPr>
       <p:sp>
         <p:nvSpPr>
-          <p:cNvPr id="161" name="Google Shape;161;p34"/>
+          <p:cNvPr id="162" name="Google Shape;162;p34"/>
           <p:cNvSpPr txBox="1"/>
           <p:nvPr/>
         </p:nvSpPr>
         <p:spPr>
           <a:xfrm>
-            <a:off x="928350" y="2169450"/>
-            <a:ext cx="7287300" cy="804600"/>
+            <a:off x="928350" y="1541100"/>
+            <a:ext cx="7287300" cy="2061300"/>
           </a:xfrm>
           <a:prstGeom prst="rect">
             <a:avLst/>
@@ -8710,12 +9813,990 @@
             </a:pPr>
             <a:r>
               <a:rPr lang="en" sz="4000"/>
-              <a:t>Thank You!</a:t>
+              <a:t>You can contribute to Open Source too! </a:t>
+            </a:r>
+            <a:endParaRPr sz="4000"/>
+          </a:p>
+          <a:p>
+            <a:pPr indent="0" lvl="0" marL="0" rtl="0" algn="ctr">
+              <a:spcBef>
+                <a:spcPts val="0"/>
+              </a:spcBef>
+              <a:spcAft>
+                <a:spcPts val="0"/>
+              </a:spcAft>
+              <a:buNone/>
+            </a:pPr>
+            <a:r>
+              <a:rPr lang="en" sz="4000"/>
+              <a:t>Anyone can! </a:t>
             </a:r>
             <a:endParaRPr sz="4000"/>
           </a:p>
         </p:txBody>
       </p:sp>
+    </p:spTree>
+  </p:cSld>
+  <p:clrMapOvr>
+    <a:masterClrMapping/>
+  </p:clrMapOvr>
+</p:sld>
+</file>
+
+<file path=ppt/slides/slide23.xml><?xml version="1.0" encoding="utf-8"?>
+<p:sld xmlns:a="http://schemas.openxmlformats.org/drawingml/2006/main" xmlns:r="http://schemas.openxmlformats.org/officeDocument/2006/relationships" xmlns:mc="http://schemas.openxmlformats.org/markup-compatibility/2006" xmlns:mv="urn:schemas-microsoft-com:mac:vml" xmlns:p="http://schemas.openxmlformats.org/presentationml/2006/main" xmlns:c="http://schemas.openxmlformats.org/drawingml/2006/chart" xmlns:dgm="http://schemas.openxmlformats.org/drawingml/2006/diagram" xmlns:o="urn:schemas-microsoft-com:office:office" xmlns:v="urn:schemas-microsoft-com:vml" xmlns:pvml="urn:schemas-microsoft-com:office:powerpoint" xmlns:com="http://schemas.openxmlformats.org/drawingml/2006/compatibility" xmlns:p14="http://schemas.microsoft.com/office/powerpoint/2010/main" xmlns:p15="http://schemas.microsoft.com/office/powerpoint/2012/main">
+  <p:cSld>
+    <p:spTree>
+      <p:nvGrpSpPr>
+        <p:cNvPr id="166" name="Shape 166"/>
+        <p:cNvGrpSpPr/>
+        <p:nvPr/>
+      </p:nvGrpSpPr>
+      <p:grpSpPr>
+        <a:xfrm>
+          <a:off x="0" y="0"/>
+          <a:ext cx="0" cy="0"/>
+          <a:chOff x="0" y="0"/>
+          <a:chExt cx="0" cy="0"/>
+        </a:xfrm>
+      </p:grpSpPr>
+      <p:sp>
+        <p:nvSpPr>
+          <p:cNvPr id="167" name="Google Shape;167;p35"/>
+          <p:cNvSpPr txBox="1"/>
+          <p:nvPr/>
+        </p:nvSpPr>
+        <p:spPr>
+          <a:xfrm>
+            <a:off x="928350" y="1235700"/>
+            <a:ext cx="7287300" cy="2672100"/>
+          </a:xfrm>
+          <a:prstGeom prst="rect">
+            <a:avLst/>
+          </a:prstGeom>
+          <a:noFill/>
+          <a:ln>
+            <a:noFill/>
+          </a:ln>
+        </p:spPr>
+        <p:txBody>
+          <a:bodyPr anchorCtr="0" anchor="t" bIns="91425" lIns="91425" spcFirstLastPara="1" rIns="91425" wrap="square" tIns="91425">
+            <a:noAutofit/>
+          </a:bodyPr>
+          <a:lstStyle/>
+          <a:p>
+            <a:pPr indent="0" lvl="0" marL="0" rtl="0" algn="ctr">
+              <a:spcBef>
+                <a:spcPts val="0"/>
+              </a:spcBef>
+              <a:spcAft>
+                <a:spcPts val="0"/>
+              </a:spcAft>
+              <a:buNone/>
+            </a:pPr>
+            <a:r>
+              <a:rPr lang="en" sz="4000"/>
+              <a:t>If you are interested, you can start small and start contributing. Don’t give yourself excuses to not contribute</a:t>
+            </a:r>
+            <a:endParaRPr sz="4000"/>
+          </a:p>
+        </p:txBody>
+      </p:sp>
+    </p:spTree>
+  </p:cSld>
+  <p:clrMapOvr>
+    <a:masterClrMapping/>
+  </p:clrMapOvr>
+</p:sld>
+</file>
+
+<file path=ppt/slides/slide24.xml><?xml version="1.0" encoding="utf-8"?>
+<p:sld xmlns:a="http://schemas.openxmlformats.org/drawingml/2006/main" xmlns:r="http://schemas.openxmlformats.org/officeDocument/2006/relationships" xmlns:mc="http://schemas.openxmlformats.org/markup-compatibility/2006" xmlns:mv="urn:schemas-microsoft-com:mac:vml" xmlns:p="http://schemas.openxmlformats.org/presentationml/2006/main" xmlns:c="http://schemas.openxmlformats.org/drawingml/2006/chart" xmlns:dgm="http://schemas.openxmlformats.org/drawingml/2006/diagram" xmlns:o="urn:schemas-microsoft-com:office:office" xmlns:v="urn:schemas-microsoft-com:vml" xmlns:pvml="urn:schemas-microsoft-com:office:powerpoint" xmlns:com="http://schemas.openxmlformats.org/drawingml/2006/compatibility" xmlns:p14="http://schemas.microsoft.com/office/powerpoint/2010/main" xmlns:p15="http://schemas.microsoft.com/office/powerpoint/2012/main">
+  <p:cSld>
+    <p:spTree>
+      <p:nvGrpSpPr>
+        <p:cNvPr id="171" name="Shape 171"/>
+        <p:cNvGrpSpPr/>
+        <p:nvPr/>
+      </p:nvGrpSpPr>
+      <p:grpSpPr>
+        <a:xfrm>
+          <a:off x="0" y="0"/>
+          <a:ext cx="0" cy="0"/>
+          <a:chOff x="0" y="0"/>
+          <a:chExt cx="0" cy="0"/>
+        </a:xfrm>
+      </p:grpSpPr>
+      <p:sp>
+        <p:nvSpPr>
+          <p:cNvPr id="172" name="Google Shape;172;p36"/>
+          <p:cNvSpPr txBox="1"/>
+          <p:nvPr/>
+        </p:nvSpPr>
+        <p:spPr>
+          <a:xfrm>
+            <a:off x="928350" y="934500"/>
+            <a:ext cx="7287300" cy="3274500"/>
+          </a:xfrm>
+          <a:prstGeom prst="rect">
+            <a:avLst/>
+          </a:prstGeom>
+          <a:noFill/>
+          <a:ln>
+            <a:noFill/>
+          </a:ln>
+        </p:spPr>
+        <p:txBody>
+          <a:bodyPr anchorCtr="0" anchor="t" bIns="91425" lIns="91425" spcFirstLastPara="1" rIns="91425" wrap="square" tIns="91425">
+            <a:noAutofit/>
+          </a:bodyPr>
+          <a:lstStyle/>
+          <a:p>
+            <a:pPr indent="0" lvl="0" marL="0" rtl="0" algn="ctr">
+              <a:spcBef>
+                <a:spcPts val="0"/>
+              </a:spcBef>
+              <a:spcAft>
+                <a:spcPts val="0"/>
+              </a:spcAft>
+              <a:buNone/>
+            </a:pPr>
+            <a:r>
+              <a:rPr lang="en" sz="4000"/>
+              <a:t>Choosing projects - you can choose any project you like. </a:t>
+            </a:r>
+            <a:endParaRPr sz="4000"/>
+          </a:p>
+          <a:p>
+            <a:pPr indent="0" lvl="0" marL="0" rtl="0" algn="ctr">
+              <a:spcBef>
+                <a:spcPts val="0"/>
+              </a:spcBef>
+              <a:spcAft>
+                <a:spcPts val="0"/>
+              </a:spcAft>
+              <a:buNone/>
+            </a:pPr>
+            <a:r>
+              <a:rPr lang="en" sz="4000"/>
+              <a:t>It can be big or small.</a:t>
+            </a:r>
+            <a:endParaRPr sz="4000"/>
+          </a:p>
+          <a:p>
+            <a:pPr indent="0" lvl="0" marL="0" rtl="0" algn="ctr">
+              <a:spcBef>
+                <a:spcPts val="0"/>
+              </a:spcBef>
+              <a:spcAft>
+                <a:spcPts val="0"/>
+              </a:spcAft>
+              <a:buNone/>
+            </a:pPr>
+            <a:r>
+              <a:t/>
+            </a:r>
+            <a:endParaRPr sz="4000"/>
+          </a:p>
+          <a:p>
+            <a:pPr indent="0" lvl="0" marL="0" rtl="0" algn="ctr">
+              <a:spcBef>
+                <a:spcPts val="0"/>
+              </a:spcBef>
+              <a:spcAft>
+                <a:spcPts val="0"/>
+              </a:spcAft>
+              <a:buNone/>
+            </a:pPr>
+            <a:r>
+              <a:rPr lang="en" sz="4000"/>
+              <a:t>Just do it! Don’t think!</a:t>
+            </a:r>
+            <a:endParaRPr sz="4000"/>
+          </a:p>
+        </p:txBody>
+      </p:sp>
+    </p:spTree>
+  </p:cSld>
+  <p:clrMapOvr>
+    <a:masterClrMapping/>
+  </p:clrMapOvr>
+</p:sld>
+</file>
+
+<file path=ppt/slides/slide25.xml><?xml version="1.0" encoding="utf-8"?>
+<p:sld xmlns:a="http://schemas.openxmlformats.org/drawingml/2006/main" xmlns:r="http://schemas.openxmlformats.org/officeDocument/2006/relationships" xmlns:mc="http://schemas.openxmlformats.org/markup-compatibility/2006" xmlns:mv="urn:schemas-microsoft-com:mac:vml" xmlns:p="http://schemas.openxmlformats.org/presentationml/2006/main" xmlns:c="http://schemas.openxmlformats.org/drawingml/2006/chart" xmlns:dgm="http://schemas.openxmlformats.org/drawingml/2006/diagram" xmlns:o="urn:schemas-microsoft-com:office:office" xmlns:v="urn:schemas-microsoft-com:vml" xmlns:pvml="urn:schemas-microsoft-com:office:powerpoint" xmlns:com="http://schemas.openxmlformats.org/drawingml/2006/compatibility" xmlns:p14="http://schemas.microsoft.com/office/powerpoint/2010/main" xmlns:p15="http://schemas.microsoft.com/office/powerpoint/2012/main">
+  <p:cSld>
+    <p:spTree>
+      <p:nvGrpSpPr>
+        <p:cNvPr id="176" name="Shape 176"/>
+        <p:cNvGrpSpPr/>
+        <p:nvPr/>
+      </p:nvGrpSpPr>
+      <p:grpSpPr>
+        <a:xfrm>
+          <a:off x="0" y="0"/>
+          <a:ext cx="0" cy="0"/>
+          <a:chOff x="0" y="0"/>
+          <a:chExt cx="0" cy="0"/>
+        </a:xfrm>
+      </p:grpSpPr>
+      <p:sp>
+        <p:nvSpPr>
+          <p:cNvPr id="177" name="Google Shape;177;p37"/>
+          <p:cNvSpPr txBox="1"/>
+          <p:nvPr/>
+        </p:nvSpPr>
+        <p:spPr>
+          <a:xfrm>
+            <a:off x="928350" y="2699400"/>
+            <a:ext cx="7287300" cy="1589100"/>
+          </a:xfrm>
+          <a:prstGeom prst="rect">
+            <a:avLst/>
+          </a:prstGeom>
+          <a:noFill/>
+          <a:ln>
+            <a:noFill/>
+          </a:ln>
+        </p:spPr>
+        <p:txBody>
+          <a:bodyPr anchorCtr="0" anchor="t" bIns="91425" lIns="91425" spcFirstLastPara="1" rIns="91425" wrap="square" tIns="91425">
+            <a:noAutofit/>
+          </a:bodyPr>
+          <a:lstStyle/>
+          <a:p>
+            <a:pPr indent="0" lvl="0" marL="0" rtl="0" algn="ctr">
+              <a:spcBef>
+                <a:spcPts val="0"/>
+              </a:spcBef>
+              <a:spcAft>
+                <a:spcPts val="0"/>
+              </a:spcAft>
+              <a:buNone/>
+            </a:pPr>
+            <a:r>
+              <a:rPr lang="en" sz="4000">
+                <a:solidFill>
+                  <a:schemeClr val="dk1"/>
+                </a:solidFill>
+              </a:rPr>
+              <a:t>Open Source Needs You.</a:t>
+            </a:r>
+            <a:endParaRPr sz="4000"/>
+          </a:p>
+        </p:txBody>
+      </p:sp>
+      <p:pic>
+        <p:nvPicPr>
+          <p:cNvPr id="178" name="Google Shape;178;p37"/>
+          <p:cNvPicPr preferRelativeResize="0"/>
+          <p:nvPr/>
+        </p:nvPicPr>
+        <p:blipFill>
+          <a:blip r:embed="rId3">
+            <a:alphaModFix/>
+          </a:blip>
+          <a:stretch>
+            <a:fillRect/>
+          </a:stretch>
+        </p:blipFill>
+        <p:spPr>
+          <a:xfrm>
+            <a:off x="3699200" y="855000"/>
+            <a:ext cx="1745592" cy="1844399"/>
+          </a:xfrm>
+          <a:prstGeom prst="rect">
+            <a:avLst/>
+          </a:prstGeom>
+          <a:noFill/>
+          <a:ln>
+            <a:noFill/>
+          </a:ln>
+        </p:spPr>
+      </p:pic>
+    </p:spTree>
+  </p:cSld>
+  <p:clrMapOvr>
+    <a:masterClrMapping/>
+  </p:clrMapOvr>
+</p:sld>
+</file>
+
+<file path=ppt/slides/slide26.xml><?xml version="1.0" encoding="utf-8"?>
+<p:sld xmlns:a="http://schemas.openxmlformats.org/drawingml/2006/main" xmlns:r="http://schemas.openxmlformats.org/officeDocument/2006/relationships" xmlns:mc="http://schemas.openxmlformats.org/markup-compatibility/2006" xmlns:mv="urn:schemas-microsoft-com:mac:vml" xmlns:p="http://schemas.openxmlformats.org/presentationml/2006/main" xmlns:c="http://schemas.openxmlformats.org/drawingml/2006/chart" xmlns:dgm="http://schemas.openxmlformats.org/drawingml/2006/diagram" xmlns:o="urn:schemas-microsoft-com:office:office" xmlns:v="urn:schemas-microsoft-com:vml" xmlns:pvml="urn:schemas-microsoft-com:office:powerpoint" xmlns:com="http://schemas.openxmlformats.org/drawingml/2006/compatibility" xmlns:p14="http://schemas.microsoft.com/office/powerpoint/2010/main" xmlns:p15="http://schemas.microsoft.com/office/powerpoint/2012/main">
+  <p:cSld>
+    <p:spTree>
+      <p:nvGrpSpPr>
+        <p:cNvPr id="182" name="Shape 182"/>
+        <p:cNvGrpSpPr/>
+        <p:nvPr/>
+      </p:nvGrpSpPr>
+      <p:grpSpPr>
+        <a:xfrm>
+          <a:off x="0" y="0"/>
+          <a:ext cx="0" cy="0"/>
+          <a:chOff x="0" y="0"/>
+          <a:chExt cx="0" cy="0"/>
+        </a:xfrm>
+      </p:grpSpPr>
+      <p:sp>
+        <p:nvSpPr>
+          <p:cNvPr id="183" name="Google Shape;183;p38"/>
+          <p:cNvSpPr txBox="1"/>
+          <p:nvPr/>
+        </p:nvSpPr>
+        <p:spPr>
+          <a:xfrm>
+            <a:off x="928350" y="1903650"/>
+            <a:ext cx="7287300" cy="1336200"/>
+          </a:xfrm>
+          <a:prstGeom prst="rect">
+            <a:avLst/>
+          </a:prstGeom>
+          <a:noFill/>
+          <a:ln>
+            <a:noFill/>
+          </a:ln>
+        </p:spPr>
+        <p:txBody>
+          <a:bodyPr anchorCtr="0" anchor="t" bIns="91425" lIns="91425" spcFirstLastPara="1" rIns="91425" wrap="square" tIns="91425">
+            <a:noAutofit/>
+          </a:bodyPr>
+          <a:lstStyle/>
+          <a:p>
+            <a:pPr indent="0" lvl="0" marL="0" rtl="0" algn="ctr">
+              <a:spcBef>
+                <a:spcPts val="0"/>
+              </a:spcBef>
+              <a:spcAft>
+                <a:spcPts val="0"/>
+              </a:spcAft>
+              <a:buNone/>
+            </a:pPr>
+            <a:r>
+              <a:rPr lang="en" sz="4000"/>
+              <a:t>Why contribute in the first place?</a:t>
+            </a:r>
+            <a:endParaRPr sz="4000"/>
+          </a:p>
+          <a:p>
+            <a:pPr indent="0" lvl="0" marL="0" rtl="0" algn="ctr">
+              <a:spcBef>
+                <a:spcPts val="0"/>
+              </a:spcBef>
+              <a:spcAft>
+                <a:spcPts val="0"/>
+              </a:spcAft>
+              <a:buNone/>
+            </a:pPr>
+            <a:r>
+              <a:t/>
+            </a:r>
+            <a:endParaRPr sz="4000"/>
+          </a:p>
+        </p:txBody>
+      </p:sp>
+    </p:spTree>
+  </p:cSld>
+  <p:clrMapOvr>
+    <a:masterClrMapping/>
+  </p:clrMapOvr>
+</p:sld>
+</file>
+
+<file path=ppt/slides/slide27.xml><?xml version="1.0" encoding="utf-8"?>
+<p:sld xmlns:a="http://schemas.openxmlformats.org/drawingml/2006/main" xmlns:r="http://schemas.openxmlformats.org/officeDocument/2006/relationships" xmlns:mc="http://schemas.openxmlformats.org/markup-compatibility/2006" xmlns:mv="urn:schemas-microsoft-com:mac:vml" xmlns:p="http://schemas.openxmlformats.org/presentationml/2006/main" xmlns:c="http://schemas.openxmlformats.org/drawingml/2006/chart" xmlns:dgm="http://schemas.openxmlformats.org/drawingml/2006/diagram" xmlns:o="urn:schemas-microsoft-com:office:office" xmlns:v="urn:schemas-microsoft-com:vml" xmlns:pvml="urn:schemas-microsoft-com:office:powerpoint" xmlns:com="http://schemas.openxmlformats.org/drawingml/2006/compatibility" xmlns:p14="http://schemas.microsoft.com/office/powerpoint/2010/main" xmlns:p15="http://schemas.microsoft.com/office/powerpoint/2012/main">
+  <p:cSld>
+    <p:spTree>
+      <p:nvGrpSpPr>
+        <p:cNvPr id="187" name="Shape 187"/>
+        <p:cNvGrpSpPr/>
+        <p:nvPr/>
+      </p:nvGrpSpPr>
+      <p:grpSpPr>
+        <a:xfrm>
+          <a:off x="0" y="0"/>
+          <a:ext cx="0" cy="0"/>
+          <a:chOff x="0" y="0"/>
+          <a:chExt cx="0" cy="0"/>
+        </a:xfrm>
+      </p:grpSpPr>
+      <p:sp>
+        <p:nvSpPr>
+          <p:cNvPr id="188" name="Google Shape;188;p39"/>
+          <p:cNvSpPr txBox="1"/>
+          <p:nvPr/>
+        </p:nvSpPr>
+        <p:spPr>
+          <a:xfrm>
+            <a:off x="928350" y="1903650"/>
+            <a:ext cx="7287300" cy="1336200"/>
+          </a:xfrm>
+          <a:prstGeom prst="rect">
+            <a:avLst/>
+          </a:prstGeom>
+          <a:noFill/>
+          <a:ln>
+            <a:noFill/>
+          </a:ln>
+        </p:spPr>
+        <p:txBody>
+          <a:bodyPr anchorCtr="0" anchor="t" bIns="91425" lIns="91425" spcFirstLastPara="1" rIns="91425" wrap="square" tIns="91425">
+            <a:noAutofit/>
+          </a:bodyPr>
+          <a:lstStyle/>
+          <a:p>
+            <a:pPr indent="0" lvl="0" marL="0" rtl="0" algn="ctr">
+              <a:spcBef>
+                <a:spcPts val="0"/>
+              </a:spcBef>
+              <a:spcAft>
+                <a:spcPts val="0"/>
+              </a:spcAft>
+              <a:buNone/>
+            </a:pPr>
+            <a:r>
+              <a:rPr lang="en" sz="4000"/>
+              <a:t>Before answering that, let’s take a look at this</a:t>
+            </a:r>
+            <a:endParaRPr sz="4000"/>
+          </a:p>
+        </p:txBody>
+      </p:sp>
+    </p:spTree>
+  </p:cSld>
+  <p:clrMapOvr>
+    <a:masterClrMapping/>
+  </p:clrMapOvr>
+</p:sld>
+</file>
+
+<file path=ppt/slides/slide28.xml><?xml version="1.0" encoding="utf-8"?>
+<p:sld xmlns:a="http://schemas.openxmlformats.org/drawingml/2006/main" xmlns:r="http://schemas.openxmlformats.org/officeDocument/2006/relationships" xmlns:mc="http://schemas.openxmlformats.org/markup-compatibility/2006" xmlns:mv="urn:schemas-microsoft-com:mac:vml" xmlns:p="http://schemas.openxmlformats.org/presentationml/2006/main" xmlns:c="http://schemas.openxmlformats.org/drawingml/2006/chart" xmlns:dgm="http://schemas.openxmlformats.org/drawingml/2006/diagram" xmlns:o="urn:schemas-microsoft-com:office:office" xmlns:v="urn:schemas-microsoft-com:vml" xmlns:pvml="urn:schemas-microsoft-com:office:powerpoint" xmlns:com="http://schemas.openxmlformats.org/drawingml/2006/compatibility" xmlns:p14="http://schemas.microsoft.com/office/powerpoint/2010/main" xmlns:p15="http://schemas.microsoft.com/office/powerpoint/2012/main">
+  <p:cSld>
+    <p:spTree>
+      <p:nvGrpSpPr>
+        <p:cNvPr id="192" name="Shape 192"/>
+        <p:cNvGrpSpPr/>
+        <p:nvPr/>
+      </p:nvGrpSpPr>
+      <p:grpSpPr>
+        <a:xfrm>
+          <a:off x="0" y="0"/>
+          <a:ext cx="0" cy="0"/>
+          <a:chOff x="0" y="0"/>
+          <a:chExt cx="0" cy="0"/>
+        </a:xfrm>
+      </p:grpSpPr>
+      <p:sp>
+        <p:nvSpPr>
+          <p:cNvPr id="193" name="Google Shape;193;p40"/>
+          <p:cNvSpPr txBox="1"/>
+          <p:nvPr/>
+        </p:nvSpPr>
+        <p:spPr>
+          <a:xfrm>
+            <a:off x="928350" y="1752000"/>
+            <a:ext cx="7287300" cy="1639500"/>
+          </a:xfrm>
+          <a:prstGeom prst="rect">
+            <a:avLst/>
+          </a:prstGeom>
+          <a:noFill/>
+          <a:ln>
+            <a:noFill/>
+          </a:ln>
+        </p:spPr>
+        <p:txBody>
+          <a:bodyPr anchorCtr="0" anchor="t" bIns="91425" lIns="91425" spcFirstLastPara="1" rIns="91425" wrap="square" tIns="91425">
+            <a:noAutofit/>
+          </a:bodyPr>
+          <a:lstStyle/>
+          <a:p>
+            <a:pPr indent="0" lvl="0" marL="0" rtl="0" algn="ctr">
+              <a:spcBef>
+                <a:spcPts val="0"/>
+              </a:spcBef>
+              <a:spcAft>
+                <a:spcPts val="0"/>
+              </a:spcAft>
+              <a:buNone/>
+            </a:pPr>
+            <a:r>
+              <a:rPr lang="en" sz="4000"/>
+              <a:t>How many of these languages do you think are open source?</a:t>
+            </a:r>
+            <a:endParaRPr sz="4000"/>
+          </a:p>
+        </p:txBody>
+      </p:sp>
+    </p:spTree>
+  </p:cSld>
+  <p:clrMapOvr>
+    <a:masterClrMapping/>
+  </p:clrMapOvr>
+</p:sld>
+</file>
+
+<file path=ppt/slides/slide29.xml><?xml version="1.0" encoding="utf-8"?>
+<p:sld xmlns:a="http://schemas.openxmlformats.org/drawingml/2006/main" xmlns:r="http://schemas.openxmlformats.org/officeDocument/2006/relationships" xmlns:mc="http://schemas.openxmlformats.org/markup-compatibility/2006" xmlns:mv="urn:schemas-microsoft-com:mac:vml" xmlns:p="http://schemas.openxmlformats.org/presentationml/2006/main" xmlns:c="http://schemas.openxmlformats.org/drawingml/2006/chart" xmlns:dgm="http://schemas.openxmlformats.org/drawingml/2006/diagram" xmlns:o="urn:schemas-microsoft-com:office:office" xmlns:v="urn:schemas-microsoft-com:vml" xmlns:pvml="urn:schemas-microsoft-com:office:powerpoint" xmlns:com="http://schemas.openxmlformats.org/drawingml/2006/compatibility" xmlns:p14="http://schemas.microsoft.com/office/powerpoint/2010/main" xmlns:p15="http://schemas.microsoft.com/office/powerpoint/2012/main">
+  <p:cSld>
+    <p:spTree>
+      <p:nvGrpSpPr>
+        <p:cNvPr id="197" name="Shape 197"/>
+        <p:cNvGrpSpPr/>
+        <p:nvPr/>
+      </p:nvGrpSpPr>
+      <p:grpSpPr>
+        <a:xfrm>
+          <a:off x="0" y="0"/>
+          <a:ext cx="0" cy="0"/>
+          <a:chOff x="0" y="0"/>
+          <a:chExt cx="0" cy="0"/>
+        </a:xfrm>
+      </p:grpSpPr>
+      <p:pic>
+        <p:nvPicPr>
+          <p:cNvPr id="198" name="Google Shape;198;p41"/>
+          <p:cNvPicPr preferRelativeResize="0"/>
+          <p:nvPr/>
+        </p:nvPicPr>
+        <p:blipFill>
+          <a:blip r:embed="rId3">
+            <a:alphaModFix/>
+          </a:blip>
+          <a:stretch>
+            <a:fillRect/>
+          </a:stretch>
+        </p:blipFill>
+        <p:spPr>
+          <a:xfrm>
+            <a:off x="222325" y="170450"/>
+            <a:ext cx="1788899" cy="673625"/>
+          </a:xfrm>
+          <a:prstGeom prst="rect">
+            <a:avLst/>
+          </a:prstGeom>
+          <a:noFill/>
+          <a:ln>
+            <a:noFill/>
+          </a:ln>
+        </p:spPr>
+      </p:pic>
+      <p:pic>
+        <p:nvPicPr>
+          <p:cNvPr id="199" name="Google Shape;199;p41"/>
+          <p:cNvPicPr preferRelativeResize="0"/>
+          <p:nvPr/>
+        </p:nvPicPr>
+        <p:blipFill>
+          <a:blip r:embed="rId4">
+            <a:alphaModFix/>
+          </a:blip>
+          <a:stretch>
+            <a:fillRect/>
+          </a:stretch>
+        </p:blipFill>
+        <p:spPr>
+          <a:xfrm>
+            <a:off x="1736325" y="1580225"/>
+            <a:ext cx="1198849" cy="1198849"/>
+          </a:xfrm>
+          <a:prstGeom prst="rect">
+            <a:avLst/>
+          </a:prstGeom>
+          <a:noFill/>
+          <a:ln>
+            <a:noFill/>
+          </a:ln>
+        </p:spPr>
+      </p:pic>
+      <p:pic>
+        <p:nvPicPr>
+          <p:cNvPr id="200" name="Google Shape;200;p41"/>
+          <p:cNvPicPr preferRelativeResize="0"/>
+          <p:nvPr/>
+        </p:nvPicPr>
+        <p:blipFill>
+          <a:blip r:embed="rId5">
+            <a:alphaModFix/>
+          </a:blip>
+          <a:stretch>
+            <a:fillRect/>
+          </a:stretch>
+        </p:blipFill>
+        <p:spPr>
+          <a:xfrm>
+            <a:off x="1981200" y="-139450"/>
+            <a:ext cx="1870699" cy="1870699"/>
+          </a:xfrm>
+          <a:prstGeom prst="rect">
+            <a:avLst/>
+          </a:prstGeom>
+          <a:noFill/>
+          <a:ln>
+            <a:noFill/>
+          </a:ln>
+        </p:spPr>
+      </p:pic>
+      <p:pic>
+        <p:nvPicPr>
+          <p:cNvPr id="201" name="Google Shape;201;p41"/>
+          <p:cNvPicPr preferRelativeResize="0"/>
+          <p:nvPr/>
+        </p:nvPicPr>
+        <p:blipFill>
+          <a:blip r:embed="rId6">
+            <a:alphaModFix/>
+          </a:blip>
+          <a:stretch>
+            <a:fillRect/>
+          </a:stretch>
+        </p:blipFill>
+        <p:spPr>
+          <a:xfrm>
+            <a:off x="5520498" y="259575"/>
+            <a:ext cx="1047725" cy="1048776"/>
+          </a:xfrm>
+          <a:prstGeom prst="rect">
+            <a:avLst/>
+          </a:prstGeom>
+          <a:noFill/>
+          <a:ln>
+            <a:noFill/>
+          </a:ln>
+        </p:spPr>
+      </p:pic>
+      <p:pic>
+        <p:nvPicPr>
+          <p:cNvPr id="202" name="Google Shape;202;p41"/>
+          <p:cNvPicPr preferRelativeResize="0"/>
+          <p:nvPr/>
+        </p:nvPicPr>
+        <p:blipFill>
+          <a:blip r:embed="rId7">
+            <a:alphaModFix/>
+          </a:blip>
+          <a:stretch>
+            <a:fillRect/>
+          </a:stretch>
+        </p:blipFill>
+        <p:spPr>
+          <a:xfrm>
+            <a:off x="53575" y="1123025"/>
+            <a:ext cx="1496200" cy="1496200"/>
+          </a:xfrm>
+          <a:prstGeom prst="rect">
+            <a:avLst/>
+          </a:prstGeom>
+          <a:noFill/>
+          <a:ln>
+            <a:noFill/>
+          </a:ln>
+        </p:spPr>
+      </p:pic>
+      <p:pic>
+        <p:nvPicPr>
+          <p:cNvPr id="203" name="Google Shape;203;p41"/>
+          <p:cNvPicPr preferRelativeResize="0"/>
+          <p:nvPr/>
+        </p:nvPicPr>
+        <p:blipFill/>
+        <p:spPr>
+          <a:xfrm>
+            <a:off x="4616125" y="3390550"/>
+            <a:ext cx="1316049" cy="1316070"/>
+          </a:xfrm>
+          <a:prstGeom prst="rect">
+            <a:avLst/>
+          </a:prstGeom>
+          <a:noFill/>
+          <a:ln>
+            <a:noFill/>
+          </a:ln>
+        </p:spPr>
+      </p:pic>
+      <p:pic>
+        <p:nvPicPr>
+          <p:cNvPr id="204" name="Google Shape;204;p41"/>
+          <p:cNvPicPr preferRelativeResize="0"/>
+          <p:nvPr/>
+        </p:nvPicPr>
+        <p:blipFill>
+          <a:blip r:embed="rId8">
+            <a:alphaModFix/>
+          </a:blip>
+          <a:stretch>
+            <a:fillRect/>
+          </a:stretch>
+        </p:blipFill>
+        <p:spPr>
+          <a:xfrm>
+            <a:off x="3865125" y="205700"/>
+            <a:ext cx="1198851" cy="1198851"/>
+          </a:xfrm>
+          <a:prstGeom prst="rect">
+            <a:avLst/>
+          </a:prstGeom>
+          <a:noFill/>
+          <a:ln>
+            <a:noFill/>
+          </a:ln>
+        </p:spPr>
+      </p:pic>
+      <p:pic>
+        <p:nvPicPr>
+          <p:cNvPr id="205" name="Google Shape;205;p41"/>
+          <p:cNvPicPr preferRelativeResize="0"/>
+          <p:nvPr/>
+        </p:nvPicPr>
+        <p:blipFill>
+          <a:blip r:embed="rId9">
+            <a:alphaModFix/>
+          </a:blip>
+          <a:stretch>
+            <a:fillRect/>
+          </a:stretch>
+        </p:blipFill>
+        <p:spPr>
+          <a:xfrm>
+            <a:off x="3528674" y="1636075"/>
+            <a:ext cx="1316049" cy="1316049"/>
+          </a:xfrm>
+          <a:prstGeom prst="rect">
+            <a:avLst/>
+          </a:prstGeom>
+          <a:noFill/>
+          <a:ln>
+            <a:noFill/>
+          </a:ln>
+        </p:spPr>
+      </p:pic>
+      <p:pic>
+        <p:nvPicPr>
+          <p:cNvPr id="206" name="Google Shape;206;p41"/>
+          <p:cNvPicPr preferRelativeResize="0"/>
+          <p:nvPr/>
+        </p:nvPicPr>
+        <p:blipFill>
+          <a:blip r:embed="rId10">
+            <a:alphaModFix/>
+          </a:blip>
+          <a:stretch>
+            <a:fillRect/>
+          </a:stretch>
+        </p:blipFill>
+        <p:spPr>
+          <a:xfrm>
+            <a:off x="189150" y="3110275"/>
+            <a:ext cx="2125776" cy="1116025"/>
+          </a:xfrm>
+          <a:prstGeom prst="rect">
+            <a:avLst/>
+          </a:prstGeom>
+          <a:noFill/>
+          <a:ln>
+            <a:noFill/>
+          </a:ln>
+        </p:spPr>
+      </p:pic>
+      <p:pic>
+        <p:nvPicPr>
+          <p:cNvPr id="207" name="Google Shape;207;p41"/>
+          <p:cNvPicPr preferRelativeResize="0"/>
+          <p:nvPr/>
+        </p:nvPicPr>
+        <p:blipFill>
+          <a:blip r:embed="rId11">
+            <a:alphaModFix/>
+          </a:blip>
+          <a:stretch>
+            <a:fillRect/>
+          </a:stretch>
+        </p:blipFill>
+        <p:spPr>
+          <a:xfrm>
+            <a:off x="4994899" y="1504324"/>
+            <a:ext cx="1754827" cy="1754827"/>
+          </a:xfrm>
+          <a:prstGeom prst="rect">
+            <a:avLst/>
+          </a:prstGeom>
+          <a:noFill/>
+          <a:ln>
+            <a:noFill/>
+          </a:ln>
+        </p:spPr>
+      </p:pic>
+      <p:pic>
+        <p:nvPicPr>
+          <p:cNvPr id="208" name="Google Shape;208;p41"/>
+          <p:cNvPicPr preferRelativeResize="0"/>
+          <p:nvPr/>
+        </p:nvPicPr>
+        <p:blipFill>
+          <a:blip r:embed="rId12">
+            <a:alphaModFix/>
+          </a:blip>
+          <a:stretch>
+            <a:fillRect/>
+          </a:stretch>
+        </p:blipFill>
+        <p:spPr>
+          <a:xfrm>
+            <a:off x="6805650" y="365280"/>
+            <a:ext cx="2033554" cy="555000"/>
+          </a:xfrm>
+          <a:prstGeom prst="rect">
+            <a:avLst/>
+          </a:prstGeom>
+          <a:noFill/>
+          <a:ln>
+            <a:noFill/>
+          </a:ln>
+        </p:spPr>
+      </p:pic>
+      <p:pic>
+        <p:nvPicPr>
+          <p:cNvPr id="209" name="Google Shape;209;p41"/>
+          <p:cNvPicPr preferRelativeResize="0"/>
+          <p:nvPr/>
+        </p:nvPicPr>
+        <p:blipFill>
+          <a:blip r:embed="rId13">
+            <a:alphaModFix/>
+          </a:blip>
+          <a:stretch>
+            <a:fillRect/>
+          </a:stretch>
+        </p:blipFill>
+        <p:spPr>
+          <a:xfrm>
+            <a:off x="7330224" y="1072675"/>
+            <a:ext cx="1198851" cy="1198851"/>
+          </a:xfrm>
+          <a:prstGeom prst="rect">
+            <a:avLst/>
+          </a:prstGeom>
+          <a:noFill/>
+          <a:ln>
+            <a:noFill/>
+          </a:ln>
+        </p:spPr>
+      </p:pic>
+      <p:pic>
+        <p:nvPicPr>
+          <p:cNvPr id="210" name="Google Shape;210;p41"/>
+          <p:cNvPicPr preferRelativeResize="0"/>
+          <p:nvPr/>
+        </p:nvPicPr>
+        <p:blipFill>
+          <a:blip r:embed="rId14">
+            <a:alphaModFix/>
+          </a:blip>
+          <a:stretch>
+            <a:fillRect/>
+          </a:stretch>
+        </p:blipFill>
+        <p:spPr>
+          <a:xfrm>
+            <a:off x="2903174" y="3531725"/>
+            <a:ext cx="1485870" cy="1048774"/>
+          </a:xfrm>
+          <a:prstGeom prst="rect">
+            <a:avLst/>
+          </a:prstGeom>
+          <a:noFill/>
+          <a:ln>
+            <a:noFill/>
+          </a:ln>
+        </p:spPr>
+      </p:pic>
+      <p:pic>
+        <p:nvPicPr>
+          <p:cNvPr id="211" name="Google Shape;211;p41"/>
+          <p:cNvPicPr preferRelativeResize="0"/>
+          <p:nvPr/>
+        </p:nvPicPr>
+        <p:blipFill>
+          <a:blip r:embed="rId15">
+            <a:alphaModFix/>
+          </a:blip>
+          <a:stretch>
+            <a:fillRect/>
+          </a:stretch>
+        </p:blipFill>
+        <p:spPr>
+          <a:xfrm>
+            <a:off x="7255500" y="2387775"/>
+            <a:ext cx="1365151" cy="1154524"/>
+          </a:xfrm>
+          <a:prstGeom prst="rect">
+            <a:avLst/>
+          </a:prstGeom>
+          <a:noFill/>
+          <a:ln>
+            <a:noFill/>
+          </a:ln>
+        </p:spPr>
+      </p:pic>
+      <p:pic>
+        <p:nvPicPr>
+          <p:cNvPr id="212" name="Google Shape;212;p41"/>
+          <p:cNvPicPr preferRelativeResize="0"/>
+          <p:nvPr/>
+        </p:nvPicPr>
+        <p:blipFill>
+          <a:blip r:embed="rId16">
+            <a:alphaModFix/>
+          </a:blip>
+          <a:stretch>
+            <a:fillRect/>
+          </a:stretch>
+        </p:blipFill>
+        <p:spPr>
+          <a:xfrm>
+            <a:off x="6011225" y="3511073"/>
+            <a:ext cx="1600734" cy="1198850"/>
+          </a:xfrm>
+          <a:prstGeom prst="rect">
+            <a:avLst/>
+          </a:prstGeom>
+          <a:noFill/>
+          <a:ln>
+            <a:noFill/>
+          </a:ln>
+        </p:spPr>
+      </p:pic>
+      <p:pic>
+        <p:nvPicPr>
+          <p:cNvPr id="213" name="Google Shape;213;p41"/>
+          <p:cNvPicPr preferRelativeResize="0"/>
+          <p:nvPr/>
+        </p:nvPicPr>
+        <p:blipFill>
+          <a:blip r:embed="rId17">
+            <a:alphaModFix/>
+          </a:blip>
+          <a:stretch>
+            <a:fillRect/>
+          </a:stretch>
+        </p:blipFill>
+        <p:spPr>
+          <a:xfrm>
+            <a:off x="7625993" y="3641750"/>
+            <a:ext cx="1073280" cy="1154525"/>
+          </a:xfrm>
+          <a:prstGeom prst="rect">
+            <a:avLst/>
+          </a:prstGeom>
+          <a:noFill/>
+          <a:ln>
+            <a:noFill/>
+          </a:ln>
+        </p:spPr>
+      </p:pic>
     </p:spTree>
   </p:cSld>
   <p:clrMapOvr>
@@ -8749,8 +10830,8 @@
         </p:nvSpPr>
         <p:spPr>
           <a:xfrm>
-            <a:off x="1977750" y="1541700"/>
-            <a:ext cx="5188500" cy="2060100"/>
+            <a:off x="1466550" y="1224150"/>
+            <a:ext cx="6210900" cy="2695200"/>
           </a:xfrm>
           <a:prstGeom prst="rect">
             <a:avLst/>
@@ -8776,26 +10857,10 @@
               <a:buNone/>
             </a:pPr>
             <a:r>
-              <a:rPr lang="en" sz="4000">
-                <a:solidFill>
-                  <a:schemeClr val="dk1"/>
-                </a:solidFill>
-              </a:rPr>
-              <a:t>Totally </a:t>
+              <a:rPr lang="en" sz="4000"/>
+              <a:t>Guess the number of PRs I have raise for helm repository?</a:t>
             </a:r>
-            <a:r>
-              <a:rPr lang="en" sz="4000">
-                <a:solidFill>
-                  <a:schemeClr val="dk1"/>
-                </a:solidFill>
-              </a:rPr>
-              <a:t>6 PRs</a:t>
-            </a:r>
-            <a:endParaRPr sz="4000">
-              <a:solidFill>
-                <a:schemeClr val="dk1"/>
-              </a:solidFill>
-            </a:endParaRPr>
+            <a:endParaRPr sz="4000"/>
           </a:p>
           <a:p>
             <a:pPr indent="0" lvl="0" marL="0" rtl="0" algn="ctr">
@@ -8808,18 +10873,913 @@
               <a:buNone/>
             </a:pPr>
             <a:r>
-              <a:rPr lang="en" sz="4000">
+              <a:rPr lang="en" sz="4000" u="sng">
                 <a:solidFill>
-                  <a:schemeClr val="dk1"/>
+                  <a:schemeClr val="hlink"/>
                 </a:solidFill>
+                <a:hlinkClick r:id="rId3"/>
               </a:rPr>
-              <a:t>3 Merged</a:t>
+              <a:t>My Pull Requests</a:t>
             </a:r>
-            <a:endParaRPr sz="4000">
-              <a:solidFill>
-                <a:schemeClr val="dk1"/>
-              </a:solidFill>
-            </a:endParaRPr>
+            <a:endParaRPr sz="4000"/>
+          </a:p>
+        </p:txBody>
+      </p:sp>
+    </p:spTree>
+  </p:cSld>
+  <p:clrMapOvr>
+    <a:masterClrMapping/>
+  </p:clrMapOvr>
+</p:sld>
+</file>
+
+<file path=ppt/slides/slide30.xml><?xml version="1.0" encoding="utf-8"?>
+<p:sld xmlns:a="http://schemas.openxmlformats.org/drawingml/2006/main" xmlns:r="http://schemas.openxmlformats.org/officeDocument/2006/relationships" xmlns:mc="http://schemas.openxmlformats.org/markup-compatibility/2006" xmlns:mv="urn:schemas-microsoft-com:mac:vml" xmlns:p="http://schemas.openxmlformats.org/presentationml/2006/main" xmlns:c="http://schemas.openxmlformats.org/drawingml/2006/chart" xmlns:dgm="http://schemas.openxmlformats.org/drawingml/2006/diagram" xmlns:o="urn:schemas-microsoft-com:office:office" xmlns:v="urn:schemas-microsoft-com:vml" xmlns:pvml="urn:schemas-microsoft-com:office:powerpoint" xmlns:com="http://schemas.openxmlformats.org/drawingml/2006/compatibility" xmlns:p14="http://schemas.microsoft.com/office/powerpoint/2010/main" xmlns:p15="http://schemas.microsoft.com/office/powerpoint/2012/main">
+  <p:cSld>
+    <p:spTree>
+      <p:nvGrpSpPr>
+        <p:cNvPr id="217" name="Shape 217"/>
+        <p:cNvGrpSpPr/>
+        <p:nvPr/>
+      </p:nvGrpSpPr>
+      <p:grpSpPr>
+        <a:xfrm>
+          <a:off x="0" y="0"/>
+          <a:ext cx="0" cy="0"/>
+          <a:chOff x="0" y="0"/>
+          <a:chExt cx="0" cy="0"/>
+        </a:xfrm>
+      </p:grpSpPr>
+      <p:sp>
+        <p:nvSpPr>
+          <p:cNvPr id="218" name="Google Shape;218;p42"/>
+          <p:cNvSpPr txBox="1"/>
+          <p:nvPr/>
+        </p:nvSpPr>
+        <p:spPr>
+          <a:xfrm>
+            <a:off x="928350" y="1816500"/>
+            <a:ext cx="7287300" cy="1510500"/>
+          </a:xfrm>
+          <a:prstGeom prst="rect">
+            <a:avLst/>
+          </a:prstGeom>
+          <a:noFill/>
+          <a:ln>
+            <a:noFill/>
+          </a:ln>
+        </p:spPr>
+        <p:txBody>
+          <a:bodyPr anchorCtr="0" anchor="t" bIns="91425" lIns="91425" spcFirstLastPara="1" rIns="91425" wrap="square" tIns="91425">
+            <a:noAutofit/>
+          </a:bodyPr>
+          <a:lstStyle/>
+          <a:p>
+            <a:pPr indent="0" lvl="0" marL="0" rtl="0" algn="ctr">
+              <a:spcBef>
+                <a:spcPts val="0"/>
+              </a:spcBef>
+              <a:spcAft>
+                <a:spcPts val="0"/>
+              </a:spcAft>
+              <a:buNone/>
+            </a:pPr>
+            <a:r>
+              <a:rPr lang="en" sz="4000"/>
+              <a:t>What about these softwares ? How many are open source?</a:t>
+            </a:r>
+            <a:endParaRPr sz="4000"/>
+          </a:p>
+        </p:txBody>
+      </p:sp>
+    </p:spTree>
+  </p:cSld>
+  <p:clrMapOvr>
+    <a:masterClrMapping/>
+  </p:clrMapOvr>
+</p:sld>
+</file>
+
+<file path=ppt/slides/slide31.xml><?xml version="1.0" encoding="utf-8"?>
+<p:sld xmlns:a="http://schemas.openxmlformats.org/drawingml/2006/main" xmlns:r="http://schemas.openxmlformats.org/officeDocument/2006/relationships" xmlns:mc="http://schemas.openxmlformats.org/markup-compatibility/2006" xmlns:mv="urn:schemas-microsoft-com:mac:vml" xmlns:p="http://schemas.openxmlformats.org/presentationml/2006/main" xmlns:c="http://schemas.openxmlformats.org/drawingml/2006/chart" xmlns:dgm="http://schemas.openxmlformats.org/drawingml/2006/diagram" xmlns:o="urn:schemas-microsoft-com:office:office" xmlns:v="urn:schemas-microsoft-com:vml" xmlns:pvml="urn:schemas-microsoft-com:office:powerpoint" xmlns:com="http://schemas.openxmlformats.org/drawingml/2006/compatibility" xmlns:p14="http://schemas.microsoft.com/office/powerpoint/2010/main" xmlns:p15="http://schemas.microsoft.com/office/powerpoint/2012/main">
+  <p:cSld>
+    <p:spTree>
+      <p:nvGrpSpPr>
+        <p:cNvPr id="222" name="Shape 222"/>
+        <p:cNvGrpSpPr/>
+        <p:nvPr/>
+      </p:nvGrpSpPr>
+      <p:grpSpPr>
+        <a:xfrm>
+          <a:off x="0" y="0"/>
+          <a:ext cx="0" cy="0"/>
+          <a:chOff x="0" y="0"/>
+          <a:chExt cx="0" cy="0"/>
+        </a:xfrm>
+      </p:grpSpPr>
+      <p:pic>
+        <p:nvPicPr>
+          <p:cNvPr id="223" name="Google Shape;223;p43"/>
+          <p:cNvPicPr preferRelativeResize="0"/>
+          <p:nvPr/>
+        </p:nvPicPr>
+        <p:blipFill>
+          <a:blip r:embed="rId3">
+            <a:alphaModFix/>
+          </a:blip>
+          <a:stretch>
+            <a:fillRect/>
+          </a:stretch>
+        </p:blipFill>
+        <p:spPr>
+          <a:xfrm>
+            <a:off x="152400" y="228600"/>
+            <a:ext cx="1315875" cy="1315875"/>
+          </a:xfrm>
+          <a:prstGeom prst="rect">
+            <a:avLst/>
+          </a:prstGeom>
+          <a:noFill/>
+          <a:ln>
+            <a:noFill/>
+          </a:ln>
+        </p:spPr>
+      </p:pic>
+      <p:pic>
+        <p:nvPicPr>
+          <p:cNvPr id="224" name="Google Shape;224;p43"/>
+          <p:cNvPicPr preferRelativeResize="0"/>
+          <p:nvPr/>
+        </p:nvPicPr>
+        <p:blipFill>
+          <a:blip r:embed="rId4">
+            <a:alphaModFix/>
+          </a:blip>
+          <a:stretch>
+            <a:fillRect/>
+          </a:stretch>
+        </p:blipFill>
+        <p:spPr>
+          <a:xfrm>
+            <a:off x="1337450" y="96725"/>
+            <a:ext cx="1522725" cy="1522725"/>
+          </a:xfrm>
+          <a:prstGeom prst="rect">
+            <a:avLst/>
+          </a:prstGeom>
+          <a:noFill/>
+          <a:ln>
+            <a:noFill/>
+          </a:ln>
+        </p:spPr>
+      </p:pic>
+      <p:pic>
+        <p:nvPicPr>
+          <p:cNvPr id="225" name="Google Shape;225;p43"/>
+          <p:cNvPicPr preferRelativeResize="0"/>
+          <p:nvPr/>
+        </p:nvPicPr>
+        <p:blipFill>
+          <a:blip r:embed="rId5">
+            <a:alphaModFix/>
+          </a:blip>
+          <a:stretch>
+            <a:fillRect/>
+          </a:stretch>
+        </p:blipFill>
+        <p:spPr>
+          <a:xfrm>
+            <a:off x="3006850" y="57525"/>
+            <a:ext cx="1488550" cy="1488550"/>
+          </a:xfrm>
+          <a:prstGeom prst="rect">
+            <a:avLst/>
+          </a:prstGeom>
+          <a:noFill/>
+          <a:ln>
+            <a:noFill/>
+          </a:ln>
+        </p:spPr>
+      </p:pic>
+      <p:pic>
+        <p:nvPicPr>
+          <p:cNvPr id="226" name="Google Shape;226;p43"/>
+          <p:cNvPicPr preferRelativeResize="0"/>
+          <p:nvPr/>
+        </p:nvPicPr>
+        <p:blipFill>
+          <a:blip r:embed="rId6">
+            <a:alphaModFix/>
+          </a:blip>
+          <a:stretch>
+            <a:fillRect/>
+          </a:stretch>
+        </p:blipFill>
+        <p:spPr>
+          <a:xfrm>
+            <a:off x="4898150" y="1607225"/>
+            <a:ext cx="1598909" cy="1077999"/>
+          </a:xfrm>
+          <a:prstGeom prst="rect">
+            <a:avLst/>
+          </a:prstGeom>
+          <a:noFill/>
+          <a:ln>
+            <a:noFill/>
+          </a:ln>
+        </p:spPr>
+      </p:pic>
+      <p:pic>
+        <p:nvPicPr>
+          <p:cNvPr id="227" name="Google Shape;227;p43"/>
+          <p:cNvPicPr preferRelativeResize="0"/>
+          <p:nvPr/>
+        </p:nvPicPr>
+        <p:blipFill>
+          <a:blip r:embed="rId7">
+            <a:alphaModFix/>
+          </a:blip>
+          <a:stretch>
+            <a:fillRect/>
+          </a:stretch>
+        </p:blipFill>
+        <p:spPr>
+          <a:xfrm>
+            <a:off x="6714402" y="1149862"/>
+            <a:ext cx="2226676" cy="1878776"/>
+          </a:xfrm>
+          <a:prstGeom prst="rect">
+            <a:avLst/>
+          </a:prstGeom>
+          <a:noFill/>
+          <a:ln>
+            <a:noFill/>
+          </a:ln>
+        </p:spPr>
+      </p:pic>
+      <p:pic>
+        <p:nvPicPr>
+          <p:cNvPr id="228" name="Google Shape;228;p43"/>
+          <p:cNvPicPr preferRelativeResize="0"/>
+          <p:nvPr/>
+        </p:nvPicPr>
+        <p:blipFill>
+          <a:blip r:embed="rId8">
+            <a:alphaModFix/>
+          </a:blip>
+          <a:stretch>
+            <a:fillRect/>
+          </a:stretch>
+        </p:blipFill>
+        <p:spPr>
+          <a:xfrm>
+            <a:off x="4375625" y="-2150"/>
+            <a:ext cx="1658525" cy="1656079"/>
+          </a:xfrm>
+          <a:prstGeom prst="rect">
+            <a:avLst/>
+          </a:prstGeom>
+          <a:noFill/>
+          <a:ln>
+            <a:noFill/>
+          </a:ln>
+        </p:spPr>
+      </p:pic>
+      <p:pic>
+        <p:nvPicPr>
+          <p:cNvPr id="229" name="Google Shape;229;p43"/>
+          <p:cNvPicPr preferRelativeResize="0"/>
+          <p:nvPr/>
+        </p:nvPicPr>
+        <p:blipFill>
+          <a:blip r:embed="rId9">
+            <a:alphaModFix/>
+          </a:blip>
+          <a:stretch>
+            <a:fillRect/>
+          </a:stretch>
+        </p:blipFill>
+        <p:spPr>
+          <a:xfrm>
+            <a:off x="5257475" y="103675"/>
+            <a:ext cx="2900394" cy="1522725"/>
+          </a:xfrm>
+          <a:prstGeom prst="rect">
+            <a:avLst/>
+          </a:prstGeom>
+          <a:noFill/>
+          <a:ln>
+            <a:noFill/>
+          </a:ln>
+        </p:spPr>
+      </p:pic>
+      <p:pic>
+        <p:nvPicPr>
+          <p:cNvPr id="230" name="Google Shape;230;p43"/>
+          <p:cNvPicPr preferRelativeResize="0"/>
+          <p:nvPr/>
+        </p:nvPicPr>
+        <p:blipFill>
+          <a:blip r:embed="rId10">
+            <a:alphaModFix/>
+          </a:blip>
+          <a:stretch>
+            <a:fillRect/>
+          </a:stretch>
+        </p:blipFill>
+        <p:spPr>
+          <a:xfrm>
+            <a:off x="7350925" y="146025"/>
+            <a:ext cx="1359725" cy="1359725"/>
+          </a:xfrm>
+          <a:prstGeom prst="rect">
+            <a:avLst/>
+          </a:prstGeom>
+          <a:noFill/>
+          <a:ln>
+            <a:noFill/>
+          </a:ln>
+        </p:spPr>
+      </p:pic>
+      <p:pic>
+        <p:nvPicPr>
+          <p:cNvPr id="231" name="Google Shape;231;p43"/>
+          <p:cNvPicPr preferRelativeResize="0"/>
+          <p:nvPr/>
+        </p:nvPicPr>
+        <p:blipFill>
+          <a:blip r:embed="rId11">
+            <a:alphaModFix/>
+          </a:blip>
+          <a:stretch>
+            <a:fillRect/>
+          </a:stretch>
+        </p:blipFill>
+        <p:spPr>
+          <a:xfrm>
+            <a:off x="2143825" y="1702647"/>
+            <a:ext cx="1078001" cy="1078001"/>
+          </a:xfrm>
+          <a:prstGeom prst="rect">
+            <a:avLst/>
+          </a:prstGeom>
+          <a:noFill/>
+          <a:ln>
+            <a:noFill/>
+          </a:ln>
+        </p:spPr>
+      </p:pic>
+      <p:pic>
+        <p:nvPicPr>
+          <p:cNvPr id="232" name="Google Shape;232;p43"/>
+          <p:cNvPicPr preferRelativeResize="0"/>
+          <p:nvPr/>
+        </p:nvPicPr>
+        <p:blipFill>
+          <a:blip r:embed="rId12">
+            <a:alphaModFix/>
+          </a:blip>
+          <a:stretch>
+            <a:fillRect/>
+          </a:stretch>
+        </p:blipFill>
+        <p:spPr>
+          <a:xfrm>
+            <a:off x="152400" y="1835825"/>
+            <a:ext cx="1783447" cy="617400"/>
+          </a:xfrm>
+          <a:prstGeom prst="rect">
+            <a:avLst/>
+          </a:prstGeom>
+          <a:noFill/>
+          <a:ln>
+            <a:noFill/>
+          </a:ln>
+        </p:spPr>
+      </p:pic>
+      <p:pic>
+        <p:nvPicPr>
+          <p:cNvPr id="233" name="Google Shape;233;p43"/>
+          <p:cNvPicPr preferRelativeResize="0"/>
+          <p:nvPr/>
+        </p:nvPicPr>
+        <p:blipFill>
+          <a:blip r:embed="rId13">
+            <a:alphaModFix/>
+          </a:blip>
+          <a:stretch>
+            <a:fillRect/>
+          </a:stretch>
+        </p:blipFill>
+        <p:spPr>
+          <a:xfrm>
+            <a:off x="322400" y="2705100"/>
+            <a:ext cx="943275" cy="943275"/>
+          </a:xfrm>
+          <a:prstGeom prst="rect">
+            <a:avLst/>
+          </a:prstGeom>
+          <a:noFill/>
+          <a:ln>
+            <a:noFill/>
+          </a:ln>
+        </p:spPr>
+      </p:pic>
+      <p:pic>
+        <p:nvPicPr>
+          <p:cNvPr id="234" name="Google Shape;234;p43"/>
+          <p:cNvPicPr preferRelativeResize="0"/>
+          <p:nvPr/>
+        </p:nvPicPr>
+        <p:blipFill>
+          <a:blip r:embed="rId14">
+            <a:alphaModFix/>
+          </a:blip>
+          <a:stretch>
+            <a:fillRect/>
+          </a:stretch>
+        </p:blipFill>
+        <p:spPr>
+          <a:xfrm>
+            <a:off x="7805175" y="2791925"/>
+            <a:ext cx="1148499" cy="895825"/>
+          </a:xfrm>
+          <a:prstGeom prst="rect">
+            <a:avLst/>
+          </a:prstGeom>
+          <a:noFill/>
+          <a:ln>
+            <a:noFill/>
+          </a:ln>
+        </p:spPr>
+      </p:pic>
+      <p:pic>
+        <p:nvPicPr>
+          <p:cNvPr id="235" name="Google Shape;235;p43"/>
+          <p:cNvPicPr preferRelativeResize="0"/>
+          <p:nvPr/>
+        </p:nvPicPr>
+        <p:blipFill>
+          <a:blip r:embed="rId15">
+            <a:alphaModFix/>
+          </a:blip>
+          <a:stretch>
+            <a:fillRect/>
+          </a:stretch>
+        </p:blipFill>
+        <p:spPr>
+          <a:xfrm>
+            <a:off x="6806748" y="2716127"/>
+            <a:ext cx="1036613" cy="1036634"/>
+          </a:xfrm>
+          <a:prstGeom prst="rect">
+            <a:avLst/>
+          </a:prstGeom>
+          <a:noFill/>
+          <a:ln>
+            <a:noFill/>
+          </a:ln>
+        </p:spPr>
+      </p:pic>
+      <p:pic>
+        <p:nvPicPr>
+          <p:cNvPr id="236" name="Google Shape;236;p43"/>
+          <p:cNvPicPr preferRelativeResize="0"/>
+          <p:nvPr/>
+        </p:nvPicPr>
+        <p:blipFill>
+          <a:blip r:embed="rId16">
+            <a:alphaModFix/>
+          </a:blip>
+          <a:stretch>
+            <a:fillRect/>
+          </a:stretch>
+        </p:blipFill>
+        <p:spPr>
+          <a:xfrm>
+            <a:off x="3246875" y="1466025"/>
+            <a:ext cx="1424375" cy="1424375"/>
+          </a:xfrm>
+          <a:prstGeom prst="rect">
+            <a:avLst/>
+          </a:prstGeom>
+          <a:noFill/>
+          <a:ln>
+            <a:noFill/>
+          </a:ln>
+        </p:spPr>
+      </p:pic>
+      <p:pic>
+        <p:nvPicPr>
+          <p:cNvPr id="237" name="Google Shape;237;p43"/>
+          <p:cNvPicPr preferRelativeResize="0"/>
+          <p:nvPr/>
+        </p:nvPicPr>
+        <p:blipFill>
+          <a:blip r:embed="rId17">
+            <a:alphaModFix/>
+          </a:blip>
+          <a:stretch>
+            <a:fillRect/>
+          </a:stretch>
+        </p:blipFill>
+        <p:spPr>
+          <a:xfrm>
+            <a:off x="1539625" y="2890400"/>
+            <a:ext cx="943275" cy="943275"/>
+          </a:xfrm>
+          <a:prstGeom prst="rect">
+            <a:avLst/>
+          </a:prstGeom>
+          <a:noFill/>
+          <a:ln>
+            <a:noFill/>
+          </a:ln>
+        </p:spPr>
+      </p:pic>
+      <p:pic>
+        <p:nvPicPr>
+          <p:cNvPr id="238" name="Google Shape;238;p43"/>
+          <p:cNvPicPr preferRelativeResize="0"/>
+          <p:nvPr/>
+        </p:nvPicPr>
+        <p:blipFill>
+          <a:blip r:embed="rId18">
+            <a:alphaModFix/>
+          </a:blip>
+          <a:stretch>
+            <a:fillRect/>
+          </a:stretch>
+        </p:blipFill>
+        <p:spPr>
+          <a:xfrm>
+            <a:off x="2657750" y="2966600"/>
+            <a:ext cx="880526" cy="811450"/>
+          </a:xfrm>
+          <a:prstGeom prst="rect">
+            <a:avLst/>
+          </a:prstGeom>
+          <a:noFill/>
+          <a:ln>
+            <a:noFill/>
+          </a:ln>
+        </p:spPr>
+      </p:pic>
+      <p:pic>
+        <p:nvPicPr>
+          <p:cNvPr id="239" name="Google Shape;239;p43"/>
+          <p:cNvPicPr preferRelativeResize="0"/>
+          <p:nvPr/>
+        </p:nvPicPr>
+        <p:blipFill>
+          <a:blip r:embed="rId19">
+            <a:alphaModFix/>
+          </a:blip>
+          <a:stretch>
+            <a:fillRect/>
+          </a:stretch>
+        </p:blipFill>
+        <p:spPr>
+          <a:xfrm>
+            <a:off x="5748075" y="2738000"/>
+            <a:ext cx="943275" cy="943275"/>
+          </a:xfrm>
+          <a:prstGeom prst="rect">
+            <a:avLst/>
+          </a:prstGeom>
+          <a:noFill/>
+          <a:ln>
+            <a:noFill/>
+          </a:ln>
+        </p:spPr>
+      </p:pic>
+      <p:pic>
+        <p:nvPicPr>
+          <p:cNvPr id="240" name="Google Shape;240;p43"/>
+          <p:cNvPicPr preferRelativeResize="0"/>
+          <p:nvPr/>
+        </p:nvPicPr>
+        <p:blipFill>
+          <a:blip r:embed="rId20">
+            <a:alphaModFix/>
+          </a:blip>
+          <a:stretch>
+            <a:fillRect/>
+          </a:stretch>
+        </p:blipFill>
+        <p:spPr>
+          <a:xfrm>
+            <a:off x="387875" y="3953175"/>
+            <a:ext cx="1658525" cy="692574"/>
+          </a:xfrm>
+          <a:prstGeom prst="rect">
+            <a:avLst/>
+          </a:prstGeom>
+          <a:noFill/>
+          <a:ln>
+            <a:noFill/>
+          </a:ln>
+        </p:spPr>
+      </p:pic>
+      <p:pic>
+        <p:nvPicPr>
+          <p:cNvPr id="241" name="Google Shape;241;p43"/>
+          <p:cNvPicPr preferRelativeResize="0"/>
+          <p:nvPr/>
+        </p:nvPicPr>
+        <p:blipFill>
+          <a:blip r:embed="rId21">
+            <a:alphaModFix/>
+          </a:blip>
+          <a:stretch>
+            <a:fillRect/>
+          </a:stretch>
+        </p:blipFill>
+        <p:spPr>
+          <a:xfrm>
+            <a:off x="2118673" y="3879900"/>
+            <a:ext cx="1794530" cy="943275"/>
+          </a:xfrm>
+          <a:prstGeom prst="rect">
+            <a:avLst/>
+          </a:prstGeom>
+          <a:noFill/>
+          <a:ln>
+            <a:noFill/>
+          </a:ln>
+        </p:spPr>
+      </p:pic>
+      <p:pic>
+        <p:nvPicPr>
+          <p:cNvPr id="242" name="Google Shape;242;p43"/>
+          <p:cNvPicPr preferRelativeResize="0"/>
+          <p:nvPr/>
+        </p:nvPicPr>
+        <p:blipFill>
+          <a:blip r:embed="rId22">
+            <a:alphaModFix/>
+          </a:blip>
+          <a:stretch>
+            <a:fillRect/>
+          </a:stretch>
+        </p:blipFill>
+        <p:spPr>
+          <a:xfrm>
+            <a:off x="4576600" y="2828050"/>
+            <a:ext cx="1036600" cy="875040"/>
+          </a:xfrm>
+          <a:prstGeom prst="rect">
+            <a:avLst/>
+          </a:prstGeom>
+          <a:noFill/>
+          <a:ln>
+            <a:noFill/>
+          </a:ln>
+        </p:spPr>
+      </p:pic>
+      <p:pic>
+        <p:nvPicPr>
+          <p:cNvPr id="243" name="Google Shape;243;p43"/>
+          <p:cNvPicPr preferRelativeResize="0"/>
+          <p:nvPr/>
+        </p:nvPicPr>
+        <p:blipFill>
+          <a:blip r:embed="rId23">
+            <a:alphaModFix/>
+          </a:blip>
+          <a:stretch>
+            <a:fillRect/>
+          </a:stretch>
+        </p:blipFill>
+        <p:spPr>
+          <a:xfrm>
+            <a:off x="3604475" y="3014865"/>
+            <a:ext cx="1078000" cy="808508"/>
+          </a:xfrm>
+          <a:prstGeom prst="rect">
+            <a:avLst/>
+          </a:prstGeom>
+          <a:noFill/>
+          <a:ln>
+            <a:noFill/>
+          </a:ln>
+        </p:spPr>
+      </p:pic>
+      <p:pic>
+        <p:nvPicPr>
+          <p:cNvPr id="244" name="Google Shape;244;p43"/>
+          <p:cNvPicPr preferRelativeResize="0"/>
+          <p:nvPr/>
+        </p:nvPicPr>
+        <p:blipFill>
+          <a:blip r:embed="rId24">
+            <a:alphaModFix/>
+          </a:blip>
+          <a:stretch>
+            <a:fillRect/>
+          </a:stretch>
+        </p:blipFill>
+        <p:spPr>
+          <a:xfrm>
+            <a:off x="3987473" y="3905160"/>
+            <a:ext cx="1085940" cy="1085940"/>
+          </a:xfrm>
+          <a:prstGeom prst="rect">
+            <a:avLst/>
+          </a:prstGeom>
+          <a:noFill/>
+          <a:ln>
+            <a:noFill/>
+          </a:ln>
+        </p:spPr>
+      </p:pic>
+      <p:pic>
+        <p:nvPicPr>
+          <p:cNvPr id="245" name="Google Shape;245;p43"/>
+          <p:cNvPicPr preferRelativeResize="0"/>
+          <p:nvPr/>
+        </p:nvPicPr>
+        <p:blipFill>
+          <a:blip r:embed="rId25">
+            <a:alphaModFix/>
+          </a:blip>
+          <a:stretch>
+            <a:fillRect/>
+          </a:stretch>
+        </p:blipFill>
+        <p:spPr>
+          <a:xfrm>
+            <a:off x="5202175" y="3873592"/>
+            <a:ext cx="1424375" cy="949583"/>
+          </a:xfrm>
+          <a:prstGeom prst="rect">
+            <a:avLst/>
+          </a:prstGeom>
+          <a:noFill/>
+          <a:ln>
+            <a:noFill/>
+          </a:ln>
+        </p:spPr>
+      </p:pic>
+      <p:pic>
+        <p:nvPicPr>
+          <p:cNvPr id="246" name="Google Shape;246;p43"/>
+          <p:cNvPicPr preferRelativeResize="0"/>
+          <p:nvPr/>
+        </p:nvPicPr>
+        <p:blipFill>
+          <a:blip r:embed="rId26">
+            <a:alphaModFix/>
+          </a:blip>
+          <a:stretch>
+            <a:fillRect/>
+          </a:stretch>
+        </p:blipFill>
+        <p:spPr>
+          <a:xfrm>
+            <a:off x="6760800" y="3867950"/>
+            <a:ext cx="2028835" cy="895825"/>
+          </a:xfrm>
+          <a:prstGeom prst="rect">
+            <a:avLst/>
+          </a:prstGeom>
+          <a:noFill/>
+          <a:ln>
+            <a:noFill/>
+          </a:ln>
+        </p:spPr>
+      </p:pic>
+    </p:spTree>
+  </p:cSld>
+  <p:clrMapOvr>
+    <a:masterClrMapping/>
+  </p:clrMapOvr>
+</p:sld>
+</file>
+
+<file path=ppt/slides/slide32.xml><?xml version="1.0" encoding="utf-8"?>
+<p:sld xmlns:a="http://schemas.openxmlformats.org/drawingml/2006/main" xmlns:r="http://schemas.openxmlformats.org/officeDocument/2006/relationships" xmlns:mc="http://schemas.openxmlformats.org/markup-compatibility/2006" xmlns:mv="urn:schemas-microsoft-com:mac:vml" xmlns:p="http://schemas.openxmlformats.org/presentationml/2006/main" xmlns:c="http://schemas.openxmlformats.org/drawingml/2006/chart" xmlns:dgm="http://schemas.openxmlformats.org/drawingml/2006/diagram" xmlns:o="urn:schemas-microsoft-com:office:office" xmlns:v="urn:schemas-microsoft-com:vml" xmlns:pvml="urn:schemas-microsoft-com:office:powerpoint" xmlns:com="http://schemas.openxmlformats.org/drawingml/2006/compatibility" xmlns:p14="http://schemas.microsoft.com/office/powerpoint/2010/main" xmlns:p15="http://schemas.microsoft.com/office/powerpoint/2012/main">
+  <p:cSld>
+    <p:spTree>
+      <p:nvGrpSpPr>
+        <p:cNvPr id="250" name="Shape 250"/>
+        <p:cNvGrpSpPr/>
+        <p:nvPr/>
+      </p:nvGrpSpPr>
+      <p:grpSpPr>
+        <a:xfrm>
+          <a:off x="0" y="0"/>
+          <a:ext cx="0" cy="0"/>
+          <a:chOff x="0" y="0"/>
+          <a:chExt cx="0" cy="0"/>
+        </a:xfrm>
+      </p:grpSpPr>
+      <p:sp>
+        <p:nvSpPr>
+          <p:cNvPr id="251" name="Google Shape;251;p44"/>
+          <p:cNvSpPr txBox="1"/>
+          <p:nvPr/>
+        </p:nvSpPr>
+        <p:spPr>
+          <a:xfrm>
+            <a:off x="928350" y="975900"/>
+            <a:ext cx="7287300" cy="3191700"/>
+          </a:xfrm>
+          <a:prstGeom prst="rect">
+            <a:avLst/>
+          </a:prstGeom>
+          <a:noFill/>
+          <a:ln>
+            <a:noFill/>
+          </a:ln>
+        </p:spPr>
+        <p:txBody>
+          <a:bodyPr anchorCtr="0" anchor="t" bIns="91425" lIns="91425" spcFirstLastPara="1" rIns="91425" wrap="square" tIns="91425">
+            <a:noAutofit/>
+          </a:bodyPr>
+          <a:lstStyle/>
+          <a:p>
+            <a:pPr indent="0" lvl="0" marL="0" rtl="0" algn="ctr">
+              <a:spcBef>
+                <a:spcPts val="0"/>
+              </a:spcBef>
+              <a:spcAft>
+                <a:spcPts val="0"/>
+              </a:spcAft>
+              <a:buNone/>
+            </a:pPr>
+            <a:r>
+              <a:rPr lang="en" sz="4000"/>
+              <a:t>Many Open Source repositories are out there! We use so many of them. For free and with freedom! We can contribute a bit back</a:t>
+            </a:r>
+            <a:endParaRPr sz="4000"/>
+          </a:p>
+        </p:txBody>
+      </p:sp>
+    </p:spTree>
+  </p:cSld>
+  <p:clrMapOvr>
+    <a:masterClrMapping/>
+  </p:clrMapOvr>
+</p:sld>
+</file>
+
+<file path=ppt/slides/slide33.xml><?xml version="1.0" encoding="utf-8"?>
+<p:sld xmlns:a="http://schemas.openxmlformats.org/drawingml/2006/main" xmlns:r="http://schemas.openxmlformats.org/officeDocument/2006/relationships" xmlns:mc="http://schemas.openxmlformats.org/markup-compatibility/2006" xmlns:mv="urn:schemas-microsoft-com:mac:vml" xmlns:p="http://schemas.openxmlformats.org/presentationml/2006/main" xmlns:c="http://schemas.openxmlformats.org/drawingml/2006/chart" xmlns:dgm="http://schemas.openxmlformats.org/drawingml/2006/diagram" xmlns:o="urn:schemas-microsoft-com:office:office" xmlns:v="urn:schemas-microsoft-com:vml" xmlns:pvml="urn:schemas-microsoft-com:office:powerpoint" xmlns:com="http://schemas.openxmlformats.org/drawingml/2006/compatibility" xmlns:p14="http://schemas.microsoft.com/office/powerpoint/2010/main" xmlns:p15="http://schemas.microsoft.com/office/powerpoint/2012/main">
+  <p:cSld>
+    <p:spTree>
+      <p:nvGrpSpPr>
+        <p:cNvPr id="255" name="Shape 255"/>
+        <p:cNvGrpSpPr/>
+        <p:nvPr/>
+      </p:nvGrpSpPr>
+      <p:grpSpPr>
+        <a:xfrm>
+          <a:off x="0" y="0"/>
+          <a:ext cx="0" cy="0"/>
+          <a:chOff x="0" y="0"/>
+          <a:chExt cx="0" cy="0"/>
+        </a:xfrm>
+      </p:grpSpPr>
+      <p:sp>
+        <p:nvSpPr>
+          <p:cNvPr id="256" name="Google Shape;256;p45"/>
+          <p:cNvSpPr txBox="1"/>
+          <p:nvPr/>
+        </p:nvSpPr>
+        <p:spPr>
+          <a:xfrm>
+            <a:off x="928350" y="678750"/>
+            <a:ext cx="7287300" cy="3786000"/>
+          </a:xfrm>
+          <a:prstGeom prst="rect">
+            <a:avLst/>
+          </a:prstGeom>
+          <a:noFill/>
+          <a:ln>
+            <a:noFill/>
+          </a:ln>
+        </p:spPr>
+        <p:txBody>
+          <a:bodyPr anchorCtr="0" anchor="t" bIns="91425" lIns="91425" spcFirstLastPara="1" rIns="91425" wrap="square" tIns="91425">
+            <a:noAutofit/>
+          </a:bodyPr>
+          <a:lstStyle/>
+          <a:p>
+            <a:pPr indent="0" lvl="0" marL="0" rtl="0" algn="ctr">
+              <a:spcBef>
+                <a:spcPts val="0"/>
+              </a:spcBef>
+              <a:spcAft>
+                <a:spcPts val="0"/>
+              </a:spcAft>
+              <a:buNone/>
+            </a:pPr>
+            <a:r>
+              <a:rPr lang="en" sz="4000"/>
+              <a:t>Bottom line:</a:t>
+            </a:r>
+            <a:endParaRPr sz="4000"/>
           </a:p>
           <a:p>
             <a:pPr indent="0" lvl="0" marL="0" rtl="0" algn="ctr">
@@ -8832,12 +11792,75 @@
               <a:buNone/>
             </a:pPr>
             <a:r>
-              <a:rPr lang="en" sz="4000">
-                <a:solidFill>
-                  <a:schemeClr val="dk1"/>
-                </a:solidFill>
-              </a:rPr>
-              <a:t>3 Unmerged</a:t>
+              <a:rPr lang="en" sz="4000"/>
+              <a:t>Open Source can survive only if it gets contributions in some way or the other. Or it will not sustain and people will not trust them anymore.</a:t>
+            </a:r>
+            <a:endParaRPr sz="4000"/>
+          </a:p>
+        </p:txBody>
+      </p:sp>
+    </p:spTree>
+  </p:cSld>
+  <p:clrMapOvr>
+    <a:masterClrMapping/>
+  </p:clrMapOvr>
+</p:sld>
+</file>
+
+<file path=ppt/slides/slide34.xml><?xml version="1.0" encoding="utf-8"?>
+<p:sld xmlns:a="http://schemas.openxmlformats.org/drawingml/2006/main" xmlns:r="http://schemas.openxmlformats.org/officeDocument/2006/relationships" xmlns:mc="http://schemas.openxmlformats.org/markup-compatibility/2006" xmlns:mv="urn:schemas-microsoft-com:mac:vml" xmlns:p="http://schemas.openxmlformats.org/presentationml/2006/main" xmlns:c="http://schemas.openxmlformats.org/drawingml/2006/chart" xmlns:dgm="http://schemas.openxmlformats.org/drawingml/2006/diagram" xmlns:o="urn:schemas-microsoft-com:office:office" xmlns:v="urn:schemas-microsoft-com:vml" xmlns:pvml="urn:schemas-microsoft-com:office:powerpoint" xmlns:com="http://schemas.openxmlformats.org/drawingml/2006/compatibility" xmlns:p14="http://schemas.microsoft.com/office/powerpoint/2010/main" xmlns:p15="http://schemas.microsoft.com/office/powerpoint/2012/main">
+  <p:cSld>
+    <p:spTree>
+      <p:nvGrpSpPr>
+        <p:cNvPr id="260" name="Shape 260"/>
+        <p:cNvGrpSpPr/>
+        <p:nvPr/>
+      </p:nvGrpSpPr>
+      <p:grpSpPr>
+        <a:xfrm>
+          <a:off x="0" y="0"/>
+          <a:ext cx="0" cy="0"/>
+          <a:chOff x="0" y="0"/>
+          <a:chExt cx="0" cy="0"/>
+        </a:xfrm>
+      </p:grpSpPr>
+      <p:sp>
+        <p:nvSpPr>
+          <p:cNvPr id="261" name="Google Shape;261;p46"/>
+          <p:cNvSpPr txBox="1"/>
+          <p:nvPr/>
+        </p:nvSpPr>
+        <p:spPr>
+          <a:xfrm>
+            <a:off x="928350" y="2169450"/>
+            <a:ext cx="7287300" cy="804600"/>
+          </a:xfrm>
+          <a:prstGeom prst="rect">
+            <a:avLst/>
+          </a:prstGeom>
+          <a:noFill/>
+          <a:ln>
+            <a:noFill/>
+          </a:ln>
+        </p:spPr>
+        <p:txBody>
+          <a:bodyPr anchorCtr="0" anchor="t" bIns="91425" lIns="91425" spcFirstLastPara="1" rIns="91425" wrap="square" tIns="91425">
+            <a:noAutofit/>
+          </a:bodyPr>
+          <a:lstStyle/>
+          <a:p>
+            <a:pPr indent="0" lvl="0" marL="0" rtl="0" algn="ctr">
+              <a:spcBef>
+                <a:spcPts val="0"/>
+              </a:spcBef>
+              <a:spcAft>
+                <a:spcPts val="0"/>
+              </a:spcAft>
+              <a:buNone/>
+            </a:pPr>
+            <a:r>
+              <a:rPr lang="en" sz="4000"/>
+              <a:t>Thank You!</a:t>
             </a:r>
             <a:endParaRPr sz="4000"/>
           </a:p>
@@ -8876,6 +11899,184 @@
         </p:nvSpPr>
         <p:spPr>
           <a:xfrm>
+            <a:off x="1977750" y="1302300"/>
+            <a:ext cx="5188500" cy="2538900"/>
+          </a:xfrm>
+          <a:prstGeom prst="rect">
+            <a:avLst/>
+          </a:prstGeom>
+          <a:noFill/>
+          <a:ln>
+            <a:noFill/>
+          </a:ln>
+        </p:spPr>
+        <p:txBody>
+          <a:bodyPr anchorCtr="0" anchor="t" bIns="91425" lIns="91425" spcFirstLastPara="1" rIns="91425" wrap="square" tIns="91425">
+            <a:noAutofit/>
+          </a:bodyPr>
+          <a:lstStyle/>
+          <a:p>
+            <a:pPr indent="0" lvl="0" marL="0" rtl="0" algn="ctr">
+              <a:spcBef>
+                <a:spcPts val="0"/>
+              </a:spcBef>
+              <a:spcAft>
+                <a:spcPts val="0"/>
+              </a:spcAft>
+              <a:buNone/>
+            </a:pPr>
+            <a:r>
+              <a:rPr lang="en" sz="4000">
+                <a:solidFill>
+                  <a:schemeClr val="dk1"/>
+                </a:solidFill>
+              </a:rPr>
+              <a:t>Totally 17</a:t>
+            </a:r>
+            <a:r>
+              <a:rPr lang="en" sz="4000">
+                <a:solidFill>
+                  <a:schemeClr val="dk1"/>
+                </a:solidFill>
+              </a:rPr>
+              <a:t> PRs</a:t>
+            </a:r>
+            <a:endParaRPr sz="4000">
+              <a:solidFill>
+                <a:schemeClr val="dk1"/>
+              </a:solidFill>
+            </a:endParaRPr>
+          </a:p>
+          <a:p>
+            <a:pPr indent="0" lvl="0" marL="0" rtl="0" algn="ctr">
+              <a:spcBef>
+                <a:spcPts val="0"/>
+              </a:spcBef>
+              <a:spcAft>
+                <a:spcPts val="0"/>
+              </a:spcAft>
+              <a:buNone/>
+            </a:pPr>
+            <a:r>
+              <a:rPr lang="en" sz="4000">
+                <a:solidFill>
+                  <a:schemeClr val="dk1"/>
+                </a:solidFill>
+              </a:rPr>
+              <a:t>9 Merged</a:t>
+            </a:r>
+            <a:endParaRPr sz="4000">
+              <a:solidFill>
+                <a:schemeClr val="dk1"/>
+              </a:solidFill>
+            </a:endParaRPr>
+          </a:p>
+          <a:p>
+            <a:pPr indent="0" lvl="0" marL="0" rtl="0" algn="ctr">
+              <a:spcBef>
+                <a:spcPts val="0"/>
+              </a:spcBef>
+              <a:spcAft>
+                <a:spcPts val="0"/>
+              </a:spcAft>
+              <a:buNone/>
+            </a:pPr>
+            <a:r>
+              <a:rPr lang="en" sz="4000">
+                <a:solidFill>
+                  <a:schemeClr val="dk1"/>
+                </a:solidFill>
+              </a:rPr>
+              <a:t>8 Closed</a:t>
+            </a:r>
+            <a:endParaRPr sz="4000">
+              <a:solidFill>
+                <a:schemeClr val="dk1"/>
+              </a:solidFill>
+            </a:endParaRPr>
+          </a:p>
+          <a:p>
+            <a:pPr indent="0" lvl="0" marL="0" rtl="0" algn="ctr">
+              <a:spcBef>
+                <a:spcPts val="0"/>
+              </a:spcBef>
+              <a:spcAft>
+                <a:spcPts val="0"/>
+              </a:spcAft>
+              <a:buNone/>
+            </a:pPr>
+            <a:r>
+              <a:t/>
+            </a:r>
+            <a:endParaRPr sz="4000">
+              <a:solidFill>
+                <a:schemeClr val="dk1"/>
+              </a:solidFill>
+            </a:endParaRPr>
+          </a:p>
+        </p:txBody>
+      </p:sp>
+      <p:pic>
+        <p:nvPicPr>
+          <p:cNvPr id="71" name="Google Shape;71;p16"/>
+          <p:cNvPicPr preferRelativeResize="0"/>
+          <p:nvPr/>
+        </p:nvPicPr>
+        <p:blipFill>
+          <a:blip r:embed="rId3">
+            <a:alphaModFix/>
+          </a:blip>
+          <a:stretch>
+            <a:fillRect/>
+          </a:stretch>
+        </p:blipFill>
+        <p:spPr>
+          <a:xfrm>
+            <a:off x="882025" y="1735275"/>
+            <a:ext cx="1672950" cy="1672950"/>
+          </a:xfrm>
+          <a:prstGeom prst="rect">
+            <a:avLst/>
+          </a:prstGeom>
+          <a:noFill/>
+          <a:ln>
+            <a:noFill/>
+          </a:ln>
+        </p:spPr>
+      </p:pic>
+    </p:spTree>
+  </p:cSld>
+  <p:clrMapOvr>
+    <a:masterClrMapping/>
+  </p:clrMapOvr>
+</p:sld>
+</file>
+
+<file path=ppt/slides/slide5.xml><?xml version="1.0" encoding="utf-8"?>
+<p:sld xmlns:a="http://schemas.openxmlformats.org/drawingml/2006/main" xmlns:r="http://schemas.openxmlformats.org/officeDocument/2006/relationships" xmlns:mc="http://schemas.openxmlformats.org/markup-compatibility/2006" xmlns:mv="urn:schemas-microsoft-com:mac:vml" xmlns:p="http://schemas.openxmlformats.org/presentationml/2006/main" xmlns:c="http://schemas.openxmlformats.org/drawingml/2006/chart" xmlns:dgm="http://schemas.openxmlformats.org/drawingml/2006/diagram" xmlns:o="urn:schemas-microsoft-com:office:office" xmlns:v="urn:schemas-microsoft-com:vml" xmlns:pvml="urn:schemas-microsoft-com:office:powerpoint" xmlns:com="http://schemas.openxmlformats.org/drawingml/2006/compatibility" xmlns:p14="http://schemas.microsoft.com/office/powerpoint/2010/main" xmlns:p15="http://schemas.microsoft.com/office/powerpoint/2012/main">
+  <p:cSld>
+    <p:spTree>
+      <p:nvGrpSpPr>
+        <p:cNvPr id="75" name="Shape 75"/>
+        <p:cNvGrpSpPr/>
+        <p:nvPr/>
+      </p:nvGrpSpPr>
+      <p:grpSpPr>
+        <a:xfrm>
+          <a:off x="0" y="0"/>
+          <a:ext cx="0" cy="0"/>
+          <a:chOff x="0" y="0"/>
+          <a:chExt cx="0" cy="0"/>
+        </a:xfrm>
+      </p:grpSpPr>
+      <p:sp>
+        <p:nvSpPr>
+          <p:cNvPr id="76" name="Google Shape;76;p17"/>
+          <p:cNvSpPr txBox="1"/>
+          <p:nvPr/>
+        </p:nvSpPr>
+        <p:spPr>
+          <a:xfrm>
             <a:off x="1466550" y="945300"/>
             <a:ext cx="6210900" cy="3252900"/>
           </a:xfrm>
@@ -8939,12 +12140,12 @@
 </p:sld>
 </file>
 
-<file path=ppt/slides/slide5.xml><?xml version="1.0" encoding="utf-8"?>
+<file path=ppt/slides/slide6.xml><?xml version="1.0" encoding="utf-8"?>
 <p:sld xmlns:a="http://schemas.openxmlformats.org/drawingml/2006/main" xmlns:r="http://schemas.openxmlformats.org/officeDocument/2006/relationships" xmlns:mc="http://schemas.openxmlformats.org/markup-compatibility/2006" xmlns:mv="urn:schemas-microsoft-com:mac:vml" xmlns:p="http://schemas.openxmlformats.org/presentationml/2006/main" xmlns:c="http://schemas.openxmlformats.org/drawingml/2006/chart" xmlns:dgm="http://schemas.openxmlformats.org/drawingml/2006/diagram" xmlns:o="urn:schemas-microsoft-com:office:office" xmlns:v="urn:schemas-microsoft-com:vml" xmlns:pvml="urn:schemas-microsoft-com:office:powerpoint" xmlns:com="http://schemas.openxmlformats.org/drawingml/2006/compatibility" xmlns:p14="http://schemas.microsoft.com/office/powerpoint/2010/main" xmlns:p15="http://schemas.microsoft.com/office/powerpoint/2012/main">
   <p:cSld>
     <p:spTree>
       <p:nvGrpSpPr>
-        <p:cNvPr id="74" name="Shape 74"/>
+        <p:cNvPr id="80" name="Shape 80"/>
         <p:cNvGrpSpPr/>
         <p:nvPr/>
       </p:nvGrpSpPr>
@@ -8958,7 +12159,7 @@
       </p:grpSpPr>
       <p:sp>
         <p:nvSpPr>
-          <p:cNvPr id="75" name="Google Shape;75;p17"/>
+          <p:cNvPr id="81" name="Google Shape;81;p18"/>
           <p:cNvSpPr txBox="1"/>
           <p:nvPr/>
         </p:nvSpPr>
@@ -8996,7 +12197,7 @@
                   <a:schemeClr val="dk1"/>
                 </a:solidFill>
               </a:rPr>
-              <a:t>Totally 60 Issues.</a:t>
+              <a:t>Totally 91 Issues.</a:t>
             </a:r>
             <a:endParaRPr sz="4000">
               <a:solidFill>
@@ -9020,7 +12221,7 @@
                   <a:schemeClr val="dk1"/>
                 </a:solidFill>
               </a:rPr>
-              <a:t>33 Closed. I helped close some of them.</a:t>
+              <a:t>57 Closed. I helped close few of them.</a:t>
             </a:r>
             <a:endParaRPr sz="4000">
               <a:solidFill>
@@ -9044,47 +12245,30 @@
                   <a:schemeClr val="dk1"/>
                 </a:solidFill>
               </a:rPr>
-              <a:t>27 Open. I’m trying to help.</a:t>
+              <a:t>34 Open. I’m trying to help there.</a:t>
             </a:r>
             <a:endParaRPr sz="4000"/>
           </a:p>
         </p:txBody>
       </p:sp>
-    </p:spTree>
-  </p:cSld>
-  <p:clrMapOvr>
-    <a:masterClrMapping/>
-  </p:clrMapOvr>
-</p:sld>
-</file>
-
-<file path=ppt/slides/slide6.xml><?xml version="1.0" encoding="utf-8"?>
-<p:sld xmlns:a="http://schemas.openxmlformats.org/drawingml/2006/main" xmlns:r="http://schemas.openxmlformats.org/officeDocument/2006/relationships" xmlns:mc="http://schemas.openxmlformats.org/markup-compatibility/2006" xmlns:mv="urn:schemas-microsoft-com:mac:vml" xmlns:p="http://schemas.openxmlformats.org/presentationml/2006/main" xmlns:c="http://schemas.openxmlformats.org/drawingml/2006/chart" xmlns:dgm="http://schemas.openxmlformats.org/drawingml/2006/diagram" xmlns:o="urn:schemas-microsoft-com:office:office" xmlns:v="urn:schemas-microsoft-com:vml" xmlns:pvml="urn:schemas-microsoft-com:office:powerpoint" xmlns:com="http://schemas.openxmlformats.org/drawingml/2006/compatibility" xmlns:p14="http://schemas.microsoft.com/office/powerpoint/2010/main" xmlns:p15="http://schemas.microsoft.com/office/powerpoint/2012/main">
-  <p:cSld>
-    <p:spTree>
-      <p:nvGrpSpPr>
-        <p:cNvPr id="79" name="Shape 79"/>
-        <p:cNvGrpSpPr/>
-        <p:nvPr/>
-      </p:nvGrpSpPr>
-      <p:grpSpPr>
-        <a:xfrm>
-          <a:off x="0" y="0"/>
-          <a:ext cx="0" cy="0"/>
-          <a:chOff x="0" y="0"/>
-          <a:chExt cx="0" cy="0"/>
-        </a:xfrm>
-      </p:grpSpPr>
-      <p:sp>
-        <p:nvSpPr>
-          <p:cNvPr id="80" name="Google Shape;80;p18"/>
-          <p:cNvSpPr txBox="1"/>
+      <p:pic>
+        <p:nvPicPr>
+          <p:cNvPr id="82" name="Google Shape;82;p18"/>
+          <p:cNvPicPr preferRelativeResize="0"/>
           <p:nvPr/>
-        </p:nvSpPr>
-        <p:spPr>
-          <a:xfrm>
-            <a:off x="1977750" y="1879050"/>
-            <a:ext cx="5188500" cy="1385400"/>
+        </p:nvPicPr>
+        <p:blipFill>
+          <a:blip r:embed="rId3">
+            <a:alphaModFix/>
+          </a:blip>
+          <a:stretch>
+            <a:fillRect/>
+          </a:stretch>
+        </p:blipFill>
+        <p:spPr>
+          <a:xfrm>
+            <a:off x="304800" y="1735275"/>
+            <a:ext cx="1672950" cy="1672950"/>
           </a:xfrm>
           <a:prstGeom prst="rect">
             <a:avLst/>
@@ -9094,29 +12278,7 @@
             <a:noFill/>
           </a:ln>
         </p:spPr>
-        <p:txBody>
-          <a:bodyPr anchorCtr="0" anchor="t" bIns="91425" lIns="91425" spcFirstLastPara="1" rIns="91425" wrap="square" tIns="91425">
-            <a:noAutofit/>
-          </a:bodyPr>
-          <a:lstStyle/>
-          <a:p>
-            <a:pPr indent="0" lvl="0" marL="0" rtl="0" algn="ctr">
-              <a:spcBef>
-                <a:spcPts val="0"/>
-              </a:spcBef>
-              <a:spcAft>
-                <a:spcPts val="0"/>
-              </a:spcAft>
-              <a:buNone/>
-            </a:pPr>
-            <a:r>
-              <a:rPr lang="en" sz="4000"/>
-              <a:t>Some of the ways I contributed in</a:t>
-            </a:r>
-            <a:endParaRPr sz="4000"/>
-          </a:p>
-        </p:txBody>
-      </p:sp>
+      </p:pic>
     </p:spTree>
   </p:cSld>
   <p:clrMapOvr>
@@ -9130,7 +12292,7 @@
   <p:cSld>
     <p:spTree>
       <p:nvGrpSpPr>
-        <p:cNvPr id="84" name="Shape 84"/>
+        <p:cNvPr id="86" name="Shape 86"/>
         <p:cNvGrpSpPr/>
         <p:nvPr/>
       </p:nvGrpSpPr>
@@ -9144,7 +12306,7 @@
       </p:grpSpPr>
       <p:sp>
         <p:nvSpPr>
-          <p:cNvPr id="85" name="Google Shape;85;p19"/>
+          <p:cNvPr id="87" name="Google Shape;87;p19"/>
           <p:cNvSpPr txBox="1"/>
           <p:nvPr/>
         </p:nvSpPr>
@@ -9178,27 +12340,7 @@
             </a:pPr>
             <a:r>
               <a:rPr lang="en" sz="4000"/>
-              <a:t>Reproduce Bugs</a:t>
-            </a:r>
-            <a:endParaRPr sz="4000"/>
-          </a:p>
-          <a:p>
-            <a:pPr indent="0" lvl="0" marL="0" rtl="0" algn="ctr">
-              <a:spcBef>
-                <a:spcPts val="0"/>
-              </a:spcBef>
-              <a:spcAft>
-                <a:spcPts val="0"/>
-              </a:spcAft>
-              <a:buNone/>
-            </a:pPr>
-            <a:r>
-              <a:rPr lang="en" sz="4000"/>
-              <a:t>a</a:t>
-            </a:r>
-            <a:r>
-              <a:rPr lang="en" sz="4000"/>
-              <a:t>nd Confirm them</a:t>
+              <a:t>Some of the ways I contributed in...</a:t>
             </a:r>
             <a:endParaRPr sz="4000"/>
           </a:p>
@@ -9217,7 +12359,7 @@
   <p:cSld>
     <p:spTree>
       <p:nvGrpSpPr>
-        <p:cNvPr id="89" name="Shape 89"/>
+        <p:cNvPr id="91" name="Shape 91"/>
         <p:cNvGrpSpPr/>
         <p:nvPr/>
       </p:nvGrpSpPr>
@@ -9231,14 +12373,14 @@
       </p:grpSpPr>
       <p:sp>
         <p:nvSpPr>
-          <p:cNvPr id="90" name="Google Shape;90;p20"/>
+          <p:cNvPr id="92" name="Google Shape;92;p20"/>
           <p:cNvSpPr txBox="1"/>
           <p:nvPr/>
         </p:nvSpPr>
         <p:spPr>
           <a:xfrm>
-            <a:off x="1977750" y="1588050"/>
-            <a:ext cx="5188500" cy="1967400"/>
+            <a:off x="1977750" y="1879050"/>
+            <a:ext cx="5188500" cy="1385400"/>
           </a:xfrm>
           <a:prstGeom prst="rect">
             <a:avLst/>
@@ -9265,7 +12407,27 @@
             </a:pPr>
             <a:r>
               <a:rPr lang="en" sz="4000"/>
-              <a:t>Try to find the root cause of the issue - is it an issue with helm?</a:t>
+              <a:t>Reproduce Issues</a:t>
+            </a:r>
+            <a:endParaRPr sz="4000"/>
+          </a:p>
+          <a:p>
+            <a:pPr indent="0" lvl="0" marL="0" rtl="0" algn="ctr">
+              <a:spcBef>
+                <a:spcPts val="0"/>
+              </a:spcBef>
+              <a:spcAft>
+                <a:spcPts val="0"/>
+              </a:spcAft>
+              <a:buNone/>
+            </a:pPr>
+            <a:r>
+              <a:rPr lang="en" sz="4000"/>
+              <a:t>a</a:t>
+            </a:r>
+            <a:r>
+              <a:rPr lang="en" sz="4000"/>
+              <a:t>nd Confirm them</a:t>
             </a:r>
             <a:endParaRPr sz="4000"/>
           </a:p>
@@ -9284,7 +12446,7 @@
   <p:cSld>
     <p:spTree>
       <p:nvGrpSpPr>
-        <p:cNvPr id="94" name="Shape 94"/>
+        <p:cNvPr id="96" name="Shape 96"/>
         <p:cNvGrpSpPr/>
         <p:nvPr/>
       </p:nvGrpSpPr>
@@ -9298,14 +12460,14 @@
       </p:grpSpPr>
       <p:sp>
         <p:nvSpPr>
-          <p:cNvPr id="95" name="Google Shape;95;p21"/>
+          <p:cNvPr id="97" name="Google Shape;97;p21"/>
           <p:cNvSpPr txBox="1"/>
           <p:nvPr/>
         </p:nvSpPr>
         <p:spPr>
           <a:xfrm>
-            <a:off x="865200" y="1528200"/>
-            <a:ext cx="7413600" cy="2087100"/>
+            <a:off x="1977750" y="1588050"/>
+            <a:ext cx="5188500" cy="1967400"/>
           </a:xfrm>
           <a:prstGeom prst="rect">
             <a:avLst/>
@@ -9332,7 +12494,7 @@
             </a:pPr>
             <a:r>
               <a:rPr lang="en" sz="4000"/>
-              <a:t>When helm is the issue - Find code that’s causing the issue. Try to discuss the solutions.</a:t>
+              <a:t>Try to find the root cause of the issue - is it an issue with helm?</a:t>
             </a:r>
             <a:endParaRPr sz="4000"/>
           </a:p>
